--- a/assets/logo.pptx
+++ b/assets/logo.pptx
@@ -6,6 +6,9 @@
   </p:sldMasterIdLst>
   <p:sldIdLst>
     <p:sldId id="256" r:id="rId2"/>
+    <p:sldId id="257" r:id="rId3"/>
+    <p:sldId id="258" r:id="rId4"/>
+    <p:sldId id="259" r:id="rId5"/>
   </p:sldIdLst>
   <p:sldSz cx="12192000" cy="6858000"/>
   <p:notesSz cx="6858000" cy="9144000"/>
@@ -104,6 +107,11 @@
       </a:defRPr>
     </a:lvl9pPr>
   </p:defaultTextStyle>
+  <p:extLst>
+    <p:ext uri="{EFAFB233-063F-42B5-8137-9DF3F51BA10A}">
+      <p15:sldGuideLst xmlns:p15="http://schemas.microsoft.com/office/powerpoint/2012/main"/>
+    </p:ext>
+  </p:extLst>
 </p:presentation>
 </file>
 
@@ -314,6 +322,42 @@
           </a:p>
         </p:txBody>
       </p:sp>
+      <p:pic>
+        <p:nvPicPr>
+          <p:cNvPr id="8" name="圖片 7">
+            <a:extLst>
+              <a:ext uri="{FF2B5EF4-FFF2-40B4-BE49-F238E27FC236}">
+                <a16:creationId xmlns:a16="http://schemas.microsoft.com/office/drawing/2014/main" id="{7653FE7D-6B68-FD7E-01FA-04C2368F0F3D}"/>
+              </a:ext>
+            </a:extLst>
+          </p:cNvPr>
+          <p:cNvPicPr>
+            <a:picLocks noChangeAspect="1"/>
+          </p:cNvPicPr>
+          <p:nvPr userDrawn="1"/>
+        </p:nvPicPr>
+        <p:blipFill>
+          <a:blip r:embed="rId2">
+            <a:extLst>
+              <a:ext uri="{28A0092B-C50C-407E-A947-70E740481C1C}">
+                <a14:useLocalDpi xmlns:a14="http://schemas.microsoft.com/office/drawing/2010/main" val="0"/>
+              </a:ext>
+            </a:extLst>
+          </a:blip>
+          <a:stretch>
+            <a:fillRect/>
+          </a:stretch>
+        </p:blipFill>
+        <p:spPr>
+          <a:xfrm>
+            <a:off x="0" y="4340513"/>
+            <a:ext cx="6465455" cy="2517487"/>
+          </a:xfrm>
+          <a:prstGeom prst="rect">
+            <a:avLst/>
+          </a:prstGeom>
+        </p:spPr>
+      </p:pic>
     </p:spTree>
     <p:extLst>
       <p:ext uri="{BB962C8B-B14F-4D97-AF65-F5344CB8AC3E}">
@@ -918,6 +962,42 @@
           </a:p>
         </p:txBody>
       </p:sp>
+      <p:pic>
+        <p:nvPicPr>
+          <p:cNvPr id="8" name="圖片 7">
+            <a:extLst>
+              <a:ext uri="{FF2B5EF4-FFF2-40B4-BE49-F238E27FC236}">
+                <a16:creationId xmlns:a16="http://schemas.microsoft.com/office/drawing/2014/main" id="{915BF7A7-E8D2-B62E-8A85-BA0E0D9C18A6}"/>
+              </a:ext>
+            </a:extLst>
+          </p:cNvPr>
+          <p:cNvPicPr>
+            <a:picLocks noChangeAspect="1"/>
+          </p:cNvPicPr>
+          <p:nvPr userDrawn="1"/>
+        </p:nvPicPr>
+        <p:blipFill>
+          <a:blip r:embed="rId2">
+            <a:extLst>
+              <a:ext uri="{28A0092B-C50C-407E-A947-70E740481C1C}">
+                <a14:useLocalDpi xmlns:a14="http://schemas.microsoft.com/office/drawing/2010/main" val="0"/>
+              </a:ext>
+            </a:extLst>
+          </a:blip>
+          <a:stretch>
+            <a:fillRect/>
+          </a:stretch>
+        </p:blipFill>
+        <p:spPr>
+          <a:xfrm>
+            <a:off x="0" y="4340513"/>
+            <a:ext cx="6465455" cy="2517487"/>
+          </a:xfrm>
+          <a:prstGeom prst="rect">
+            <a:avLst/>
+          </a:prstGeom>
+        </p:spPr>
+      </p:pic>
     </p:spTree>
     <p:extLst>
       <p:ext uri="{BB962C8B-B14F-4D97-AF65-F5344CB8AC3E}">
@@ -1193,6 +1273,42 @@
           </a:p>
         </p:txBody>
       </p:sp>
+      <p:pic>
+        <p:nvPicPr>
+          <p:cNvPr id="8" name="圖片 7">
+            <a:extLst>
+              <a:ext uri="{FF2B5EF4-FFF2-40B4-BE49-F238E27FC236}">
+                <a16:creationId xmlns:a16="http://schemas.microsoft.com/office/drawing/2014/main" id="{C28FC57E-B6B5-054F-25C7-95E86298235F}"/>
+              </a:ext>
+            </a:extLst>
+          </p:cNvPr>
+          <p:cNvPicPr>
+            <a:picLocks noChangeAspect="1"/>
+          </p:cNvPicPr>
+          <p:nvPr userDrawn="1"/>
+        </p:nvPicPr>
+        <p:blipFill>
+          <a:blip r:embed="rId2">
+            <a:extLst>
+              <a:ext uri="{28A0092B-C50C-407E-A947-70E740481C1C}">
+                <a14:useLocalDpi xmlns:a14="http://schemas.microsoft.com/office/drawing/2010/main" val="0"/>
+              </a:ext>
+            </a:extLst>
+          </a:blip>
+          <a:stretch>
+            <a:fillRect/>
+          </a:stretch>
+        </p:blipFill>
+        <p:spPr>
+          <a:xfrm>
+            <a:off x="0" y="4340513"/>
+            <a:ext cx="6465455" cy="2517487"/>
+          </a:xfrm>
+          <a:prstGeom prst="rect">
+            <a:avLst/>
+          </a:prstGeom>
+        </p:spPr>
+      </p:pic>
     </p:spTree>
     <p:extLst>
       <p:ext uri="{BB962C8B-B14F-4D97-AF65-F5344CB8AC3E}">
@@ -3455,6 +3571,4394 @@
 </p:sld>
 </file>
 
+<file path=ppt/slides/slide2.xml><?xml version="1.0" encoding="utf-8"?>
+<p:sld xmlns:a="http://schemas.openxmlformats.org/drawingml/2006/main" xmlns:r="http://schemas.openxmlformats.org/officeDocument/2006/relationships" xmlns:p="http://schemas.openxmlformats.org/presentationml/2006/main">
+  <p:cSld>
+    <p:spTree>
+      <p:nvGrpSpPr>
+        <p:cNvPr id="1" name=""/>
+        <p:cNvGrpSpPr/>
+        <p:nvPr/>
+      </p:nvGrpSpPr>
+      <p:grpSpPr>
+        <a:xfrm>
+          <a:off x="0" y="0"/>
+          <a:ext cx="0" cy="0"/>
+          <a:chOff x="0" y="0"/>
+          <a:chExt cx="0" cy="0"/>
+        </a:xfrm>
+      </p:grpSpPr>
+      <p:sp>
+        <p:nvSpPr>
+          <p:cNvPr id="45" name="矩形 44">
+            <a:extLst>
+              <a:ext uri="{FF2B5EF4-FFF2-40B4-BE49-F238E27FC236}">
+                <a16:creationId xmlns:a16="http://schemas.microsoft.com/office/drawing/2014/main" id="{E8B8ED96-47E0-53EE-2ACF-A12563FAC42E}"/>
+              </a:ext>
+            </a:extLst>
+          </p:cNvPr>
+          <p:cNvSpPr/>
+          <p:nvPr/>
+        </p:nvSpPr>
+        <p:spPr>
+          <a:xfrm>
+            <a:off x="9649410" y="5203141"/>
+            <a:ext cx="1905000" cy="1023646"/>
+          </a:xfrm>
+          <a:prstGeom prst="rect">
+            <a:avLst/>
+          </a:prstGeom>
+          <a:solidFill>
+            <a:srgbClr val="E6ECEF"/>
+          </a:solidFill>
+          <a:ln>
+            <a:noFill/>
+          </a:ln>
+        </p:spPr>
+        <p:style>
+          <a:lnRef idx="2">
+            <a:schemeClr val="accent1">
+              <a:shade val="50000"/>
+            </a:schemeClr>
+          </a:lnRef>
+          <a:fillRef idx="1">
+            <a:schemeClr val="accent1"/>
+          </a:fillRef>
+          <a:effectRef idx="0">
+            <a:schemeClr val="accent1"/>
+          </a:effectRef>
+          <a:fontRef idx="minor">
+            <a:schemeClr val="lt1"/>
+          </a:fontRef>
+        </p:style>
+        <p:txBody>
+          <a:bodyPr rtlCol="0" anchor="ctr"/>
+          <a:lstStyle/>
+          <a:p>
+            <a:pPr algn="ctr"/>
+            <a:endParaRPr lang="zh-TW" altLang="en-US"/>
+          </a:p>
+        </p:txBody>
+      </p:sp>
+      <p:sp>
+        <p:nvSpPr>
+          <p:cNvPr id="4" name="文字方塊 3">
+            <a:extLst>
+              <a:ext uri="{FF2B5EF4-FFF2-40B4-BE49-F238E27FC236}">
+                <a16:creationId xmlns:a16="http://schemas.microsoft.com/office/drawing/2014/main" id="{7F0EE69C-B41C-B66B-1AE8-804E6CDF32B1}"/>
+              </a:ext>
+            </a:extLst>
+          </p:cNvPr>
+          <p:cNvSpPr txBox="1"/>
+          <p:nvPr/>
+        </p:nvSpPr>
+        <p:spPr>
+          <a:xfrm>
+            <a:off x="862149" y="670560"/>
+            <a:ext cx="1724126" cy="369332"/>
+          </a:xfrm>
+          <a:prstGeom prst="rect">
+            <a:avLst/>
+          </a:prstGeom>
+          <a:noFill/>
+        </p:spPr>
+        <p:txBody>
+          <a:bodyPr wrap="none" rtlCol="0">
+            <a:spAutoFit/>
+          </a:bodyPr>
+          <a:lstStyle/>
+          <a:p>
+            <a:r>
+              <a:rPr lang="en-US" altLang="zh-TW" dirty="0"/>
+              <a:t>Nonlinear optics</a:t>
+            </a:r>
+            <a:endParaRPr lang="zh-TW" altLang="en-US" dirty="0"/>
+          </a:p>
+        </p:txBody>
+      </p:sp>
+      <p:sp>
+        <p:nvSpPr>
+          <p:cNvPr id="5" name="文字方塊 4">
+            <a:extLst>
+              <a:ext uri="{FF2B5EF4-FFF2-40B4-BE49-F238E27FC236}">
+                <a16:creationId xmlns:a16="http://schemas.microsoft.com/office/drawing/2014/main" id="{550932EE-FBE2-0D43-0688-BC10D93CA1C3}"/>
+              </a:ext>
+            </a:extLst>
+          </p:cNvPr>
+          <p:cNvSpPr txBox="1"/>
+          <p:nvPr/>
+        </p:nvSpPr>
+        <p:spPr>
+          <a:xfrm>
+            <a:off x="1576251" y="2812650"/>
+            <a:ext cx="4786310" cy="369332"/>
+          </a:xfrm>
+          <a:prstGeom prst="rect">
+            <a:avLst/>
+          </a:prstGeom>
+          <a:noFill/>
+        </p:spPr>
+        <p:txBody>
+          <a:bodyPr wrap="none" rtlCol="0">
+            <a:spAutoFit/>
+          </a:bodyPr>
+          <a:lstStyle/>
+          <a:p>
+            <a:r>
+              <a:rPr lang="en-US" altLang="zh-TW" dirty="0"/>
+              <a:t>Non-colinear optical parametric amplifier (NOPA)</a:t>
+            </a:r>
+            <a:endParaRPr lang="zh-TW" altLang="en-US" dirty="0"/>
+          </a:p>
+        </p:txBody>
+      </p:sp>
+      <p:sp>
+        <p:nvSpPr>
+          <p:cNvPr id="6" name="文字方塊 5">
+            <a:extLst>
+              <a:ext uri="{FF2B5EF4-FFF2-40B4-BE49-F238E27FC236}">
+                <a16:creationId xmlns:a16="http://schemas.microsoft.com/office/drawing/2014/main" id="{32C0F90E-0340-8984-990F-FD45DC358F35}"/>
+              </a:ext>
+            </a:extLst>
+          </p:cNvPr>
+          <p:cNvSpPr txBox="1"/>
+          <p:nvPr/>
+        </p:nvSpPr>
+        <p:spPr>
+          <a:xfrm>
+            <a:off x="1576251" y="1365460"/>
+            <a:ext cx="2813399" cy="369332"/>
+          </a:xfrm>
+          <a:prstGeom prst="rect">
+            <a:avLst/>
+          </a:prstGeom>
+          <a:noFill/>
+        </p:spPr>
+        <p:txBody>
+          <a:bodyPr wrap="none" rtlCol="0">
+            <a:spAutoFit/>
+          </a:bodyPr>
+          <a:lstStyle/>
+          <a:p>
+            <a:r>
+              <a:rPr lang="en-US" altLang="zh-TW" dirty="0"/>
+              <a:t>Supercontinuum generation</a:t>
+            </a:r>
+            <a:endParaRPr lang="zh-TW" altLang="en-US" dirty="0"/>
+          </a:p>
+        </p:txBody>
+      </p:sp>
+      <p:sp>
+        <p:nvSpPr>
+          <p:cNvPr id="8" name="文字方塊 7">
+            <a:extLst>
+              <a:ext uri="{FF2B5EF4-FFF2-40B4-BE49-F238E27FC236}">
+                <a16:creationId xmlns:a16="http://schemas.microsoft.com/office/drawing/2014/main" id="{D11BE266-0479-6E99-D5EB-48000847CE9C}"/>
+              </a:ext>
+            </a:extLst>
+          </p:cNvPr>
+          <p:cNvSpPr txBox="1"/>
+          <p:nvPr/>
+        </p:nvSpPr>
+        <p:spPr>
+          <a:xfrm>
+            <a:off x="1576251" y="1874912"/>
+            <a:ext cx="2067746" cy="369332"/>
+          </a:xfrm>
+          <a:prstGeom prst="rect">
+            <a:avLst/>
+          </a:prstGeom>
+          <a:noFill/>
+        </p:spPr>
+        <p:txBody>
+          <a:bodyPr wrap="none" rtlCol="0">
+            <a:spAutoFit/>
+          </a:bodyPr>
+          <a:lstStyle/>
+          <a:p>
+            <a:r>
+              <a:rPr lang="en-US" altLang="zh-TW" dirty="0"/>
+              <a:t>Spectral broadening</a:t>
+            </a:r>
+            <a:endParaRPr lang="zh-TW" altLang="en-US" dirty="0"/>
+          </a:p>
+        </p:txBody>
+      </p:sp>
+      <p:sp>
+        <p:nvSpPr>
+          <p:cNvPr id="10" name="文字方塊 9">
+            <a:extLst>
+              <a:ext uri="{FF2B5EF4-FFF2-40B4-BE49-F238E27FC236}">
+                <a16:creationId xmlns:a16="http://schemas.microsoft.com/office/drawing/2014/main" id="{8BD821AE-5674-D084-AA85-F447724FB063}"/>
+              </a:ext>
+            </a:extLst>
+          </p:cNvPr>
+          <p:cNvSpPr txBox="1"/>
+          <p:nvPr/>
+        </p:nvSpPr>
+        <p:spPr>
+          <a:xfrm>
+            <a:off x="1576251" y="2343781"/>
+            <a:ext cx="2441438" cy="369332"/>
+          </a:xfrm>
+          <a:prstGeom prst="rect">
+            <a:avLst/>
+          </a:prstGeom>
+          <a:noFill/>
+        </p:spPr>
+        <p:txBody>
+          <a:bodyPr wrap="none" rtlCol="0">
+            <a:spAutoFit/>
+          </a:bodyPr>
+          <a:lstStyle/>
+          <a:p>
+            <a:r>
+              <a:rPr lang="en-US" altLang="zh-TW" dirty="0"/>
+              <a:t>Mid-infrared generation</a:t>
+            </a:r>
+            <a:endParaRPr lang="zh-TW" altLang="en-US" dirty="0"/>
+          </a:p>
+        </p:txBody>
+      </p:sp>
+      <p:grpSp>
+        <p:nvGrpSpPr>
+          <p:cNvPr id="1031" name="群組 1030">
+            <a:extLst>
+              <a:ext uri="{FF2B5EF4-FFF2-40B4-BE49-F238E27FC236}">
+                <a16:creationId xmlns:a16="http://schemas.microsoft.com/office/drawing/2014/main" id="{B964FA5A-6D38-9820-CFEA-9B9AC9C8754D}"/>
+              </a:ext>
+            </a:extLst>
+          </p:cNvPr>
+          <p:cNvGrpSpPr/>
+          <p:nvPr/>
+        </p:nvGrpSpPr>
+        <p:grpSpPr>
+          <a:xfrm>
+            <a:off x="6654909" y="360315"/>
+            <a:ext cx="1617160" cy="1100697"/>
+            <a:chOff x="6031725" y="1065680"/>
+            <a:chExt cx="1778876" cy="1210767"/>
+          </a:xfrm>
+        </p:grpSpPr>
+        <p:grpSp>
+          <p:nvGrpSpPr>
+            <p:cNvPr id="1030" name="群組 1029">
+              <a:extLst>
+                <a:ext uri="{FF2B5EF4-FFF2-40B4-BE49-F238E27FC236}">
+                  <a16:creationId xmlns:a16="http://schemas.microsoft.com/office/drawing/2014/main" id="{87073069-FF46-2309-BC35-11F9E3BC36AA}"/>
+                </a:ext>
+              </a:extLst>
+            </p:cNvPr>
+            <p:cNvGrpSpPr/>
+            <p:nvPr/>
+          </p:nvGrpSpPr>
+          <p:grpSpPr>
+            <a:xfrm>
+              <a:off x="6802831" y="1226784"/>
+              <a:ext cx="1007770" cy="691452"/>
+              <a:chOff x="6767424" y="4493655"/>
+              <a:chExt cx="1007770" cy="691452"/>
+            </a:xfrm>
+          </p:grpSpPr>
+          <p:sp>
+            <p:nvSpPr>
+              <p:cNvPr id="33" name="等腰三角形 32">
+                <a:extLst>
+                  <a:ext uri="{FF2B5EF4-FFF2-40B4-BE49-F238E27FC236}">
+                    <a16:creationId xmlns:a16="http://schemas.microsoft.com/office/drawing/2014/main" id="{CB916B7A-52ED-828B-AF42-9A7218FB3117}"/>
+                  </a:ext>
+                </a:extLst>
+              </p:cNvPr>
+              <p:cNvSpPr/>
+              <p:nvPr/>
+            </p:nvSpPr>
+            <p:spPr>
+              <a:xfrm rot="15373384">
+                <a:off x="6932195" y="4342108"/>
+                <a:ext cx="691452" cy="994546"/>
+              </a:xfrm>
+              <a:custGeom>
+                <a:avLst/>
+                <a:gdLst>
+                  <a:gd name="connsiteX0" fmla="*/ 0 w 691452"/>
+                  <a:gd name="connsiteY0" fmla="*/ 942469 h 942469"/>
+                  <a:gd name="connsiteX1" fmla="*/ 345726 w 691452"/>
+                  <a:gd name="connsiteY1" fmla="*/ 0 h 942469"/>
+                  <a:gd name="connsiteX2" fmla="*/ 691452 w 691452"/>
+                  <a:gd name="connsiteY2" fmla="*/ 942469 h 942469"/>
+                  <a:gd name="connsiteX3" fmla="*/ 0 w 691452"/>
+                  <a:gd name="connsiteY3" fmla="*/ 942469 h 942469"/>
+                  <a:gd name="connsiteX0" fmla="*/ 0 w 691452"/>
+                  <a:gd name="connsiteY0" fmla="*/ 942469 h 977105"/>
+                  <a:gd name="connsiteX1" fmla="*/ 345726 w 691452"/>
+                  <a:gd name="connsiteY1" fmla="*/ 0 h 977105"/>
+                  <a:gd name="connsiteX2" fmla="*/ 691452 w 691452"/>
+                  <a:gd name="connsiteY2" fmla="*/ 942469 h 977105"/>
+                  <a:gd name="connsiteX3" fmla="*/ 0 w 691452"/>
+                  <a:gd name="connsiteY3" fmla="*/ 942469 h 977105"/>
+                  <a:gd name="connsiteX0" fmla="*/ 0 w 691452"/>
+                  <a:gd name="connsiteY0" fmla="*/ 942469 h 994546"/>
+                  <a:gd name="connsiteX1" fmla="*/ 345726 w 691452"/>
+                  <a:gd name="connsiteY1" fmla="*/ 0 h 994546"/>
+                  <a:gd name="connsiteX2" fmla="*/ 691452 w 691452"/>
+                  <a:gd name="connsiteY2" fmla="*/ 942469 h 994546"/>
+                  <a:gd name="connsiteX3" fmla="*/ 0 w 691452"/>
+                  <a:gd name="connsiteY3" fmla="*/ 942469 h 994546"/>
+                </a:gdLst>
+                <a:ahLst/>
+                <a:cxnLst>
+                  <a:cxn ang="0">
+                    <a:pos x="connsiteX0" y="connsiteY0"/>
+                  </a:cxn>
+                  <a:cxn ang="0">
+                    <a:pos x="connsiteX1" y="connsiteY1"/>
+                  </a:cxn>
+                  <a:cxn ang="0">
+                    <a:pos x="connsiteX2" y="connsiteY2"/>
+                  </a:cxn>
+                  <a:cxn ang="0">
+                    <a:pos x="connsiteX3" y="connsiteY3"/>
+                  </a:cxn>
+                </a:cxnLst>
+                <a:rect l="l" t="t" r="r" b="b"/>
+                <a:pathLst>
+                  <a:path w="691452" h="994546">
+                    <a:moveTo>
+                      <a:pt x="0" y="942469"/>
+                    </a:moveTo>
+                    <a:lnTo>
+                      <a:pt x="345726" y="0"/>
+                    </a:lnTo>
+                    <a:lnTo>
+                      <a:pt x="691452" y="942469"/>
+                    </a:lnTo>
+                    <a:cubicBezTo>
+                      <a:pt x="517264" y="1002857"/>
+                      <a:pt x="238344" y="1020402"/>
+                      <a:pt x="0" y="942469"/>
+                    </a:cubicBezTo>
+                    <a:close/>
+                  </a:path>
+                </a:pathLst>
+              </a:custGeom>
+              <a:solidFill>
+                <a:schemeClr val="accent1">
+                  <a:alpha val="40000"/>
+                </a:schemeClr>
+              </a:solidFill>
+              <a:ln>
+                <a:noFill/>
+              </a:ln>
+              <a:effectLst>
+                <a:glow>
+                  <a:srgbClr val="273C11"/>
+                </a:glow>
+              </a:effectLst>
+            </p:spPr>
+            <p:style>
+              <a:lnRef idx="2">
+                <a:schemeClr val="accent1">
+                  <a:shade val="50000"/>
+                </a:schemeClr>
+              </a:lnRef>
+              <a:fillRef idx="1">
+                <a:schemeClr val="accent1"/>
+              </a:fillRef>
+              <a:effectRef idx="0">
+                <a:schemeClr val="accent1"/>
+              </a:effectRef>
+              <a:fontRef idx="minor">
+                <a:schemeClr val="lt1"/>
+              </a:fontRef>
+            </p:style>
+            <p:txBody>
+              <a:bodyPr rtlCol="0" anchor="ctr"/>
+              <a:lstStyle/>
+              <a:p>
+                <a:pPr algn="ctr"/>
+                <a:endParaRPr lang="zh-TW" altLang="en-US" dirty="0"/>
+              </a:p>
+            </p:txBody>
+          </p:sp>
+          <p:sp>
+            <p:nvSpPr>
+              <p:cNvPr id="27" name="等腰三角形 26">
+                <a:extLst>
+                  <a:ext uri="{FF2B5EF4-FFF2-40B4-BE49-F238E27FC236}">
+                    <a16:creationId xmlns:a16="http://schemas.microsoft.com/office/drawing/2014/main" id="{C80989D2-7A46-CDE4-F07E-3E2D26AF6844}"/>
+                  </a:ext>
+                </a:extLst>
+              </p:cNvPr>
+              <p:cNvSpPr/>
+              <p:nvPr/>
+            </p:nvSpPr>
+            <p:spPr>
+              <a:xfrm rot="15373384">
+                <a:off x="6986150" y="4362736"/>
+                <a:ext cx="549633" cy="961144"/>
+              </a:xfrm>
+              <a:custGeom>
+                <a:avLst/>
+                <a:gdLst>
+                  <a:gd name="connsiteX0" fmla="*/ 0 w 549633"/>
+                  <a:gd name="connsiteY0" fmla="*/ 942469 h 942469"/>
+                  <a:gd name="connsiteX1" fmla="*/ 274817 w 549633"/>
+                  <a:gd name="connsiteY1" fmla="*/ 0 h 942469"/>
+                  <a:gd name="connsiteX2" fmla="*/ 549633 w 549633"/>
+                  <a:gd name="connsiteY2" fmla="*/ 942469 h 942469"/>
+                  <a:gd name="connsiteX3" fmla="*/ 0 w 549633"/>
+                  <a:gd name="connsiteY3" fmla="*/ 942469 h 942469"/>
+                  <a:gd name="connsiteX0" fmla="*/ 0 w 549633"/>
+                  <a:gd name="connsiteY0" fmla="*/ 942469 h 959324"/>
+                  <a:gd name="connsiteX1" fmla="*/ 274817 w 549633"/>
+                  <a:gd name="connsiteY1" fmla="*/ 0 h 959324"/>
+                  <a:gd name="connsiteX2" fmla="*/ 549633 w 549633"/>
+                  <a:gd name="connsiteY2" fmla="*/ 942469 h 959324"/>
+                  <a:gd name="connsiteX3" fmla="*/ 0 w 549633"/>
+                  <a:gd name="connsiteY3" fmla="*/ 942469 h 959324"/>
+                  <a:gd name="connsiteX0" fmla="*/ 0 w 549633"/>
+                  <a:gd name="connsiteY0" fmla="*/ 942469 h 969518"/>
+                  <a:gd name="connsiteX1" fmla="*/ 274817 w 549633"/>
+                  <a:gd name="connsiteY1" fmla="*/ 0 h 969518"/>
+                  <a:gd name="connsiteX2" fmla="*/ 549633 w 549633"/>
+                  <a:gd name="connsiteY2" fmla="*/ 942469 h 969518"/>
+                  <a:gd name="connsiteX3" fmla="*/ 0 w 549633"/>
+                  <a:gd name="connsiteY3" fmla="*/ 942469 h 969518"/>
+                  <a:gd name="connsiteX0" fmla="*/ 0 w 549633"/>
+                  <a:gd name="connsiteY0" fmla="*/ 942469 h 974613"/>
+                  <a:gd name="connsiteX1" fmla="*/ 274817 w 549633"/>
+                  <a:gd name="connsiteY1" fmla="*/ 0 h 974613"/>
+                  <a:gd name="connsiteX2" fmla="*/ 549633 w 549633"/>
+                  <a:gd name="connsiteY2" fmla="*/ 942469 h 974613"/>
+                  <a:gd name="connsiteX3" fmla="*/ 0 w 549633"/>
+                  <a:gd name="connsiteY3" fmla="*/ 942469 h 974613"/>
+                  <a:gd name="connsiteX0" fmla="*/ 0 w 549633"/>
+                  <a:gd name="connsiteY0" fmla="*/ 942469 h 978770"/>
+                  <a:gd name="connsiteX1" fmla="*/ 274817 w 549633"/>
+                  <a:gd name="connsiteY1" fmla="*/ 0 h 978770"/>
+                  <a:gd name="connsiteX2" fmla="*/ 549633 w 549633"/>
+                  <a:gd name="connsiteY2" fmla="*/ 942469 h 978770"/>
+                  <a:gd name="connsiteX3" fmla="*/ 0 w 549633"/>
+                  <a:gd name="connsiteY3" fmla="*/ 942469 h 978770"/>
+                </a:gdLst>
+                <a:ahLst/>
+                <a:cxnLst>
+                  <a:cxn ang="0">
+                    <a:pos x="connsiteX0" y="connsiteY0"/>
+                  </a:cxn>
+                  <a:cxn ang="0">
+                    <a:pos x="connsiteX1" y="connsiteY1"/>
+                  </a:cxn>
+                  <a:cxn ang="0">
+                    <a:pos x="connsiteX2" y="connsiteY2"/>
+                  </a:cxn>
+                  <a:cxn ang="0">
+                    <a:pos x="connsiteX3" y="connsiteY3"/>
+                  </a:cxn>
+                </a:cxnLst>
+                <a:rect l="l" t="t" r="r" b="b"/>
+                <a:pathLst>
+                  <a:path w="549633" h="978770">
+                    <a:moveTo>
+                      <a:pt x="0" y="942469"/>
+                    </a:moveTo>
+                    <a:lnTo>
+                      <a:pt x="274817" y="0"/>
+                    </a:lnTo>
+                    <a:lnTo>
+                      <a:pt x="549633" y="942469"/>
+                    </a:lnTo>
+                    <a:cubicBezTo>
+                      <a:pt x="463080" y="988449"/>
+                      <a:pt x="119333" y="993234"/>
+                      <a:pt x="0" y="942469"/>
+                    </a:cubicBezTo>
+                    <a:close/>
+                  </a:path>
+                </a:pathLst>
+              </a:custGeom>
+              <a:solidFill>
+                <a:schemeClr val="accent6">
+                  <a:lumMod val="75000"/>
+                  <a:alpha val="40000"/>
+                </a:schemeClr>
+              </a:solidFill>
+              <a:ln>
+                <a:noFill/>
+              </a:ln>
+              <a:effectLst>
+                <a:glow>
+                  <a:srgbClr val="273C11"/>
+                </a:glow>
+              </a:effectLst>
+            </p:spPr>
+            <p:style>
+              <a:lnRef idx="2">
+                <a:schemeClr val="accent1">
+                  <a:shade val="50000"/>
+                </a:schemeClr>
+              </a:lnRef>
+              <a:fillRef idx="1">
+                <a:schemeClr val="accent1"/>
+              </a:fillRef>
+              <a:effectRef idx="0">
+                <a:schemeClr val="accent1"/>
+              </a:effectRef>
+              <a:fontRef idx="minor">
+                <a:schemeClr val="lt1"/>
+              </a:fontRef>
+            </p:style>
+            <p:txBody>
+              <a:bodyPr rtlCol="0" anchor="ctr"/>
+              <a:lstStyle/>
+              <a:p>
+                <a:pPr algn="ctr"/>
+                <a:endParaRPr lang="zh-TW" altLang="en-US"/>
+              </a:p>
+            </p:txBody>
+          </p:sp>
+          <p:sp>
+            <p:nvSpPr>
+              <p:cNvPr id="29" name="等腰三角形 28">
+                <a:extLst>
+                  <a:ext uri="{FF2B5EF4-FFF2-40B4-BE49-F238E27FC236}">
+                    <a16:creationId xmlns:a16="http://schemas.microsoft.com/office/drawing/2014/main" id="{DDE4E7B9-BF15-7DCB-6023-2A4CAB61A736}"/>
+                  </a:ext>
+                </a:extLst>
+              </p:cNvPr>
+              <p:cNvSpPr/>
+              <p:nvPr/>
+            </p:nvSpPr>
+            <p:spPr>
+              <a:xfrm rot="15373384">
+                <a:off x="7079772" y="4380073"/>
+                <a:ext cx="331028" cy="929547"/>
+              </a:xfrm>
+              <a:custGeom>
+                <a:avLst/>
+                <a:gdLst>
+                  <a:gd name="connsiteX0" fmla="*/ 0 w 331028"/>
+                  <a:gd name="connsiteY0" fmla="*/ 916206 h 916206"/>
+                  <a:gd name="connsiteX1" fmla="*/ 165514 w 331028"/>
+                  <a:gd name="connsiteY1" fmla="*/ 0 h 916206"/>
+                  <a:gd name="connsiteX2" fmla="*/ 331028 w 331028"/>
+                  <a:gd name="connsiteY2" fmla="*/ 916206 h 916206"/>
+                  <a:gd name="connsiteX3" fmla="*/ 0 w 331028"/>
+                  <a:gd name="connsiteY3" fmla="*/ 916206 h 916206"/>
+                  <a:gd name="connsiteX0" fmla="*/ 0 w 331028"/>
+                  <a:gd name="connsiteY0" fmla="*/ 916206 h 922353"/>
+                  <a:gd name="connsiteX1" fmla="*/ 165514 w 331028"/>
+                  <a:gd name="connsiteY1" fmla="*/ 0 h 922353"/>
+                  <a:gd name="connsiteX2" fmla="*/ 331028 w 331028"/>
+                  <a:gd name="connsiteY2" fmla="*/ 916206 h 922353"/>
+                  <a:gd name="connsiteX3" fmla="*/ 0 w 331028"/>
+                  <a:gd name="connsiteY3" fmla="*/ 916206 h 922353"/>
+                  <a:gd name="connsiteX0" fmla="*/ 0 w 331028"/>
+                  <a:gd name="connsiteY0" fmla="*/ 916206 h 927243"/>
+                  <a:gd name="connsiteX1" fmla="*/ 165514 w 331028"/>
+                  <a:gd name="connsiteY1" fmla="*/ 0 h 927243"/>
+                  <a:gd name="connsiteX2" fmla="*/ 331028 w 331028"/>
+                  <a:gd name="connsiteY2" fmla="*/ 916206 h 927243"/>
+                  <a:gd name="connsiteX3" fmla="*/ 0 w 331028"/>
+                  <a:gd name="connsiteY3" fmla="*/ 916206 h 927243"/>
+                  <a:gd name="connsiteX0" fmla="*/ 0 w 331028"/>
+                  <a:gd name="connsiteY0" fmla="*/ 916206 h 923650"/>
+                  <a:gd name="connsiteX1" fmla="*/ 165514 w 331028"/>
+                  <a:gd name="connsiteY1" fmla="*/ 0 h 923650"/>
+                  <a:gd name="connsiteX2" fmla="*/ 331028 w 331028"/>
+                  <a:gd name="connsiteY2" fmla="*/ 916206 h 923650"/>
+                  <a:gd name="connsiteX3" fmla="*/ 0 w 331028"/>
+                  <a:gd name="connsiteY3" fmla="*/ 916206 h 923650"/>
+                  <a:gd name="connsiteX0" fmla="*/ 0 w 331028"/>
+                  <a:gd name="connsiteY0" fmla="*/ 916206 h 929552"/>
+                  <a:gd name="connsiteX1" fmla="*/ 165514 w 331028"/>
+                  <a:gd name="connsiteY1" fmla="*/ 0 h 929552"/>
+                  <a:gd name="connsiteX2" fmla="*/ 331028 w 331028"/>
+                  <a:gd name="connsiteY2" fmla="*/ 916206 h 929552"/>
+                  <a:gd name="connsiteX3" fmla="*/ 0 w 331028"/>
+                  <a:gd name="connsiteY3" fmla="*/ 916206 h 929552"/>
+                  <a:gd name="connsiteX0" fmla="*/ 0 w 331028"/>
+                  <a:gd name="connsiteY0" fmla="*/ 916206 h 937100"/>
+                  <a:gd name="connsiteX1" fmla="*/ 165514 w 331028"/>
+                  <a:gd name="connsiteY1" fmla="*/ 0 h 937100"/>
+                  <a:gd name="connsiteX2" fmla="*/ 331028 w 331028"/>
+                  <a:gd name="connsiteY2" fmla="*/ 916206 h 937100"/>
+                  <a:gd name="connsiteX3" fmla="*/ 0 w 331028"/>
+                  <a:gd name="connsiteY3" fmla="*/ 916206 h 937100"/>
+                  <a:gd name="connsiteX0" fmla="*/ 0 w 331028"/>
+                  <a:gd name="connsiteY0" fmla="*/ 916206 h 937100"/>
+                  <a:gd name="connsiteX1" fmla="*/ 165514 w 331028"/>
+                  <a:gd name="connsiteY1" fmla="*/ 0 h 937100"/>
+                  <a:gd name="connsiteX2" fmla="*/ 331028 w 331028"/>
+                  <a:gd name="connsiteY2" fmla="*/ 916206 h 937100"/>
+                  <a:gd name="connsiteX3" fmla="*/ 0 w 331028"/>
+                  <a:gd name="connsiteY3" fmla="*/ 916206 h 937100"/>
+                </a:gdLst>
+                <a:ahLst/>
+                <a:cxnLst>
+                  <a:cxn ang="0">
+                    <a:pos x="connsiteX0" y="connsiteY0"/>
+                  </a:cxn>
+                  <a:cxn ang="0">
+                    <a:pos x="connsiteX1" y="connsiteY1"/>
+                  </a:cxn>
+                  <a:cxn ang="0">
+                    <a:pos x="connsiteX2" y="connsiteY2"/>
+                  </a:cxn>
+                  <a:cxn ang="0">
+                    <a:pos x="connsiteX3" y="connsiteY3"/>
+                  </a:cxn>
+                </a:cxnLst>
+                <a:rect l="l" t="t" r="r" b="b"/>
+                <a:pathLst>
+                  <a:path w="331028" h="937100">
+                    <a:moveTo>
+                      <a:pt x="0" y="916206"/>
+                    </a:moveTo>
+                    <a:lnTo>
+                      <a:pt x="165514" y="0"/>
+                    </a:lnTo>
+                    <a:lnTo>
+                      <a:pt x="331028" y="916206"/>
+                    </a:lnTo>
+                    <a:cubicBezTo>
+                      <a:pt x="235828" y="944624"/>
+                      <a:pt x="101225" y="943500"/>
+                      <a:pt x="0" y="916206"/>
+                    </a:cubicBezTo>
+                    <a:close/>
+                  </a:path>
+                </a:pathLst>
+              </a:custGeom>
+              <a:solidFill>
+                <a:srgbClr val="EB1C46">
+                  <a:alpha val="50000"/>
+                </a:srgbClr>
+              </a:solidFill>
+              <a:ln>
+                <a:noFill/>
+              </a:ln>
+              <a:effectLst>
+                <a:glow>
+                  <a:srgbClr val="273C11"/>
+                </a:glow>
+              </a:effectLst>
+            </p:spPr>
+            <p:style>
+              <a:lnRef idx="2">
+                <a:schemeClr val="accent1">
+                  <a:shade val="50000"/>
+                </a:schemeClr>
+              </a:lnRef>
+              <a:fillRef idx="1">
+                <a:schemeClr val="accent1"/>
+              </a:fillRef>
+              <a:effectRef idx="0">
+                <a:schemeClr val="accent1"/>
+              </a:effectRef>
+              <a:fontRef idx="minor">
+                <a:schemeClr val="lt1"/>
+              </a:fontRef>
+            </p:style>
+            <p:txBody>
+              <a:bodyPr rtlCol="0" anchor="ctr"/>
+              <a:lstStyle/>
+              <a:p>
+                <a:pPr algn="ctr"/>
+                <a:endParaRPr lang="zh-TW" altLang="en-US"/>
+              </a:p>
+            </p:txBody>
+          </p:sp>
+          <p:sp>
+            <p:nvSpPr>
+              <p:cNvPr id="31" name="等腰三角形 30">
+                <a:extLst>
+                  <a:ext uri="{FF2B5EF4-FFF2-40B4-BE49-F238E27FC236}">
+                    <a16:creationId xmlns:a16="http://schemas.microsoft.com/office/drawing/2014/main" id="{2F44C316-AF82-2543-D90F-B7D030993DEC}"/>
+                  </a:ext>
+                </a:extLst>
+              </p:cNvPr>
+              <p:cNvSpPr/>
+              <p:nvPr/>
+            </p:nvSpPr>
+            <p:spPr>
+              <a:xfrm rot="15373384">
+                <a:off x="7141158" y="4388059"/>
+                <a:ext cx="173593" cy="921061"/>
+              </a:xfrm>
+              <a:custGeom>
+                <a:avLst/>
+                <a:gdLst>
+                  <a:gd name="connsiteX0" fmla="*/ 0 w 173593"/>
+                  <a:gd name="connsiteY0" fmla="*/ 905047 h 905047"/>
+                  <a:gd name="connsiteX1" fmla="*/ 86797 w 173593"/>
+                  <a:gd name="connsiteY1" fmla="*/ 0 h 905047"/>
+                  <a:gd name="connsiteX2" fmla="*/ 173593 w 173593"/>
+                  <a:gd name="connsiteY2" fmla="*/ 905047 h 905047"/>
+                  <a:gd name="connsiteX3" fmla="*/ 0 w 173593"/>
+                  <a:gd name="connsiteY3" fmla="*/ 905047 h 905047"/>
+                  <a:gd name="connsiteX0" fmla="*/ 0 w 173593"/>
+                  <a:gd name="connsiteY0" fmla="*/ 905047 h 915306"/>
+                  <a:gd name="connsiteX1" fmla="*/ 86797 w 173593"/>
+                  <a:gd name="connsiteY1" fmla="*/ 0 h 915306"/>
+                  <a:gd name="connsiteX2" fmla="*/ 173593 w 173593"/>
+                  <a:gd name="connsiteY2" fmla="*/ 905047 h 915306"/>
+                  <a:gd name="connsiteX3" fmla="*/ 0 w 173593"/>
+                  <a:gd name="connsiteY3" fmla="*/ 905047 h 915306"/>
+                  <a:gd name="connsiteX0" fmla="*/ 0 w 173593"/>
+                  <a:gd name="connsiteY0" fmla="*/ 905047 h 921061"/>
+                  <a:gd name="connsiteX1" fmla="*/ 86797 w 173593"/>
+                  <a:gd name="connsiteY1" fmla="*/ 0 h 921061"/>
+                  <a:gd name="connsiteX2" fmla="*/ 173593 w 173593"/>
+                  <a:gd name="connsiteY2" fmla="*/ 905047 h 921061"/>
+                  <a:gd name="connsiteX3" fmla="*/ 0 w 173593"/>
+                  <a:gd name="connsiteY3" fmla="*/ 905047 h 921061"/>
+                </a:gdLst>
+                <a:ahLst/>
+                <a:cxnLst>
+                  <a:cxn ang="0">
+                    <a:pos x="connsiteX0" y="connsiteY0"/>
+                  </a:cxn>
+                  <a:cxn ang="0">
+                    <a:pos x="connsiteX1" y="connsiteY1"/>
+                  </a:cxn>
+                  <a:cxn ang="0">
+                    <a:pos x="connsiteX2" y="connsiteY2"/>
+                  </a:cxn>
+                  <a:cxn ang="0">
+                    <a:pos x="connsiteX3" y="connsiteY3"/>
+                  </a:cxn>
+                </a:cxnLst>
+                <a:rect l="l" t="t" r="r" b="b"/>
+                <a:pathLst>
+                  <a:path w="173593" h="921061">
+                    <a:moveTo>
+                      <a:pt x="0" y="905047"/>
+                    </a:moveTo>
+                    <a:lnTo>
+                      <a:pt x="86797" y="0"/>
+                    </a:lnTo>
+                    <a:lnTo>
+                      <a:pt x="173593" y="905047"/>
+                    </a:lnTo>
+                    <a:cubicBezTo>
+                      <a:pt x="135453" y="924595"/>
+                      <a:pt x="62011" y="928130"/>
+                      <a:pt x="0" y="905047"/>
+                    </a:cubicBezTo>
+                    <a:close/>
+                  </a:path>
+                </a:pathLst>
+              </a:custGeom>
+              <a:solidFill>
+                <a:srgbClr val="FFFF00">
+                  <a:alpha val="60000"/>
+                </a:srgbClr>
+              </a:solidFill>
+              <a:ln>
+                <a:noFill/>
+              </a:ln>
+              <a:effectLst>
+                <a:glow>
+                  <a:srgbClr val="273C11"/>
+                </a:glow>
+              </a:effectLst>
+            </p:spPr>
+            <p:style>
+              <a:lnRef idx="2">
+                <a:schemeClr val="accent1">
+                  <a:shade val="50000"/>
+                </a:schemeClr>
+              </a:lnRef>
+              <a:fillRef idx="1">
+                <a:schemeClr val="accent1"/>
+              </a:fillRef>
+              <a:effectRef idx="0">
+                <a:schemeClr val="accent1"/>
+              </a:effectRef>
+              <a:fontRef idx="minor">
+                <a:schemeClr val="lt1"/>
+              </a:fontRef>
+            </p:style>
+            <p:txBody>
+              <a:bodyPr rtlCol="0" anchor="ctr"/>
+              <a:lstStyle/>
+              <a:p>
+                <a:pPr algn="ctr"/>
+                <a:endParaRPr lang="zh-TW" altLang="en-US"/>
+              </a:p>
+            </p:txBody>
+          </p:sp>
+        </p:grpSp>
+        <p:sp>
+          <p:nvSpPr>
+            <p:cNvPr id="11" name="橢圓 10">
+              <a:extLst>
+                <a:ext uri="{FF2B5EF4-FFF2-40B4-BE49-F238E27FC236}">
+                  <a16:creationId xmlns:a16="http://schemas.microsoft.com/office/drawing/2014/main" id="{22F65E88-36D8-E075-2254-C3BA400C7E67}"/>
+                </a:ext>
+              </a:extLst>
+            </p:cNvPr>
+            <p:cNvSpPr/>
+            <p:nvPr/>
+          </p:nvSpPr>
+          <p:spPr>
+            <a:xfrm rot="20925571">
+              <a:off x="6627676" y="1065680"/>
+              <a:ext cx="540587" cy="1201302"/>
+            </a:xfrm>
+            <a:prstGeom prst="ellipse">
+              <a:avLst/>
+            </a:prstGeom>
+            <a:solidFill>
+              <a:srgbClr val="A3CEF1">
+                <a:alpha val="50000"/>
+              </a:srgbClr>
+            </a:solidFill>
+            <a:ln>
+              <a:solidFill>
+                <a:srgbClr val="113256"/>
+              </a:solidFill>
+            </a:ln>
+          </p:spPr>
+          <p:style>
+            <a:lnRef idx="2">
+              <a:schemeClr val="accent1">
+                <a:shade val="50000"/>
+              </a:schemeClr>
+            </a:lnRef>
+            <a:fillRef idx="1">
+              <a:schemeClr val="accent1"/>
+            </a:fillRef>
+            <a:effectRef idx="0">
+              <a:schemeClr val="accent1"/>
+            </a:effectRef>
+            <a:fontRef idx="minor">
+              <a:schemeClr val="lt1"/>
+            </a:fontRef>
+          </p:style>
+          <p:txBody>
+            <a:bodyPr rtlCol="0" anchor="ctr"/>
+            <a:lstStyle/>
+            <a:p>
+              <a:pPr algn="ctr"/>
+              <a:endParaRPr lang="zh-TW" altLang="en-US"/>
+            </a:p>
+          </p:txBody>
+        </p:sp>
+        <p:sp>
+          <p:nvSpPr>
+            <p:cNvPr id="13" name="橢圓 12">
+              <a:extLst>
+                <a:ext uri="{FF2B5EF4-FFF2-40B4-BE49-F238E27FC236}">
+                  <a16:creationId xmlns:a16="http://schemas.microsoft.com/office/drawing/2014/main" id="{C900BA98-BF1F-F180-825C-967D15985BC5}"/>
+                </a:ext>
+              </a:extLst>
+            </p:cNvPr>
+            <p:cNvSpPr/>
+            <p:nvPr/>
+          </p:nvSpPr>
+          <p:spPr>
+            <a:xfrm rot="20925571">
+              <a:off x="6553861" y="1075146"/>
+              <a:ext cx="540587" cy="1201301"/>
+            </a:xfrm>
+            <a:prstGeom prst="ellipse">
+              <a:avLst/>
+            </a:prstGeom>
+            <a:solidFill>
+              <a:srgbClr val="A3CEF1">
+                <a:alpha val="50000"/>
+              </a:srgbClr>
+            </a:solidFill>
+            <a:ln>
+              <a:solidFill>
+                <a:srgbClr val="113256"/>
+              </a:solidFill>
+            </a:ln>
+          </p:spPr>
+          <p:style>
+            <a:lnRef idx="2">
+              <a:schemeClr val="accent1">
+                <a:shade val="50000"/>
+              </a:schemeClr>
+            </a:lnRef>
+            <a:fillRef idx="1">
+              <a:schemeClr val="accent1"/>
+            </a:fillRef>
+            <a:effectRef idx="0">
+              <a:schemeClr val="accent1"/>
+            </a:effectRef>
+            <a:fontRef idx="minor">
+              <a:schemeClr val="lt1"/>
+            </a:fontRef>
+          </p:style>
+          <p:txBody>
+            <a:bodyPr rtlCol="0" anchor="ctr"/>
+            <a:lstStyle/>
+            <a:p>
+              <a:pPr algn="ctr"/>
+              <a:endParaRPr lang="zh-TW" altLang="en-US"/>
+            </a:p>
+          </p:txBody>
+        </p:sp>
+        <p:grpSp>
+          <p:nvGrpSpPr>
+            <p:cNvPr id="22" name="群組 21">
+              <a:extLst>
+                <a:ext uri="{FF2B5EF4-FFF2-40B4-BE49-F238E27FC236}">
+                  <a16:creationId xmlns:a16="http://schemas.microsoft.com/office/drawing/2014/main" id="{29C14C24-079A-2348-AFDA-84FADDB5E4FE}"/>
+                </a:ext>
+              </a:extLst>
+            </p:cNvPr>
+            <p:cNvGrpSpPr/>
+            <p:nvPr/>
+          </p:nvGrpSpPr>
+          <p:grpSpPr>
+            <a:xfrm rot="20800647">
+              <a:off x="6031725" y="1680748"/>
+              <a:ext cx="797348" cy="187637"/>
+              <a:chOff x="8399910" y="2756243"/>
+              <a:chExt cx="334391" cy="78691"/>
+            </a:xfrm>
+          </p:grpSpPr>
+          <p:cxnSp>
+            <p:nvCxnSpPr>
+              <p:cNvPr id="18" name="直線接點 17">
+                <a:extLst>
+                  <a:ext uri="{FF2B5EF4-FFF2-40B4-BE49-F238E27FC236}">
+                    <a16:creationId xmlns:a16="http://schemas.microsoft.com/office/drawing/2014/main" id="{B1C1DD91-4CBC-9112-06CB-F4BA4985625D}"/>
+                  </a:ext>
+                </a:extLst>
+              </p:cNvPr>
+              <p:cNvCxnSpPr>
+                <a:cxnSpLocks/>
+              </p:cNvCxnSpPr>
+              <p:nvPr/>
+            </p:nvCxnSpPr>
+            <p:spPr>
+              <a:xfrm rot="799353" flipV="1">
+                <a:off x="8399910" y="2756243"/>
+                <a:ext cx="332301" cy="78691"/>
+              </a:xfrm>
+              <a:prstGeom prst="line">
+                <a:avLst/>
+              </a:prstGeom>
+              <a:ln w="38100">
+                <a:solidFill>
+                  <a:srgbClr val="113256"/>
+                </a:solidFill>
+              </a:ln>
+            </p:spPr>
+            <p:style>
+              <a:lnRef idx="1">
+                <a:schemeClr val="accent1"/>
+              </a:lnRef>
+              <a:fillRef idx="0">
+                <a:schemeClr val="accent1"/>
+              </a:fillRef>
+              <a:effectRef idx="0">
+                <a:schemeClr val="accent1"/>
+              </a:effectRef>
+              <a:fontRef idx="minor">
+                <a:schemeClr val="tx1"/>
+              </a:fontRef>
+            </p:style>
+          </p:cxnSp>
+          <p:cxnSp>
+            <p:nvCxnSpPr>
+              <p:cNvPr id="19" name="直線接點 18">
+                <a:extLst>
+                  <a:ext uri="{FF2B5EF4-FFF2-40B4-BE49-F238E27FC236}">
+                    <a16:creationId xmlns:a16="http://schemas.microsoft.com/office/drawing/2014/main" id="{B1162B1E-7BF2-5809-1B66-A4105CD98E0E}"/>
+                  </a:ext>
+                </a:extLst>
+              </p:cNvPr>
+              <p:cNvCxnSpPr>
+                <a:cxnSpLocks/>
+              </p:cNvCxnSpPr>
+              <p:nvPr/>
+            </p:nvCxnSpPr>
+            <p:spPr>
+              <a:xfrm rot="799353" flipV="1">
+                <a:off x="8553135" y="2771756"/>
+                <a:ext cx="181166" cy="42902"/>
+              </a:xfrm>
+              <a:prstGeom prst="line">
+                <a:avLst/>
+              </a:prstGeom>
+              <a:ln w="12700">
+                <a:gradFill>
+                  <a:gsLst>
+                    <a:gs pos="0">
+                      <a:srgbClr val="113256"/>
+                    </a:gs>
+                    <a:gs pos="100000">
+                      <a:schemeClr val="bg1"/>
+                    </a:gs>
+                  </a:gsLst>
+                  <a:lin ang="0" scaled="0"/>
+                </a:gradFill>
+              </a:ln>
+            </p:spPr>
+            <p:style>
+              <a:lnRef idx="1">
+                <a:schemeClr val="accent1"/>
+              </a:lnRef>
+              <a:fillRef idx="0">
+                <a:schemeClr val="accent1"/>
+              </a:fillRef>
+              <a:effectRef idx="0">
+                <a:schemeClr val="accent1"/>
+              </a:effectRef>
+              <a:fontRef idx="minor">
+                <a:schemeClr val="tx1"/>
+              </a:fontRef>
+            </p:style>
+          </p:cxnSp>
+        </p:grpSp>
+        <p:sp>
+          <p:nvSpPr>
+            <p:cNvPr id="25" name="橢圓 24">
+              <a:extLst>
+                <a:ext uri="{FF2B5EF4-FFF2-40B4-BE49-F238E27FC236}">
+                  <a16:creationId xmlns:a16="http://schemas.microsoft.com/office/drawing/2014/main" id="{0D4D0486-4925-2FD4-697F-90FC98791FD3}"/>
+                </a:ext>
+              </a:extLst>
+            </p:cNvPr>
+            <p:cNvSpPr/>
+            <p:nvPr/>
+          </p:nvSpPr>
+          <p:spPr>
+            <a:xfrm>
+              <a:off x="6784364" y="1652991"/>
+              <a:ext cx="117166" cy="117166"/>
+            </a:xfrm>
+            <a:prstGeom prst="ellipse">
+              <a:avLst/>
+            </a:prstGeom>
+            <a:solidFill>
+              <a:srgbClr val="FFF2D7">
+                <a:alpha val="70000"/>
+              </a:srgbClr>
+            </a:solidFill>
+            <a:ln>
+              <a:noFill/>
+            </a:ln>
+            <a:effectLst>
+              <a:glow rad="76200">
+                <a:srgbClr val="FFF267">
+                  <a:alpha val="70000"/>
+                </a:srgbClr>
+              </a:glow>
+            </a:effectLst>
+          </p:spPr>
+          <p:style>
+            <a:lnRef idx="2">
+              <a:schemeClr val="accent1">
+                <a:shade val="50000"/>
+              </a:schemeClr>
+            </a:lnRef>
+            <a:fillRef idx="1">
+              <a:schemeClr val="accent1"/>
+            </a:fillRef>
+            <a:effectRef idx="0">
+              <a:schemeClr val="accent1"/>
+            </a:effectRef>
+            <a:fontRef idx="minor">
+              <a:schemeClr val="lt1"/>
+            </a:fontRef>
+          </p:style>
+          <p:txBody>
+            <a:bodyPr rtlCol="0" anchor="ctr"/>
+            <a:lstStyle/>
+            <a:p>
+              <a:pPr algn="ctr"/>
+              <a:endParaRPr lang="zh-TW" altLang="en-US"/>
+            </a:p>
+          </p:txBody>
+        </p:sp>
+      </p:grpSp>
+      <p:grpSp>
+        <p:nvGrpSpPr>
+          <p:cNvPr id="1024" name="群組 1023">
+            <a:extLst>
+              <a:ext uri="{FF2B5EF4-FFF2-40B4-BE49-F238E27FC236}">
+                <a16:creationId xmlns:a16="http://schemas.microsoft.com/office/drawing/2014/main" id="{CAF37894-C30D-6359-ED1B-31D150ED82E1}"/>
+              </a:ext>
+            </a:extLst>
+          </p:cNvPr>
+          <p:cNvGrpSpPr/>
+          <p:nvPr/>
+        </p:nvGrpSpPr>
+        <p:grpSpPr>
+          <a:xfrm>
+            <a:off x="9629896" y="2647901"/>
+            <a:ext cx="1707653" cy="921709"/>
+            <a:chOff x="8965462" y="1482054"/>
+            <a:chExt cx="1743019" cy="921709"/>
+          </a:xfrm>
+        </p:grpSpPr>
+        <p:sp>
+          <p:nvSpPr>
+            <p:cNvPr id="58" name="手繪多邊形: 圖案 57">
+              <a:extLst>
+                <a:ext uri="{FF2B5EF4-FFF2-40B4-BE49-F238E27FC236}">
+                  <a16:creationId xmlns:a16="http://schemas.microsoft.com/office/drawing/2014/main" id="{647E05C7-1B17-5945-B3CE-16A7B0A8E21B}"/>
+                </a:ext>
+              </a:extLst>
+            </p:cNvPr>
+            <p:cNvSpPr/>
+            <p:nvPr/>
+          </p:nvSpPr>
+          <p:spPr>
+            <a:xfrm>
+              <a:off x="9569716" y="1482054"/>
+              <a:ext cx="533400" cy="893486"/>
+            </a:xfrm>
+            <a:custGeom>
+              <a:avLst/>
+              <a:gdLst>
+                <a:gd name="connsiteX0" fmla="*/ 0 w 523875"/>
+                <a:gd name="connsiteY0" fmla="*/ 1081092 h 1109692"/>
+                <a:gd name="connsiteX1" fmla="*/ 171450 w 523875"/>
+                <a:gd name="connsiteY1" fmla="*/ 971555 h 1109692"/>
+                <a:gd name="connsiteX2" fmla="*/ 257175 w 523875"/>
+                <a:gd name="connsiteY2" fmla="*/ 5 h 1109692"/>
+                <a:gd name="connsiteX3" fmla="*/ 342900 w 523875"/>
+                <a:gd name="connsiteY3" fmla="*/ 957267 h 1109692"/>
+                <a:gd name="connsiteX4" fmla="*/ 523875 w 523875"/>
+                <a:gd name="connsiteY4" fmla="*/ 1076330 h 1109692"/>
+                <a:gd name="connsiteX0" fmla="*/ 0 w 523875"/>
+                <a:gd name="connsiteY0" fmla="*/ 1081092 h 1109692"/>
+                <a:gd name="connsiteX1" fmla="*/ 171450 w 523875"/>
+                <a:gd name="connsiteY1" fmla="*/ 971555 h 1109692"/>
+                <a:gd name="connsiteX2" fmla="*/ 257175 w 523875"/>
+                <a:gd name="connsiteY2" fmla="*/ 5 h 1109692"/>
+                <a:gd name="connsiteX3" fmla="*/ 342900 w 523875"/>
+                <a:gd name="connsiteY3" fmla="*/ 957267 h 1109692"/>
+                <a:gd name="connsiteX4" fmla="*/ 523875 w 523875"/>
+                <a:gd name="connsiteY4" fmla="*/ 1076330 h 1109692"/>
+                <a:gd name="connsiteX0" fmla="*/ 0 w 523875"/>
+                <a:gd name="connsiteY0" fmla="*/ 1081092 h 1109692"/>
+                <a:gd name="connsiteX1" fmla="*/ 171450 w 523875"/>
+                <a:gd name="connsiteY1" fmla="*/ 971555 h 1109692"/>
+                <a:gd name="connsiteX2" fmla="*/ 257175 w 523875"/>
+                <a:gd name="connsiteY2" fmla="*/ 5 h 1109692"/>
+                <a:gd name="connsiteX3" fmla="*/ 342900 w 523875"/>
+                <a:gd name="connsiteY3" fmla="*/ 957267 h 1109692"/>
+                <a:gd name="connsiteX4" fmla="*/ 523875 w 523875"/>
+                <a:gd name="connsiteY4" fmla="*/ 1076330 h 1109692"/>
+                <a:gd name="connsiteX0" fmla="*/ 0 w 523875"/>
+                <a:gd name="connsiteY0" fmla="*/ 1081092 h 1109692"/>
+                <a:gd name="connsiteX1" fmla="*/ 171450 w 523875"/>
+                <a:gd name="connsiteY1" fmla="*/ 971555 h 1109692"/>
+                <a:gd name="connsiteX2" fmla="*/ 257175 w 523875"/>
+                <a:gd name="connsiteY2" fmla="*/ 5 h 1109692"/>
+                <a:gd name="connsiteX3" fmla="*/ 342900 w 523875"/>
+                <a:gd name="connsiteY3" fmla="*/ 957267 h 1109692"/>
+                <a:gd name="connsiteX4" fmla="*/ 523875 w 523875"/>
+                <a:gd name="connsiteY4" fmla="*/ 1076330 h 1109692"/>
+                <a:gd name="connsiteX0" fmla="*/ 0 w 523875"/>
+                <a:gd name="connsiteY0" fmla="*/ 1081092 h 1109692"/>
+                <a:gd name="connsiteX1" fmla="*/ 171450 w 523875"/>
+                <a:gd name="connsiteY1" fmla="*/ 971555 h 1109692"/>
+                <a:gd name="connsiteX2" fmla="*/ 257175 w 523875"/>
+                <a:gd name="connsiteY2" fmla="*/ 5 h 1109692"/>
+                <a:gd name="connsiteX3" fmla="*/ 342900 w 523875"/>
+                <a:gd name="connsiteY3" fmla="*/ 957267 h 1109692"/>
+                <a:gd name="connsiteX4" fmla="*/ 523875 w 523875"/>
+                <a:gd name="connsiteY4" fmla="*/ 1076330 h 1109692"/>
+                <a:gd name="connsiteX0" fmla="*/ 0 w 523875"/>
+                <a:gd name="connsiteY0" fmla="*/ 1081092 h 1094573"/>
+                <a:gd name="connsiteX1" fmla="*/ 171450 w 523875"/>
+                <a:gd name="connsiteY1" fmla="*/ 971555 h 1094573"/>
+                <a:gd name="connsiteX2" fmla="*/ 257175 w 523875"/>
+                <a:gd name="connsiteY2" fmla="*/ 5 h 1094573"/>
+                <a:gd name="connsiteX3" fmla="*/ 342900 w 523875"/>
+                <a:gd name="connsiteY3" fmla="*/ 957267 h 1094573"/>
+                <a:gd name="connsiteX4" fmla="*/ 523875 w 523875"/>
+                <a:gd name="connsiteY4" fmla="*/ 1076330 h 1094573"/>
+                <a:gd name="connsiteX0" fmla="*/ 0 w 523875"/>
+                <a:gd name="connsiteY0" fmla="*/ 1081092 h 1081587"/>
+                <a:gd name="connsiteX1" fmla="*/ 171450 w 523875"/>
+                <a:gd name="connsiteY1" fmla="*/ 971555 h 1081587"/>
+                <a:gd name="connsiteX2" fmla="*/ 257175 w 523875"/>
+                <a:gd name="connsiteY2" fmla="*/ 5 h 1081587"/>
+                <a:gd name="connsiteX3" fmla="*/ 342900 w 523875"/>
+                <a:gd name="connsiteY3" fmla="*/ 957267 h 1081587"/>
+                <a:gd name="connsiteX4" fmla="*/ 523875 w 523875"/>
+                <a:gd name="connsiteY4" fmla="*/ 1076330 h 1081587"/>
+                <a:gd name="connsiteX0" fmla="*/ 0 w 533400"/>
+                <a:gd name="connsiteY0" fmla="*/ 1081092 h 1084716"/>
+                <a:gd name="connsiteX1" fmla="*/ 171450 w 533400"/>
+                <a:gd name="connsiteY1" fmla="*/ 971555 h 1084716"/>
+                <a:gd name="connsiteX2" fmla="*/ 257175 w 533400"/>
+                <a:gd name="connsiteY2" fmla="*/ 5 h 1084716"/>
+                <a:gd name="connsiteX3" fmla="*/ 342900 w 533400"/>
+                <a:gd name="connsiteY3" fmla="*/ 957267 h 1084716"/>
+                <a:gd name="connsiteX4" fmla="*/ 533400 w 533400"/>
+                <a:gd name="connsiteY4" fmla="*/ 1076330 h 1084716"/>
+                <a:gd name="connsiteX0" fmla="*/ 0 w 533400"/>
+                <a:gd name="connsiteY0" fmla="*/ 1081092 h 1081587"/>
+                <a:gd name="connsiteX1" fmla="*/ 171450 w 533400"/>
+                <a:gd name="connsiteY1" fmla="*/ 971555 h 1081587"/>
+                <a:gd name="connsiteX2" fmla="*/ 257175 w 533400"/>
+                <a:gd name="connsiteY2" fmla="*/ 5 h 1081587"/>
+                <a:gd name="connsiteX3" fmla="*/ 342900 w 533400"/>
+                <a:gd name="connsiteY3" fmla="*/ 957267 h 1081587"/>
+                <a:gd name="connsiteX4" fmla="*/ 533400 w 533400"/>
+                <a:gd name="connsiteY4" fmla="*/ 1076330 h 1081587"/>
+              </a:gdLst>
+              <a:ahLst/>
+              <a:cxnLst>
+                <a:cxn ang="0">
+                  <a:pos x="connsiteX0" y="connsiteY0"/>
+                </a:cxn>
+                <a:cxn ang="0">
+                  <a:pos x="connsiteX1" y="connsiteY1"/>
+                </a:cxn>
+                <a:cxn ang="0">
+                  <a:pos x="connsiteX2" y="connsiteY2"/>
+                </a:cxn>
+                <a:cxn ang="0">
+                  <a:pos x="connsiteX3" y="connsiteY3"/>
+                </a:cxn>
+                <a:cxn ang="0">
+                  <a:pos x="connsiteX4" y="connsiteY4"/>
+                </a:cxn>
+              </a:cxnLst>
+              <a:rect l="l" t="t" r="r" b="b"/>
+              <a:pathLst>
+                <a:path w="533400" h="1081587">
+                  <a:moveTo>
+                    <a:pt x="0" y="1081092"/>
+                  </a:moveTo>
+                  <a:cubicBezTo>
+                    <a:pt x="80963" y="1080695"/>
+                    <a:pt x="140494" y="1096967"/>
+                    <a:pt x="171450" y="971555"/>
+                  </a:cubicBezTo>
+                  <a:cubicBezTo>
+                    <a:pt x="202406" y="846143"/>
+                    <a:pt x="228600" y="2386"/>
+                    <a:pt x="257175" y="5"/>
+                  </a:cubicBezTo>
+                  <a:cubicBezTo>
+                    <a:pt x="285750" y="-2376"/>
+                    <a:pt x="301625" y="796937"/>
+                    <a:pt x="342900" y="957267"/>
+                  </a:cubicBezTo>
+                  <a:cubicBezTo>
+                    <a:pt x="384175" y="1117597"/>
+                    <a:pt x="446087" y="1073154"/>
+                    <a:pt x="533400" y="1076330"/>
+                  </a:cubicBezTo>
+                </a:path>
+              </a:pathLst>
+            </a:custGeom>
+            <a:solidFill>
+              <a:srgbClr val="8B8C89"/>
+            </a:solidFill>
+            <a:ln>
+              <a:noFill/>
+            </a:ln>
+          </p:spPr>
+          <p:style>
+            <a:lnRef idx="2">
+              <a:schemeClr val="accent1">
+                <a:shade val="50000"/>
+              </a:schemeClr>
+            </a:lnRef>
+            <a:fillRef idx="1">
+              <a:schemeClr val="accent1"/>
+            </a:fillRef>
+            <a:effectRef idx="0">
+              <a:schemeClr val="accent1"/>
+            </a:effectRef>
+            <a:fontRef idx="minor">
+              <a:schemeClr val="lt1"/>
+            </a:fontRef>
+          </p:style>
+          <p:txBody>
+            <a:bodyPr rtlCol="0" anchor="ctr"/>
+            <a:lstStyle/>
+            <a:p>
+              <a:pPr algn="ctr"/>
+              <a:endParaRPr lang="zh-TW" altLang="en-US"/>
+            </a:p>
+          </p:txBody>
+        </p:sp>
+        <p:sp>
+          <p:nvSpPr>
+            <p:cNvPr id="57" name="手繪多邊形: 圖案 56">
+              <a:extLst>
+                <a:ext uri="{FF2B5EF4-FFF2-40B4-BE49-F238E27FC236}">
+                  <a16:creationId xmlns:a16="http://schemas.microsoft.com/office/drawing/2014/main" id="{433CECE5-F159-864A-FACD-25BD08103E02}"/>
+                </a:ext>
+              </a:extLst>
+            </p:cNvPr>
+            <p:cNvSpPr/>
+            <p:nvPr/>
+          </p:nvSpPr>
+          <p:spPr>
+            <a:xfrm>
+              <a:off x="8965462" y="1783479"/>
+              <a:ext cx="1699260" cy="595627"/>
+            </a:xfrm>
+            <a:custGeom>
+              <a:avLst/>
+              <a:gdLst>
+                <a:gd name="connsiteX0" fmla="*/ 0 w 1699260"/>
+                <a:gd name="connsiteY0" fmla="*/ 1059204 h 1106400"/>
+                <a:gd name="connsiteX1" fmla="*/ 205740 w 1699260"/>
+                <a:gd name="connsiteY1" fmla="*/ 967764 h 1106400"/>
+                <a:gd name="connsiteX2" fmla="*/ 358140 w 1699260"/>
+                <a:gd name="connsiteY2" fmla="*/ 24 h 1106400"/>
+                <a:gd name="connsiteX3" fmla="*/ 472440 w 1699260"/>
+                <a:gd name="connsiteY3" fmla="*/ 998244 h 1106400"/>
+                <a:gd name="connsiteX4" fmla="*/ 541020 w 1699260"/>
+                <a:gd name="connsiteY4" fmla="*/ 449604 h 1106400"/>
+                <a:gd name="connsiteX5" fmla="*/ 609600 w 1699260"/>
+                <a:gd name="connsiteY5" fmla="*/ 967764 h 1106400"/>
+                <a:gd name="connsiteX6" fmla="*/ 662940 w 1699260"/>
+                <a:gd name="connsiteY6" fmla="*/ 647724 h 1106400"/>
+                <a:gd name="connsiteX7" fmla="*/ 708660 w 1699260"/>
+                <a:gd name="connsiteY7" fmla="*/ 906804 h 1106400"/>
+                <a:gd name="connsiteX8" fmla="*/ 754380 w 1699260"/>
+                <a:gd name="connsiteY8" fmla="*/ 784884 h 1106400"/>
+                <a:gd name="connsiteX9" fmla="*/ 792480 w 1699260"/>
+                <a:gd name="connsiteY9" fmla="*/ 853464 h 1106400"/>
+                <a:gd name="connsiteX10" fmla="*/ 868680 w 1699260"/>
+                <a:gd name="connsiteY10" fmla="*/ 807744 h 1106400"/>
+                <a:gd name="connsiteX11" fmla="*/ 952500 w 1699260"/>
+                <a:gd name="connsiteY11" fmla="*/ 853464 h 1106400"/>
+                <a:gd name="connsiteX12" fmla="*/ 998220 w 1699260"/>
+                <a:gd name="connsiteY12" fmla="*/ 762024 h 1106400"/>
+                <a:gd name="connsiteX13" fmla="*/ 1028700 w 1699260"/>
+                <a:gd name="connsiteY13" fmla="*/ 891564 h 1106400"/>
+                <a:gd name="connsiteX14" fmla="*/ 1082040 w 1699260"/>
+                <a:gd name="connsiteY14" fmla="*/ 632484 h 1106400"/>
+                <a:gd name="connsiteX15" fmla="*/ 1127760 w 1699260"/>
+                <a:gd name="connsiteY15" fmla="*/ 967764 h 1106400"/>
+                <a:gd name="connsiteX16" fmla="*/ 1196340 w 1699260"/>
+                <a:gd name="connsiteY16" fmla="*/ 464844 h 1106400"/>
+                <a:gd name="connsiteX17" fmla="*/ 1264920 w 1699260"/>
+                <a:gd name="connsiteY17" fmla="*/ 1005864 h 1106400"/>
+                <a:gd name="connsiteX18" fmla="*/ 1379220 w 1699260"/>
+                <a:gd name="connsiteY18" fmla="*/ 24 h 1106400"/>
+                <a:gd name="connsiteX19" fmla="*/ 1531620 w 1699260"/>
+                <a:gd name="connsiteY19" fmla="*/ 983004 h 1106400"/>
+                <a:gd name="connsiteX20" fmla="*/ 1699260 w 1699260"/>
+                <a:gd name="connsiteY20" fmla="*/ 1059204 h 1106400"/>
+                <a:gd name="connsiteX0" fmla="*/ 0 w 1699260"/>
+                <a:gd name="connsiteY0" fmla="*/ 1059204 h 1096701"/>
+                <a:gd name="connsiteX1" fmla="*/ 205740 w 1699260"/>
+                <a:gd name="connsiteY1" fmla="*/ 967764 h 1096701"/>
+                <a:gd name="connsiteX2" fmla="*/ 358140 w 1699260"/>
+                <a:gd name="connsiteY2" fmla="*/ 24 h 1096701"/>
+                <a:gd name="connsiteX3" fmla="*/ 472440 w 1699260"/>
+                <a:gd name="connsiteY3" fmla="*/ 998244 h 1096701"/>
+                <a:gd name="connsiteX4" fmla="*/ 541020 w 1699260"/>
+                <a:gd name="connsiteY4" fmla="*/ 449604 h 1096701"/>
+                <a:gd name="connsiteX5" fmla="*/ 609600 w 1699260"/>
+                <a:gd name="connsiteY5" fmla="*/ 967764 h 1096701"/>
+                <a:gd name="connsiteX6" fmla="*/ 662940 w 1699260"/>
+                <a:gd name="connsiteY6" fmla="*/ 647724 h 1096701"/>
+                <a:gd name="connsiteX7" fmla="*/ 708660 w 1699260"/>
+                <a:gd name="connsiteY7" fmla="*/ 906804 h 1096701"/>
+                <a:gd name="connsiteX8" fmla="*/ 754380 w 1699260"/>
+                <a:gd name="connsiteY8" fmla="*/ 784884 h 1096701"/>
+                <a:gd name="connsiteX9" fmla="*/ 792480 w 1699260"/>
+                <a:gd name="connsiteY9" fmla="*/ 853464 h 1096701"/>
+                <a:gd name="connsiteX10" fmla="*/ 868680 w 1699260"/>
+                <a:gd name="connsiteY10" fmla="*/ 807744 h 1096701"/>
+                <a:gd name="connsiteX11" fmla="*/ 952500 w 1699260"/>
+                <a:gd name="connsiteY11" fmla="*/ 853464 h 1096701"/>
+                <a:gd name="connsiteX12" fmla="*/ 998220 w 1699260"/>
+                <a:gd name="connsiteY12" fmla="*/ 762024 h 1096701"/>
+                <a:gd name="connsiteX13" fmla="*/ 1028700 w 1699260"/>
+                <a:gd name="connsiteY13" fmla="*/ 891564 h 1096701"/>
+                <a:gd name="connsiteX14" fmla="*/ 1082040 w 1699260"/>
+                <a:gd name="connsiteY14" fmla="*/ 632484 h 1096701"/>
+                <a:gd name="connsiteX15" fmla="*/ 1127760 w 1699260"/>
+                <a:gd name="connsiteY15" fmla="*/ 967764 h 1096701"/>
+                <a:gd name="connsiteX16" fmla="*/ 1196340 w 1699260"/>
+                <a:gd name="connsiteY16" fmla="*/ 464844 h 1096701"/>
+                <a:gd name="connsiteX17" fmla="*/ 1264920 w 1699260"/>
+                <a:gd name="connsiteY17" fmla="*/ 1005864 h 1096701"/>
+                <a:gd name="connsiteX18" fmla="*/ 1379220 w 1699260"/>
+                <a:gd name="connsiteY18" fmla="*/ 24 h 1096701"/>
+                <a:gd name="connsiteX19" fmla="*/ 1531620 w 1699260"/>
+                <a:gd name="connsiteY19" fmla="*/ 983004 h 1096701"/>
+                <a:gd name="connsiteX20" fmla="*/ 1699260 w 1699260"/>
+                <a:gd name="connsiteY20" fmla="*/ 1059204 h 1096701"/>
+                <a:gd name="connsiteX0" fmla="*/ 0 w 1699260"/>
+                <a:gd name="connsiteY0" fmla="*/ 1059204 h 1096701"/>
+                <a:gd name="connsiteX1" fmla="*/ 205740 w 1699260"/>
+                <a:gd name="connsiteY1" fmla="*/ 967764 h 1096701"/>
+                <a:gd name="connsiteX2" fmla="*/ 358140 w 1699260"/>
+                <a:gd name="connsiteY2" fmla="*/ 24 h 1096701"/>
+                <a:gd name="connsiteX3" fmla="*/ 472440 w 1699260"/>
+                <a:gd name="connsiteY3" fmla="*/ 998244 h 1096701"/>
+                <a:gd name="connsiteX4" fmla="*/ 541020 w 1699260"/>
+                <a:gd name="connsiteY4" fmla="*/ 449604 h 1096701"/>
+                <a:gd name="connsiteX5" fmla="*/ 609600 w 1699260"/>
+                <a:gd name="connsiteY5" fmla="*/ 967764 h 1096701"/>
+                <a:gd name="connsiteX6" fmla="*/ 662940 w 1699260"/>
+                <a:gd name="connsiteY6" fmla="*/ 647724 h 1096701"/>
+                <a:gd name="connsiteX7" fmla="*/ 708660 w 1699260"/>
+                <a:gd name="connsiteY7" fmla="*/ 906804 h 1096701"/>
+                <a:gd name="connsiteX8" fmla="*/ 754380 w 1699260"/>
+                <a:gd name="connsiteY8" fmla="*/ 784884 h 1096701"/>
+                <a:gd name="connsiteX9" fmla="*/ 792480 w 1699260"/>
+                <a:gd name="connsiteY9" fmla="*/ 853464 h 1096701"/>
+                <a:gd name="connsiteX10" fmla="*/ 868680 w 1699260"/>
+                <a:gd name="connsiteY10" fmla="*/ 807744 h 1096701"/>
+                <a:gd name="connsiteX11" fmla="*/ 952500 w 1699260"/>
+                <a:gd name="connsiteY11" fmla="*/ 853464 h 1096701"/>
+                <a:gd name="connsiteX12" fmla="*/ 998220 w 1699260"/>
+                <a:gd name="connsiteY12" fmla="*/ 762024 h 1096701"/>
+                <a:gd name="connsiteX13" fmla="*/ 1028700 w 1699260"/>
+                <a:gd name="connsiteY13" fmla="*/ 891564 h 1096701"/>
+                <a:gd name="connsiteX14" fmla="*/ 1082040 w 1699260"/>
+                <a:gd name="connsiteY14" fmla="*/ 632484 h 1096701"/>
+                <a:gd name="connsiteX15" fmla="*/ 1127760 w 1699260"/>
+                <a:gd name="connsiteY15" fmla="*/ 967764 h 1096701"/>
+                <a:gd name="connsiteX16" fmla="*/ 1196340 w 1699260"/>
+                <a:gd name="connsiteY16" fmla="*/ 464844 h 1096701"/>
+                <a:gd name="connsiteX17" fmla="*/ 1264920 w 1699260"/>
+                <a:gd name="connsiteY17" fmla="*/ 1005864 h 1096701"/>
+                <a:gd name="connsiteX18" fmla="*/ 1379220 w 1699260"/>
+                <a:gd name="connsiteY18" fmla="*/ 24 h 1096701"/>
+                <a:gd name="connsiteX19" fmla="*/ 1531620 w 1699260"/>
+                <a:gd name="connsiteY19" fmla="*/ 983004 h 1096701"/>
+                <a:gd name="connsiteX20" fmla="*/ 1699260 w 1699260"/>
+                <a:gd name="connsiteY20" fmla="*/ 1059204 h 1096701"/>
+                <a:gd name="connsiteX0" fmla="*/ 0 w 1699260"/>
+                <a:gd name="connsiteY0" fmla="*/ 1059204 h 1081411"/>
+                <a:gd name="connsiteX1" fmla="*/ 205740 w 1699260"/>
+                <a:gd name="connsiteY1" fmla="*/ 967764 h 1081411"/>
+                <a:gd name="connsiteX2" fmla="*/ 358140 w 1699260"/>
+                <a:gd name="connsiteY2" fmla="*/ 24 h 1081411"/>
+                <a:gd name="connsiteX3" fmla="*/ 472440 w 1699260"/>
+                <a:gd name="connsiteY3" fmla="*/ 998244 h 1081411"/>
+                <a:gd name="connsiteX4" fmla="*/ 541020 w 1699260"/>
+                <a:gd name="connsiteY4" fmla="*/ 449604 h 1081411"/>
+                <a:gd name="connsiteX5" fmla="*/ 609600 w 1699260"/>
+                <a:gd name="connsiteY5" fmla="*/ 967764 h 1081411"/>
+                <a:gd name="connsiteX6" fmla="*/ 662940 w 1699260"/>
+                <a:gd name="connsiteY6" fmla="*/ 647724 h 1081411"/>
+                <a:gd name="connsiteX7" fmla="*/ 708660 w 1699260"/>
+                <a:gd name="connsiteY7" fmla="*/ 906804 h 1081411"/>
+                <a:gd name="connsiteX8" fmla="*/ 754380 w 1699260"/>
+                <a:gd name="connsiteY8" fmla="*/ 784884 h 1081411"/>
+                <a:gd name="connsiteX9" fmla="*/ 792480 w 1699260"/>
+                <a:gd name="connsiteY9" fmla="*/ 853464 h 1081411"/>
+                <a:gd name="connsiteX10" fmla="*/ 868680 w 1699260"/>
+                <a:gd name="connsiteY10" fmla="*/ 807744 h 1081411"/>
+                <a:gd name="connsiteX11" fmla="*/ 952500 w 1699260"/>
+                <a:gd name="connsiteY11" fmla="*/ 853464 h 1081411"/>
+                <a:gd name="connsiteX12" fmla="*/ 998220 w 1699260"/>
+                <a:gd name="connsiteY12" fmla="*/ 762024 h 1081411"/>
+                <a:gd name="connsiteX13" fmla="*/ 1028700 w 1699260"/>
+                <a:gd name="connsiteY13" fmla="*/ 891564 h 1081411"/>
+                <a:gd name="connsiteX14" fmla="*/ 1082040 w 1699260"/>
+                <a:gd name="connsiteY14" fmla="*/ 632484 h 1081411"/>
+                <a:gd name="connsiteX15" fmla="*/ 1127760 w 1699260"/>
+                <a:gd name="connsiteY15" fmla="*/ 967764 h 1081411"/>
+                <a:gd name="connsiteX16" fmla="*/ 1196340 w 1699260"/>
+                <a:gd name="connsiteY16" fmla="*/ 464844 h 1081411"/>
+                <a:gd name="connsiteX17" fmla="*/ 1264920 w 1699260"/>
+                <a:gd name="connsiteY17" fmla="*/ 1005864 h 1081411"/>
+                <a:gd name="connsiteX18" fmla="*/ 1379220 w 1699260"/>
+                <a:gd name="connsiteY18" fmla="*/ 24 h 1081411"/>
+                <a:gd name="connsiteX19" fmla="*/ 1531620 w 1699260"/>
+                <a:gd name="connsiteY19" fmla="*/ 983004 h 1081411"/>
+                <a:gd name="connsiteX20" fmla="*/ 1699260 w 1699260"/>
+                <a:gd name="connsiteY20" fmla="*/ 1059204 h 1081411"/>
+                <a:gd name="connsiteX0" fmla="*/ 0 w 1699260"/>
+                <a:gd name="connsiteY0" fmla="*/ 1059204 h 1081411"/>
+                <a:gd name="connsiteX1" fmla="*/ 205740 w 1699260"/>
+                <a:gd name="connsiteY1" fmla="*/ 967764 h 1081411"/>
+                <a:gd name="connsiteX2" fmla="*/ 358140 w 1699260"/>
+                <a:gd name="connsiteY2" fmla="*/ 24 h 1081411"/>
+                <a:gd name="connsiteX3" fmla="*/ 472440 w 1699260"/>
+                <a:gd name="connsiteY3" fmla="*/ 998244 h 1081411"/>
+                <a:gd name="connsiteX4" fmla="*/ 541020 w 1699260"/>
+                <a:gd name="connsiteY4" fmla="*/ 449604 h 1081411"/>
+                <a:gd name="connsiteX5" fmla="*/ 609600 w 1699260"/>
+                <a:gd name="connsiteY5" fmla="*/ 967764 h 1081411"/>
+                <a:gd name="connsiteX6" fmla="*/ 662940 w 1699260"/>
+                <a:gd name="connsiteY6" fmla="*/ 647724 h 1081411"/>
+                <a:gd name="connsiteX7" fmla="*/ 708660 w 1699260"/>
+                <a:gd name="connsiteY7" fmla="*/ 906804 h 1081411"/>
+                <a:gd name="connsiteX8" fmla="*/ 754380 w 1699260"/>
+                <a:gd name="connsiteY8" fmla="*/ 784884 h 1081411"/>
+                <a:gd name="connsiteX9" fmla="*/ 792480 w 1699260"/>
+                <a:gd name="connsiteY9" fmla="*/ 853464 h 1081411"/>
+                <a:gd name="connsiteX10" fmla="*/ 868680 w 1699260"/>
+                <a:gd name="connsiteY10" fmla="*/ 807744 h 1081411"/>
+                <a:gd name="connsiteX11" fmla="*/ 952500 w 1699260"/>
+                <a:gd name="connsiteY11" fmla="*/ 853464 h 1081411"/>
+                <a:gd name="connsiteX12" fmla="*/ 998220 w 1699260"/>
+                <a:gd name="connsiteY12" fmla="*/ 762024 h 1081411"/>
+                <a:gd name="connsiteX13" fmla="*/ 1028700 w 1699260"/>
+                <a:gd name="connsiteY13" fmla="*/ 891564 h 1081411"/>
+                <a:gd name="connsiteX14" fmla="*/ 1082040 w 1699260"/>
+                <a:gd name="connsiteY14" fmla="*/ 632484 h 1081411"/>
+                <a:gd name="connsiteX15" fmla="*/ 1127760 w 1699260"/>
+                <a:gd name="connsiteY15" fmla="*/ 967764 h 1081411"/>
+                <a:gd name="connsiteX16" fmla="*/ 1196340 w 1699260"/>
+                <a:gd name="connsiteY16" fmla="*/ 464844 h 1081411"/>
+                <a:gd name="connsiteX17" fmla="*/ 1264920 w 1699260"/>
+                <a:gd name="connsiteY17" fmla="*/ 1005864 h 1081411"/>
+                <a:gd name="connsiteX18" fmla="*/ 1379220 w 1699260"/>
+                <a:gd name="connsiteY18" fmla="*/ 24 h 1081411"/>
+                <a:gd name="connsiteX19" fmla="*/ 1531620 w 1699260"/>
+                <a:gd name="connsiteY19" fmla="*/ 983004 h 1081411"/>
+                <a:gd name="connsiteX20" fmla="*/ 1699260 w 1699260"/>
+                <a:gd name="connsiteY20" fmla="*/ 1059204 h 1081411"/>
+                <a:gd name="connsiteX0" fmla="*/ 0 w 1699260"/>
+                <a:gd name="connsiteY0" fmla="*/ 1059202 h 1060181"/>
+                <a:gd name="connsiteX1" fmla="*/ 205740 w 1699260"/>
+                <a:gd name="connsiteY1" fmla="*/ 967762 h 1060181"/>
+                <a:gd name="connsiteX2" fmla="*/ 358140 w 1699260"/>
+                <a:gd name="connsiteY2" fmla="*/ 22 h 1060181"/>
+                <a:gd name="connsiteX3" fmla="*/ 472440 w 1699260"/>
+                <a:gd name="connsiteY3" fmla="*/ 998242 h 1060181"/>
+                <a:gd name="connsiteX4" fmla="*/ 541020 w 1699260"/>
+                <a:gd name="connsiteY4" fmla="*/ 449602 h 1060181"/>
+                <a:gd name="connsiteX5" fmla="*/ 609600 w 1699260"/>
+                <a:gd name="connsiteY5" fmla="*/ 967762 h 1060181"/>
+                <a:gd name="connsiteX6" fmla="*/ 662940 w 1699260"/>
+                <a:gd name="connsiteY6" fmla="*/ 647722 h 1060181"/>
+                <a:gd name="connsiteX7" fmla="*/ 708660 w 1699260"/>
+                <a:gd name="connsiteY7" fmla="*/ 906802 h 1060181"/>
+                <a:gd name="connsiteX8" fmla="*/ 754380 w 1699260"/>
+                <a:gd name="connsiteY8" fmla="*/ 784882 h 1060181"/>
+                <a:gd name="connsiteX9" fmla="*/ 792480 w 1699260"/>
+                <a:gd name="connsiteY9" fmla="*/ 853462 h 1060181"/>
+                <a:gd name="connsiteX10" fmla="*/ 868680 w 1699260"/>
+                <a:gd name="connsiteY10" fmla="*/ 807742 h 1060181"/>
+                <a:gd name="connsiteX11" fmla="*/ 952500 w 1699260"/>
+                <a:gd name="connsiteY11" fmla="*/ 853462 h 1060181"/>
+                <a:gd name="connsiteX12" fmla="*/ 998220 w 1699260"/>
+                <a:gd name="connsiteY12" fmla="*/ 762022 h 1060181"/>
+                <a:gd name="connsiteX13" fmla="*/ 1028700 w 1699260"/>
+                <a:gd name="connsiteY13" fmla="*/ 891562 h 1060181"/>
+                <a:gd name="connsiteX14" fmla="*/ 1082040 w 1699260"/>
+                <a:gd name="connsiteY14" fmla="*/ 632482 h 1060181"/>
+                <a:gd name="connsiteX15" fmla="*/ 1127760 w 1699260"/>
+                <a:gd name="connsiteY15" fmla="*/ 967762 h 1060181"/>
+                <a:gd name="connsiteX16" fmla="*/ 1196340 w 1699260"/>
+                <a:gd name="connsiteY16" fmla="*/ 464842 h 1060181"/>
+                <a:gd name="connsiteX17" fmla="*/ 1264920 w 1699260"/>
+                <a:gd name="connsiteY17" fmla="*/ 1005862 h 1060181"/>
+                <a:gd name="connsiteX18" fmla="*/ 1379220 w 1699260"/>
+                <a:gd name="connsiteY18" fmla="*/ 22 h 1060181"/>
+                <a:gd name="connsiteX19" fmla="*/ 1531620 w 1699260"/>
+                <a:gd name="connsiteY19" fmla="*/ 983002 h 1060181"/>
+                <a:gd name="connsiteX20" fmla="*/ 1699260 w 1699260"/>
+                <a:gd name="connsiteY20" fmla="*/ 1059202 h 1060181"/>
+                <a:gd name="connsiteX0" fmla="*/ 0 w 1699260"/>
+                <a:gd name="connsiteY0" fmla="*/ 1059202 h 1060181"/>
+                <a:gd name="connsiteX1" fmla="*/ 205740 w 1699260"/>
+                <a:gd name="connsiteY1" fmla="*/ 967762 h 1060181"/>
+                <a:gd name="connsiteX2" fmla="*/ 358140 w 1699260"/>
+                <a:gd name="connsiteY2" fmla="*/ 22 h 1060181"/>
+                <a:gd name="connsiteX3" fmla="*/ 472440 w 1699260"/>
+                <a:gd name="connsiteY3" fmla="*/ 998242 h 1060181"/>
+                <a:gd name="connsiteX4" fmla="*/ 541020 w 1699260"/>
+                <a:gd name="connsiteY4" fmla="*/ 449602 h 1060181"/>
+                <a:gd name="connsiteX5" fmla="*/ 609600 w 1699260"/>
+                <a:gd name="connsiteY5" fmla="*/ 967762 h 1060181"/>
+                <a:gd name="connsiteX6" fmla="*/ 662940 w 1699260"/>
+                <a:gd name="connsiteY6" fmla="*/ 647722 h 1060181"/>
+                <a:gd name="connsiteX7" fmla="*/ 708660 w 1699260"/>
+                <a:gd name="connsiteY7" fmla="*/ 906802 h 1060181"/>
+                <a:gd name="connsiteX8" fmla="*/ 754380 w 1699260"/>
+                <a:gd name="connsiteY8" fmla="*/ 784882 h 1060181"/>
+                <a:gd name="connsiteX9" fmla="*/ 792480 w 1699260"/>
+                <a:gd name="connsiteY9" fmla="*/ 853462 h 1060181"/>
+                <a:gd name="connsiteX10" fmla="*/ 868680 w 1699260"/>
+                <a:gd name="connsiteY10" fmla="*/ 807742 h 1060181"/>
+                <a:gd name="connsiteX11" fmla="*/ 952500 w 1699260"/>
+                <a:gd name="connsiteY11" fmla="*/ 853462 h 1060181"/>
+                <a:gd name="connsiteX12" fmla="*/ 998220 w 1699260"/>
+                <a:gd name="connsiteY12" fmla="*/ 762022 h 1060181"/>
+                <a:gd name="connsiteX13" fmla="*/ 1028700 w 1699260"/>
+                <a:gd name="connsiteY13" fmla="*/ 891562 h 1060181"/>
+                <a:gd name="connsiteX14" fmla="*/ 1082040 w 1699260"/>
+                <a:gd name="connsiteY14" fmla="*/ 632482 h 1060181"/>
+                <a:gd name="connsiteX15" fmla="*/ 1127760 w 1699260"/>
+                <a:gd name="connsiteY15" fmla="*/ 967762 h 1060181"/>
+                <a:gd name="connsiteX16" fmla="*/ 1196340 w 1699260"/>
+                <a:gd name="connsiteY16" fmla="*/ 464842 h 1060181"/>
+                <a:gd name="connsiteX17" fmla="*/ 1264920 w 1699260"/>
+                <a:gd name="connsiteY17" fmla="*/ 1005862 h 1060181"/>
+                <a:gd name="connsiteX18" fmla="*/ 1379220 w 1699260"/>
+                <a:gd name="connsiteY18" fmla="*/ 22 h 1060181"/>
+                <a:gd name="connsiteX19" fmla="*/ 1531620 w 1699260"/>
+                <a:gd name="connsiteY19" fmla="*/ 983002 h 1060181"/>
+                <a:gd name="connsiteX20" fmla="*/ 1699260 w 1699260"/>
+                <a:gd name="connsiteY20" fmla="*/ 1059202 h 1060181"/>
+                <a:gd name="connsiteX0" fmla="*/ 0 w 1699260"/>
+                <a:gd name="connsiteY0" fmla="*/ 1059202 h 1060181"/>
+                <a:gd name="connsiteX1" fmla="*/ 205740 w 1699260"/>
+                <a:gd name="connsiteY1" fmla="*/ 967762 h 1060181"/>
+                <a:gd name="connsiteX2" fmla="*/ 358140 w 1699260"/>
+                <a:gd name="connsiteY2" fmla="*/ 22 h 1060181"/>
+                <a:gd name="connsiteX3" fmla="*/ 472440 w 1699260"/>
+                <a:gd name="connsiteY3" fmla="*/ 998242 h 1060181"/>
+                <a:gd name="connsiteX4" fmla="*/ 541020 w 1699260"/>
+                <a:gd name="connsiteY4" fmla="*/ 449602 h 1060181"/>
+                <a:gd name="connsiteX5" fmla="*/ 609600 w 1699260"/>
+                <a:gd name="connsiteY5" fmla="*/ 967762 h 1060181"/>
+                <a:gd name="connsiteX6" fmla="*/ 662940 w 1699260"/>
+                <a:gd name="connsiteY6" fmla="*/ 647722 h 1060181"/>
+                <a:gd name="connsiteX7" fmla="*/ 708660 w 1699260"/>
+                <a:gd name="connsiteY7" fmla="*/ 906802 h 1060181"/>
+                <a:gd name="connsiteX8" fmla="*/ 754380 w 1699260"/>
+                <a:gd name="connsiteY8" fmla="*/ 784882 h 1060181"/>
+                <a:gd name="connsiteX9" fmla="*/ 792480 w 1699260"/>
+                <a:gd name="connsiteY9" fmla="*/ 853462 h 1060181"/>
+                <a:gd name="connsiteX10" fmla="*/ 868680 w 1699260"/>
+                <a:gd name="connsiteY10" fmla="*/ 807742 h 1060181"/>
+                <a:gd name="connsiteX11" fmla="*/ 952500 w 1699260"/>
+                <a:gd name="connsiteY11" fmla="*/ 853462 h 1060181"/>
+                <a:gd name="connsiteX12" fmla="*/ 998220 w 1699260"/>
+                <a:gd name="connsiteY12" fmla="*/ 762022 h 1060181"/>
+                <a:gd name="connsiteX13" fmla="*/ 1028700 w 1699260"/>
+                <a:gd name="connsiteY13" fmla="*/ 891562 h 1060181"/>
+                <a:gd name="connsiteX14" fmla="*/ 1082040 w 1699260"/>
+                <a:gd name="connsiteY14" fmla="*/ 632482 h 1060181"/>
+                <a:gd name="connsiteX15" fmla="*/ 1127760 w 1699260"/>
+                <a:gd name="connsiteY15" fmla="*/ 967762 h 1060181"/>
+                <a:gd name="connsiteX16" fmla="*/ 1196340 w 1699260"/>
+                <a:gd name="connsiteY16" fmla="*/ 464842 h 1060181"/>
+                <a:gd name="connsiteX17" fmla="*/ 1264920 w 1699260"/>
+                <a:gd name="connsiteY17" fmla="*/ 1005862 h 1060181"/>
+                <a:gd name="connsiteX18" fmla="*/ 1379220 w 1699260"/>
+                <a:gd name="connsiteY18" fmla="*/ 22 h 1060181"/>
+                <a:gd name="connsiteX19" fmla="*/ 1531620 w 1699260"/>
+                <a:gd name="connsiteY19" fmla="*/ 983002 h 1060181"/>
+                <a:gd name="connsiteX20" fmla="*/ 1699260 w 1699260"/>
+                <a:gd name="connsiteY20" fmla="*/ 1059202 h 1060181"/>
+                <a:gd name="connsiteX0" fmla="*/ 0 w 1699260"/>
+                <a:gd name="connsiteY0" fmla="*/ 1059202 h 1060181"/>
+                <a:gd name="connsiteX1" fmla="*/ 205740 w 1699260"/>
+                <a:gd name="connsiteY1" fmla="*/ 967762 h 1060181"/>
+                <a:gd name="connsiteX2" fmla="*/ 358140 w 1699260"/>
+                <a:gd name="connsiteY2" fmla="*/ 22 h 1060181"/>
+                <a:gd name="connsiteX3" fmla="*/ 472440 w 1699260"/>
+                <a:gd name="connsiteY3" fmla="*/ 998242 h 1060181"/>
+                <a:gd name="connsiteX4" fmla="*/ 541020 w 1699260"/>
+                <a:gd name="connsiteY4" fmla="*/ 449602 h 1060181"/>
+                <a:gd name="connsiteX5" fmla="*/ 609600 w 1699260"/>
+                <a:gd name="connsiteY5" fmla="*/ 967762 h 1060181"/>
+                <a:gd name="connsiteX6" fmla="*/ 662940 w 1699260"/>
+                <a:gd name="connsiteY6" fmla="*/ 647722 h 1060181"/>
+                <a:gd name="connsiteX7" fmla="*/ 708660 w 1699260"/>
+                <a:gd name="connsiteY7" fmla="*/ 906802 h 1060181"/>
+                <a:gd name="connsiteX8" fmla="*/ 754380 w 1699260"/>
+                <a:gd name="connsiteY8" fmla="*/ 784882 h 1060181"/>
+                <a:gd name="connsiteX9" fmla="*/ 792480 w 1699260"/>
+                <a:gd name="connsiteY9" fmla="*/ 853462 h 1060181"/>
+                <a:gd name="connsiteX10" fmla="*/ 868680 w 1699260"/>
+                <a:gd name="connsiteY10" fmla="*/ 807742 h 1060181"/>
+                <a:gd name="connsiteX11" fmla="*/ 952500 w 1699260"/>
+                <a:gd name="connsiteY11" fmla="*/ 853462 h 1060181"/>
+                <a:gd name="connsiteX12" fmla="*/ 998220 w 1699260"/>
+                <a:gd name="connsiteY12" fmla="*/ 762022 h 1060181"/>
+                <a:gd name="connsiteX13" fmla="*/ 1028700 w 1699260"/>
+                <a:gd name="connsiteY13" fmla="*/ 891562 h 1060181"/>
+                <a:gd name="connsiteX14" fmla="*/ 1082040 w 1699260"/>
+                <a:gd name="connsiteY14" fmla="*/ 632482 h 1060181"/>
+                <a:gd name="connsiteX15" fmla="*/ 1127760 w 1699260"/>
+                <a:gd name="connsiteY15" fmla="*/ 967762 h 1060181"/>
+                <a:gd name="connsiteX16" fmla="*/ 1196340 w 1699260"/>
+                <a:gd name="connsiteY16" fmla="*/ 464842 h 1060181"/>
+                <a:gd name="connsiteX17" fmla="*/ 1264920 w 1699260"/>
+                <a:gd name="connsiteY17" fmla="*/ 1005862 h 1060181"/>
+                <a:gd name="connsiteX18" fmla="*/ 1379220 w 1699260"/>
+                <a:gd name="connsiteY18" fmla="*/ 22 h 1060181"/>
+                <a:gd name="connsiteX19" fmla="*/ 1536382 w 1699260"/>
+                <a:gd name="connsiteY19" fmla="*/ 983002 h 1060181"/>
+                <a:gd name="connsiteX20" fmla="*/ 1699260 w 1699260"/>
+                <a:gd name="connsiteY20" fmla="*/ 1059202 h 1060181"/>
+              </a:gdLst>
+              <a:ahLst/>
+              <a:cxnLst>
+                <a:cxn ang="0">
+                  <a:pos x="connsiteX0" y="connsiteY0"/>
+                </a:cxn>
+                <a:cxn ang="0">
+                  <a:pos x="connsiteX1" y="connsiteY1"/>
+                </a:cxn>
+                <a:cxn ang="0">
+                  <a:pos x="connsiteX2" y="connsiteY2"/>
+                </a:cxn>
+                <a:cxn ang="0">
+                  <a:pos x="connsiteX3" y="connsiteY3"/>
+                </a:cxn>
+                <a:cxn ang="0">
+                  <a:pos x="connsiteX4" y="connsiteY4"/>
+                </a:cxn>
+                <a:cxn ang="0">
+                  <a:pos x="connsiteX5" y="connsiteY5"/>
+                </a:cxn>
+                <a:cxn ang="0">
+                  <a:pos x="connsiteX6" y="connsiteY6"/>
+                </a:cxn>
+                <a:cxn ang="0">
+                  <a:pos x="connsiteX7" y="connsiteY7"/>
+                </a:cxn>
+                <a:cxn ang="0">
+                  <a:pos x="connsiteX8" y="connsiteY8"/>
+                </a:cxn>
+                <a:cxn ang="0">
+                  <a:pos x="connsiteX9" y="connsiteY9"/>
+                </a:cxn>
+                <a:cxn ang="0">
+                  <a:pos x="connsiteX10" y="connsiteY10"/>
+                </a:cxn>
+                <a:cxn ang="0">
+                  <a:pos x="connsiteX11" y="connsiteY11"/>
+                </a:cxn>
+                <a:cxn ang="0">
+                  <a:pos x="connsiteX12" y="connsiteY12"/>
+                </a:cxn>
+                <a:cxn ang="0">
+                  <a:pos x="connsiteX13" y="connsiteY13"/>
+                </a:cxn>
+                <a:cxn ang="0">
+                  <a:pos x="connsiteX14" y="connsiteY14"/>
+                </a:cxn>
+                <a:cxn ang="0">
+                  <a:pos x="connsiteX15" y="connsiteY15"/>
+                </a:cxn>
+                <a:cxn ang="0">
+                  <a:pos x="connsiteX16" y="connsiteY16"/>
+                </a:cxn>
+                <a:cxn ang="0">
+                  <a:pos x="connsiteX17" y="connsiteY17"/>
+                </a:cxn>
+                <a:cxn ang="0">
+                  <a:pos x="connsiteX18" y="connsiteY18"/>
+                </a:cxn>
+                <a:cxn ang="0">
+                  <a:pos x="connsiteX19" y="connsiteY19"/>
+                </a:cxn>
+                <a:cxn ang="0">
+                  <a:pos x="connsiteX20" y="connsiteY20"/>
+                </a:cxn>
+              </a:cxnLst>
+              <a:rect l="l" t="t" r="r" b="b"/>
+              <a:pathLst>
+                <a:path w="1699260" h="1060181">
+                  <a:moveTo>
+                    <a:pt x="0" y="1059202"/>
+                  </a:moveTo>
+                  <a:cubicBezTo>
+                    <a:pt x="84932" y="1063647"/>
+                    <a:pt x="150813" y="1056185"/>
+                    <a:pt x="205740" y="967762"/>
+                  </a:cubicBezTo>
+                  <a:cubicBezTo>
+                    <a:pt x="260667" y="879339"/>
+                    <a:pt x="313690" y="-5058"/>
+                    <a:pt x="358140" y="22"/>
+                  </a:cubicBezTo>
+                  <a:cubicBezTo>
+                    <a:pt x="402590" y="5102"/>
+                    <a:pt x="441960" y="923312"/>
+                    <a:pt x="472440" y="998242"/>
+                  </a:cubicBezTo>
+                  <a:cubicBezTo>
+                    <a:pt x="502920" y="1073172"/>
+                    <a:pt x="518160" y="454682"/>
+                    <a:pt x="541020" y="449602"/>
+                  </a:cubicBezTo>
+                  <a:cubicBezTo>
+                    <a:pt x="563880" y="444522"/>
+                    <a:pt x="589280" y="934742"/>
+                    <a:pt x="609600" y="967762"/>
+                  </a:cubicBezTo>
+                  <a:cubicBezTo>
+                    <a:pt x="629920" y="1000782"/>
+                    <a:pt x="646430" y="657882"/>
+                    <a:pt x="662940" y="647722"/>
+                  </a:cubicBezTo>
+                  <a:cubicBezTo>
+                    <a:pt x="679450" y="637562"/>
+                    <a:pt x="693420" y="883942"/>
+                    <a:pt x="708660" y="906802"/>
+                  </a:cubicBezTo>
+                  <a:cubicBezTo>
+                    <a:pt x="723900" y="929662"/>
+                    <a:pt x="740410" y="793772"/>
+                    <a:pt x="754380" y="784882"/>
+                  </a:cubicBezTo>
+                  <a:cubicBezTo>
+                    <a:pt x="768350" y="775992"/>
+                    <a:pt x="773430" y="849652"/>
+                    <a:pt x="792480" y="853462"/>
+                  </a:cubicBezTo>
+                  <a:cubicBezTo>
+                    <a:pt x="811530" y="857272"/>
+                    <a:pt x="842010" y="807742"/>
+                    <a:pt x="868680" y="807742"/>
+                  </a:cubicBezTo>
+                  <a:cubicBezTo>
+                    <a:pt x="895350" y="807742"/>
+                    <a:pt x="930910" y="861082"/>
+                    <a:pt x="952500" y="853462"/>
+                  </a:cubicBezTo>
+                  <a:cubicBezTo>
+                    <a:pt x="974090" y="845842"/>
+                    <a:pt x="985520" y="755672"/>
+                    <a:pt x="998220" y="762022"/>
+                  </a:cubicBezTo>
+                  <a:cubicBezTo>
+                    <a:pt x="1010920" y="768372"/>
+                    <a:pt x="1014730" y="913152"/>
+                    <a:pt x="1028700" y="891562"/>
+                  </a:cubicBezTo>
+                  <a:cubicBezTo>
+                    <a:pt x="1042670" y="869972"/>
+                    <a:pt x="1065530" y="619782"/>
+                    <a:pt x="1082040" y="632482"/>
+                  </a:cubicBezTo>
+                  <a:cubicBezTo>
+                    <a:pt x="1098550" y="645182"/>
+                    <a:pt x="1108710" y="995702"/>
+                    <a:pt x="1127760" y="967762"/>
+                  </a:cubicBezTo>
+                  <a:cubicBezTo>
+                    <a:pt x="1146810" y="939822"/>
+                    <a:pt x="1173480" y="458492"/>
+                    <a:pt x="1196340" y="464842"/>
+                  </a:cubicBezTo>
+                  <a:cubicBezTo>
+                    <a:pt x="1219200" y="471192"/>
+                    <a:pt x="1234440" y="1083332"/>
+                    <a:pt x="1264920" y="1005862"/>
+                  </a:cubicBezTo>
+                  <a:cubicBezTo>
+                    <a:pt x="1295400" y="928392"/>
+                    <a:pt x="1333976" y="3832"/>
+                    <a:pt x="1379220" y="22"/>
+                  </a:cubicBezTo>
+                  <a:cubicBezTo>
+                    <a:pt x="1424464" y="-3788"/>
+                    <a:pt x="1457083" y="816510"/>
+                    <a:pt x="1536382" y="983002"/>
+                  </a:cubicBezTo>
+                  <a:cubicBezTo>
+                    <a:pt x="1568290" y="1049994"/>
+                    <a:pt x="1589723" y="1054599"/>
+                    <a:pt x="1699260" y="1059202"/>
+                  </a:cubicBezTo>
+                </a:path>
+              </a:pathLst>
+            </a:custGeom>
+            <a:solidFill>
+              <a:srgbClr val="A3CEF1">
+                <a:alpha val="80000"/>
+              </a:srgbClr>
+            </a:solidFill>
+            <a:ln>
+              <a:noFill/>
+            </a:ln>
+          </p:spPr>
+          <p:style>
+            <a:lnRef idx="2">
+              <a:schemeClr val="accent1">
+                <a:shade val="50000"/>
+              </a:schemeClr>
+            </a:lnRef>
+            <a:fillRef idx="1">
+              <a:schemeClr val="accent1"/>
+            </a:fillRef>
+            <a:effectRef idx="0">
+              <a:schemeClr val="accent1"/>
+            </a:effectRef>
+            <a:fontRef idx="minor">
+              <a:schemeClr val="lt1"/>
+            </a:fontRef>
+          </p:style>
+          <p:txBody>
+            <a:bodyPr rtlCol="0" anchor="ctr"/>
+            <a:lstStyle/>
+            <a:p>
+              <a:pPr algn="ctr"/>
+              <a:endParaRPr lang="zh-TW" altLang="en-US"/>
+            </a:p>
+          </p:txBody>
+        </p:sp>
+        <p:cxnSp>
+          <p:nvCxnSpPr>
+            <p:cNvPr id="60" name="直線單箭頭接點 59">
+              <a:extLst>
+                <a:ext uri="{FF2B5EF4-FFF2-40B4-BE49-F238E27FC236}">
+                  <a16:creationId xmlns:a16="http://schemas.microsoft.com/office/drawing/2014/main" id="{39B9A3E3-C24E-0EE0-1F57-A7F81C6E0524}"/>
+                </a:ext>
+              </a:extLst>
+            </p:cNvPr>
+            <p:cNvCxnSpPr>
+              <a:cxnSpLocks/>
+            </p:cNvCxnSpPr>
+            <p:nvPr/>
+          </p:nvCxnSpPr>
+          <p:spPr>
+            <a:xfrm>
+              <a:off x="8986838" y="2376995"/>
+              <a:ext cx="1721643" cy="0"/>
+            </a:xfrm>
+            <a:prstGeom prst="straightConnector1">
+              <a:avLst/>
+            </a:prstGeom>
+            <a:ln>
+              <a:solidFill>
+                <a:srgbClr val="113256"/>
+              </a:solidFill>
+              <a:headEnd type="none" w="sm" len="sm"/>
+              <a:tailEnd type="triangle" w="sm" len="sm"/>
+            </a:ln>
+          </p:spPr>
+          <p:style>
+            <a:lnRef idx="1">
+              <a:schemeClr val="accent1"/>
+            </a:lnRef>
+            <a:fillRef idx="0">
+              <a:schemeClr val="accent1"/>
+            </a:fillRef>
+            <a:effectRef idx="0">
+              <a:schemeClr val="accent1"/>
+            </a:effectRef>
+            <a:fontRef idx="minor">
+              <a:schemeClr val="tx1"/>
+            </a:fontRef>
+          </p:style>
+        </p:cxnSp>
+        <p:sp>
+          <p:nvSpPr>
+            <p:cNvPr id="63" name="文字方塊 62">
+              <a:extLst>
+                <a:ext uri="{FF2B5EF4-FFF2-40B4-BE49-F238E27FC236}">
+                  <a16:creationId xmlns:a16="http://schemas.microsoft.com/office/drawing/2014/main" id="{BAD5819B-3898-A827-161C-9481475645D8}"/>
+                </a:ext>
+              </a:extLst>
+            </p:cNvPr>
+            <p:cNvSpPr txBox="1"/>
+            <p:nvPr/>
+          </p:nvSpPr>
+          <p:spPr>
+            <a:xfrm>
+              <a:off x="10534799" y="2157542"/>
+              <a:ext cx="172571" cy="246221"/>
+            </a:xfrm>
+            <a:prstGeom prst="rect">
+              <a:avLst/>
+            </a:prstGeom>
+            <a:noFill/>
+          </p:spPr>
+          <p:txBody>
+            <a:bodyPr wrap="square" rtlCol="0">
+              <a:spAutoFit/>
+            </a:bodyPr>
+            <a:lstStyle/>
+            <a:p>
+              <a:r>
+                <a:rPr lang="el-GR" altLang="zh-TW" sz="1000" dirty="0">
+                  <a:solidFill>
+                    <a:srgbClr val="113256"/>
+                  </a:solidFill>
+                </a:rPr>
+                <a:t>ω</a:t>
+              </a:r>
+              <a:endParaRPr lang="zh-TW" altLang="en-US" sz="1000" dirty="0">
+                <a:solidFill>
+                  <a:srgbClr val="113256"/>
+                </a:solidFill>
+              </a:endParaRPr>
+            </a:p>
+          </p:txBody>
+        </p:sp>
+      </p:grpSp>
+      <p:grpSp>
+        <p:nvGrpSpPr>
+          <p:cNvPr id="1041" name="群組 1040">
+            <a:extLst>
+              <a:ext uri="{FF2B5EF4-FFF2-40B4-BE49-F238E27FC236}">
+                <a16:creationId xmlns:a16="http://schemas.microsoft.com/office/drawing/2014/main" id="{2139A1DF-49DC-CEC6-BDA2-78262AF7A3BF}"/>
+              </a:ext>
+            </a:extLst>
+          </p:cNvPr>
+          <p:cNvGrpSpPr/>
+          <p:nvPr/>
+        </p:nvGrpSpPr>
+        <p:grpSpPr>
+          <a:xfrm>
+            <a:off x="9647568" y="1476953"/>
+            <a:ext cx="1800000" cy="918000"/>
+            <a:chOff x="8608218" y="4109133"/>
+            <a:chExt cx="1756196" cy="908404"/>
+          </a:xfrm>
+        </p:grpSpPr>
+        <p:sp>
+          <p:nvSpPr>
+            <p:cNvPr id="1040" name="手繪多邊形: 圖案 1039">
+              <a:extLst>
+                <a:ext uri="{FF2B5EF4-FFF2-40B4-BE49-F238E27FC236}">
+                  <a16:creationId xmlns:a16="http://schemas.microsoft.com/office/drawing/2014/main" id="{BA75A000-FE96-8C7A-63CF-540050881B17}"/>
+                </a:ext>
+              </a:extLst>
+            </p:cNvPr>
+            <p:cNvSpPr/>
+            <p:nvPr/>
+          </p:nvSpPr>
+          <p:spPr>
+            <a:xfrm>
+              <a:off x="8630866" y="4109133"/>
+              <a:ext cx="720431" cy="454202"/>
+            </a:xfrm>
+            <a:custGeom>
+              <a:avLst/>
+              <a:gdLst>
+                <a:gd name="connsiteX0" fmla="*/ 0 w 523875"/>
+                <a:gd name="connsiteY0" fmla="*/ 1081092 h 1109692"/>
+                <a:gd name="connsiteX1" fmla="*/ 171450 w 523875"/>
+                <a:gd name="connsiteY1" fmla="*/ 971555 h 1109692"/>
+                <a:gd name="connsiteX2" fmla="*/ 257175 w 523875"/>
+                <a:gd name="connsiteY2" fmla="*/ 5 h 1109692"/>
+                <a:gd name="connsiteX3" fmla="*/ 342900 w 523875"/>
+                <a:gd name="connsiteY3" fmla="*/ 957267 h 1109692"/>
+                <a:gd name="connsiteX4" fmla="*/ 523875 w 523875"/>
+                <a:gd name="connsiteY4" fmla="*/ 1076330 h 1109692"/>
+                <a:gd name="connsiteX0" fmla="*/ 0 w 523875"/>
+                <a:gd name="connsiteY0" fmla="*/ 1081092 h 1109692"/>
+                <a:gd name="connsiteX1" fmla="*/ 171450 w 523875"/>
+                <a:gd name="connsiteY1" fmla="*/ 971555 h 1109692"/>
+                <a:gd name="connsiteX2" fmla="*/ 257175 w 523875"/>
+                <a:gd name="connsiteY2" fmla="*/ 5 h 1109692"/>
+                <a:gd name="connsiteX3" fmla="*/ 342900 w 523875"/>
+                <a:gd name="connsiteY3" fmla="*/ 957267 h 1109692"/>
+                <a:gd name="connsiteX4" fmla="*/ 523875 w 523875"/>
+                <a:gd name="connsiteY4" fmla="*/ 1076330 h 1109692"/>
+                <a:gd name="connsiteX0" fmla="*/ 0 w 523875"/>
+                <a:gd name="connsiteY0" fmla="*/ 1081092 h 1109692"/>
+                <a:gd name="connsiteX1" fmla="*/ 171450 w 523875"/>
+                <a:gd name="connsiteY1" fmla="*/ 971555 h 1109692"/>
+                <a:gd name="connsiteX2" fmla="*/ 257175 w 523875"/>
+                <a:gd name="connsiteY2" fmla="*/ 5 h 1109692"/>
+                <a:gd name="connsiteX3" fmla="*/ 342900 w 523875"/>
+                <a:gd name="connsiteY3" fmla="*/ 957267 h 1109692"/>
+                <a:gd name="connsiteX4" fmla="*/ 523875 w 523875"/>
+                <a:gd name="connsiteY4" fmla="*/ 1076330 h 1109692"/>
+                <a:gd name="connsiteX0" fmla="*/ 0 w 523875"/>
+                <a:gd name="connsiteY0" fmla="*/ 1081092 h 1109692"/>
+                <a:gd name="connsiteX1" fmla="*/ 171450 w 523875"/>
+                <a:gd name="connsiteY1" fmla="*/ 971555 h 1109692"/>
+                <a:gd name="connsiteX2" fmla="*/ 257175 w 523875"/>
+                <a:gd name="connsiteY2" fmla="*/ 5 h 1109692"/>
+                <a:gd name="connsiteX3" fmla="*/ 342900 w 523875"/>
+                <a:gd name="connsiteY3" fmla="*/ 957267 h 1109692"/>
+                <a:gd name="connsiteX4" fmla="*/ 523875 w 523875"/>
+                <a:gd name="connsiteY4" fmla="*/ 1076330 h 1109692"/>
+                <a:gd name="connsiteX0" fmla="*/ 0 w 523875"/>
+                <a:gd name="connsiteY0" fmla="*/ 1081092 h 1109692"/>
+                <a:gd name="connsiteX1" fmla="*/ 171450 w 523875"/>
+                <a:gd name="connsiteY1" fmla="*/ 971555 h 1109692"/>
+                <a:gd name="connsiteX2" fmla="*/ 257175 w 523875"/>
+                <a:gd name="connsiteY2" fmla="*/ 5 h 1109692"/>
+                <a:gd name="connsiteX3" fmla="*/ 342900 w 523875"/>
+                <a:gd name="connsiteY3" fmla="*/ 957267 h 1109692"/>
+                <a:gd name="connsiteX4" fmla="*/ 523875 w 523875"/>
+                <a:gd name="connsiteY4" fmla="*/ 1076330 h 1109692"/>
+                <a:gd name="connsiteX0" fmla="*/ 0 w 523875"/>
+                <a:gd name="connsiteY0" fmla="*/ 1081092 h 1094573"/>
+                <a:gd name="connsiteX1" fmla="*/ 171450 w 523875"/>
+                <a:gd name="connsiteY1" fmla="*/ 971555 h 1094573"/>
+                <a:gd name="connsiteX2" fmla="*/ 257175 w 523875"/>
+                <a:gd name="connsiteY2" fmla="*/ 5 h 1094573"/>
+                <a:gd name="connsiteX3" fmla="*/ 342900 w 523875"/>
+                <a:gd name="connsiteY3" fmla="*/ 957267 h 1094573"/>
+                <a:gd name="connsiteX4" fmla="*/ 523875 w 523875"/>
+                <a:gd name="connsiteY4" fmla="*/ 1076330 h 1094573"/>
+                <a:gd name="connsiteX0" fmla="*/ 0 w 523875"/>
+                <a:gd name="connsiteY0" fmla="*/ 1081092 h 1081587"/>
+                <a:gd name="connsiteX1" fmla="*/ 171450 w 523875"/>
+                <a:gd name="connsiteY1" fmla="*/ 971555 h 1081587"/>
+                <a:gd name="connsiteX2" fmla="*/ 257175 w 523875"/>
+                <a:gd name="connsiteY2" fmla="*/ 5 h 1081587"/>
+                <a:gd name="connsiteX3" fmla="*/ 342900 w 523875"/>
+                <a:gd name="connsiteY3" fmla="*/ 957267 h 1081587"/>
+                <a:gd name="connsiteX4" fmla="*/ 523875 w 523875"/>
+                <a:gd name="connsiteY4" fmla="*/ 1076330 h 1081587"/>
+                <a:gd name="connsiteX0" fmla="*/ 0 w 533400"/>
+                <a:gd name="connsiteY0" fmla="*/ 1081092 h 1084716"/>
+                <a:gd name="connsiteX1" fmla="*/ 171450 w 533400"/>
+                <a:gd name="connsiteY1" fmla="*/ 971555 h 1084716"/>
+                <a:gd name="connsiteX2" fmla="*/ 257175 w 533400"/>
+                <a:gd name="connsiteY2" fmla="*/ 5 h 1084716"/>
+                <a:gd name="connsiteX3" fmla="*/ 342900 w 533400"/>
+                <a:gd name="connsiteY3" fmla="*/ 957267 h 1084716"/>
+                <a:gd name="connsiteX4" fmla="*/ 533400 w 533400"/>
+                <a:gd name="connsiteY4" fmla="*/ 1076330 h 1084716"/>
+                <a:gd name="connsiteX0" fmla="*/ 0 w 533400"/>
+                <a:gd name="connsiteY0" fmla="*/ 1081092 h 1081587"/>
+                <a:gd name="connsiteX1" fmla="*/ 171450 w 533400"/>
+                <a:gd name="connsiteY1" fmla="*/ 971555 h 1081587"/>
+                <a:gd name="connsiteX2" fmla="*/ 257175 w 533400"/>
+                <a:gd name="connsiteY2" fmla="*/ 5 h 1081587"/>
+                <a:gd name="connsiteX3" fmla="*/ 342900 w 533400"/>
+                <a:gd name="connsiteY3" fmla="*/ 957267 h 1081587"/>
+                <a:gd name="connsiteX4" fmla="*/ 533400 w 533400"/>
+                <a:gd name="connsiteY4" fmla="*/ 1076330 h 1081587"/>
+              </a:gdLst>
+              <a:ahLst/>
+              <a:cxnLst>
+                <a:cxn ang="0">
+                  <a:pos x="connsiteX0" y="connsiteY0"/>
+                </a:cxn>
+                <a:cxn ang="0">
+                  <a:pos x="connsiteX1" y="connsiteY1"/>
+                </a:cxn>
+                <a:cxn ang="0">
+                  <a:pos x="connsiteX2" y="connsiteY2"/>
+                </a:cxn>
+                <a:cxn ang="0">
+                  <a:pos x="connsiteX3" y="connsiteY3"/>
+                </a:cxn>
+                <a:cxn ang="0">
+                  <a:pos x="connsiteX4" y="connsiteY4"/>
+                </a:cxn>
+              </a:cxnLst>
+              <a:rect l="l" t="t" r="r" b="b"/>
+              <a:pathLst>
+                <a:path w="533400" h="1081587">
+                  <a:moveTo>
+                    <a:pt x="0" y="1081092"/>
+                  </a:moveTo>
+                  <a:cubicBezTo>
+                    <a:pt x="80963" y="1080695"/>
+                    <a:pt x="140494" y="1096967"/>
+                    <a:pt x="171450" y="971555"/>
+                  </a:cubicBezTo>
+                  <a:cubicBezTo>
+                    <a:pt x="202406" y="846143"/>
+                    <a:pt x="228600" y="2386"/>
+                    <a:pt x="257175" y="5"/>
+                  </a:cubicBezTo>
+                  <a:cubicBezTo>
+                    <a:pt x="285750" y="-2376"/>
+                    <a:pt x="301625" y="796937"/>
+                    <a:pt x="342900" y="957267"/>
+                  </a:cubicBezTo>
+                  <a:cubicBezTo>
+                    <a:pt x="384175" y="1117597"/>
+                    <a:pt x="446087" y="1073154"/>
+                    <a:pt x="533400" y="1076330"/>
+                  </a:cubicBezTo>
+                </a:path>
+              </a:pathLst>
+            </a:custGeom>
+            <a:solidFill>
+              <a:srgbClr val="8B8C89"/>
+            </a:solidFill>
+            <a:ln>
+              <a:noFill/>
+            </a:ln>
+          </p:spPr>
+          <p:style>
+            <a:lnRef idx="2">
+              <a:schemeClr val="accent1">
+                <a:shade val="50000"/>
+              </a:schemeClr>
+            </a:lnRef>
+            <a:fillRef idx="1">
+              <a:schemeClr val="accent1"/>
+            </a:fillRef>
+            <a:effectRef idx="0">
+              <a:schemeClr val="accent1"/>
+            </a:effectRef>
+            <a:fontRef idx="minor">
+              <a:schemeClr val="lt1"/>
+            </a:fontRef>
+          </p:style>
+          <p:txBody>
+            <a:bodyPr rtlCol="0" anchor="ctr"/>
+            <a:lstStyle/>
+            <a:p>
+              <a:pPr algn="ctr"/>
+              <a:endParaRPr lang="zh-TW" altLang="en-US"/>
+            </a:p>
+          </p:txBody>
+        </p:sp>
+        <p:sp>
+          <p:nvSpPr>
+            <p:cNvPr id="1037" name="手繪多邊形: 圖案 1036">
+              <a:extLst>
+                <a:ext uri="{FF2B5EF4-FFF2-40B4-BE49-F238E27FC236}">
+                  <a16:creationId xmlns:a16="http://schemas.microsoft.com/office/drawing/2014/main" id="{5CA33FD0-87BB-2545-11FC-830F28551D23}"/>
+                </a:ext>
+              </a:extLst>
+            </p:cNvPr>
+            <p:cNvSpPr/>
+            <p:nvPr/>
+          </p:nvSpPr>
+          <p:spPr>
+            <a:xfrm>
+              <a:off x="8608218" y="4152899"/>
+              <a:ext cx="1756196" cy="820873"/>
+            </a:xfrm>
+            <a:custGeom>
+              <a:avLst/>
+              <a:gdLst>
+                <a:gd name="connsiteX0" fmla="*/ 0 w 2276475"/>
+                <a:gd name="connsiteY0" fmla="*/ 1069029 h 2166127"/>
+                <a:gd name="connsiteX1" fmla="*/ 190500 w 2276475"/>
+                <a:gd name="connsiteY1" fmla="*/ 1078554 h 2166127"/>
+                <a:gd name="connsiteX2" fmla="*/ 371475 w 2276475"/>
+                <a:gd name="connsiteY2" fmla="*/ 1145229 h 2166127"/>
+                <a:gd name="connsiteX3" fmla="*/ 571500 w 2276475"/>
+                <a:gd name="connsiteY3" fmla="*/ 821379 h 2166127"/>
+                <a:gd name="connsiteX4" fmla="*/ 809625 w 2276475"/>
+                <a:gd name="connsiteY4" fmla="*/ 1735779 h 2166127"/>
+                <a:gd name="connsiteX5" fmla="*/ 1028700 w 2276475"/>
+                <a:gd name="connsiteY5" fmla="*/ 2229 h 2166127"/>
+                <a:gd name="connsiteX6" fmla="*/ 1257300 w 2276475"/>
+                <a:gd name="connsiteY6" fmla="*/ 2164404 h 2166127"/>
+                <a:gd name="connsiteX7" fmla="*/ 1466850 w 2276475"/>
+                <a:gd name="connsiteY7" fmla="*/ 383229 h 2166127"/>
+                <a:gd name="connsiteX8" fmla="*/ 1695450 w 2276475"/>
+                <a:gd name="connsiteY8" fmla="*/ 1364304 h 2166127"/>
+                <a:gd name="connsiteX9" fmla="*/ 1885950 w 2276475"/>
+                <a:gd name="connsiteY9" fmla="*/ 1002354 h 2166127"/>
+                <a:gd name="connsiteX10" fmla="*/ 2105025 w 2276475"/>
+                <a:gd name="connsiteY10" fmla="*/ 1078554 h 2166127"/>
+                <a:gd name="connsiteX11" fmla="*/ 2276475 w 2276475"/>
+                <a:gd name="connsiteY11" fmla="*/ 1088079 h 2166127"/>
+                <a:gd name="connsiteX0" fmla="*/ 0 w 5110725"/>
+                <a:gd name="connsiteY0" fmla="*/ 1069029 h 2166127"/>
+                <a:gd name="connsiteX1" fmla="*/ 3024750 w 5110725"/>
+                <a:gd name="connsiteY1" fmla="*/ 1078554 h 2166127"/>
+                <a:gd name="connsiteX2" fmla="*/ 3205725 w 5110725"/>
+                <a:gd name="connsiteY2" fmla="*/ 1145229 h 2166127"/>
+                <a:gd name="connsiteX3" fmla="*/ 3405750 w 5110725"/>
+                <a:gd name="connsiteY3" fmla="*/ 821379 h 2166127"/>
+                <a:gd name="connsiteX4" fmla="*/ 3643875 w 5110725"/>
+                <a:gd name="connsiteY4" fmla="*/ 1735779 h 2166127"/>
+                <a:gd name="connsiteX5" fmla="*/ 3862950 w 5110725"/>
+                <a:gd name="connsiteY5" fmla="*/ 2229 h 2166127"/>
+                <a:gd name="connsiteX6" fmla="*/ 4091550 w 5110725"/>
+                <a:gd name="connsiteY6" fmla="*/ 2164404 h 2166127"/>
+                <a:gd name="connsiteX7" fmla="*/ 4301100 w 5110725"/>
+                <a:gd name="connsiteY7" fmla="*/ 383229 h 2166127"/>
+                <a:gd name="connsiteX8" fmla="*/ 4529700 w 5110725"/>
+                <a:gd name="connsiteY8" fmla="*/ 1364304 h 2166127"/>
+                <a:gd name="connsiteX9" fmla="*/ 4720200 w 5110725"/>
+                <a:gd name="connsiteY9" fmla="*/ 1002354 h 2166127"/>
+                <a:gd name="connsiteX10" fmla="*/ 4939275 w 5110725"/>
+                <a:gd name="connsiteY10" fmla="*/ 1078554 h 2166127"/>
+                <a:gd name="connsiteX11" fmla="*/ 5110725 w 5110725"/>
+                <a:gd name="connsiteY11" fmla="*/ 1088079 h 2166127"/>
+                <a:gd name="connsiteX0" fmla="*/ 0 w 5110725"/>
+                <a:gd name="connsiteY0" fmla="*/ 1069029 h 2166127"/>
+                <a:gd name="connsiteX1" fmla="*/ 3024750 w 5110725"/>
+                <a:gd name="connsiteY1" fmla="*/ 1078554 h 2166127"/>
+                <a:gd name="connsiteX2" fmla="*/ 3205725 w 5110725"/>
+                <a:gd name="connsiteY2" fmla="*/ 1145229 h 2166127"/>
+                <a:gd name="connsiteX3" fmla="*/ 3405750 w 5110725"/>
+                <a:gd name="connsiteY3" fmla="*/ 821379 h 2166127"/>
+                <a:gd name="connsiteX4" fmla="*/ 3643875 w 5110725"/>
+                <a:gd name="connsiteY4" fmla="*/ 1735779 h 2166127"/>
+                <a:gd name="connsiteX5" fmla="*/ 3862950 w 5110725"/>
+                <a:gd name="connsiteY5" fmla="*/ 2229 h 2166127"/>
+                <a:gd name="connsiteX6" fmla="*/ 4091550 w 5110725"/>
+                <a:gd name="connsiteY6" fmla="*/ 2164404 h 2166127"/>
+                <a:gd name="connsiteX7" fmla="*/ 4301100 w 5110725"/>
+                <a:gd name="connsiteY7" fmla="*/ 383229 h 2166127"/>
+                <a:gd name="connsiteX8" fmla="*/ 4529700 w 5110725"/>
+                <a:gd name="connsiteY8" fmla="*/ 1364304 h 2166127"/>
+                <a:gd name="connsiteX9" fmla="*/ 4720200 w 5110725"/>
+                <a:gd name="connsiteY9" fmla="*/ 1002354 h 2166127"/>
+                <a:gd name="connsiteX10" fmla="*/ 4939275 w 5110725"/>
+                <a:gd name="connsiteY10" fmla="*/ 1078554 h 2166127"/>
+                <a:gd name="connsiteX11" fmla="*/ 5110725 w 5110725"/>
+                <a:gd name="connsiteY11" fmla="*/ 1088079 h 2166127"/>
+              </a:gdLst>
+              <a:ahLst/>
+              <a:cxnLst>
+                <a:cxn ang="0">
+                  <a:pos x="connsiteX0" y="connsiteY0"/>
+                </a:cxn>
+                <a:cxn ang="0">
+                  <a:pos x="connsiteX1" y="connsiteY1"/>
+                </a:cxn>
+                <a:cxn ang="0">
+                  <a:pos x="connsiteX2" y="connsiteY2"/>
+                </a:cxn>
+                <a:cxn ang="0">
+                  <a:pos x="connsiteX3" y="connsiteY3"/>
+                </a:cxn>
+                <a:cxn ang="0">
+                  <a:pos x="connsiteX4" y="connsiteY4"/>
+                </a:cxn>
+                <a:cxn ang="0">
+                  <a:pos x="connsiteX5" y="connsiteY5"/>
+                </a:cxn>
+                <a:cxn ang="0">
+                  <a:pos x="connsiteX6" y="connsiteY6"/>
+                </a:cxn>
+                <a:cxn ang="0">
+                  <a:pos x="connsiteX7" y="connsiteY7"/>
+                </a:cxn>
+                <a:cxn ang="0">
+                  <a:pos x="connsiteX8" y="connsiteY8"/>
+                </a:cxn>
+                <a:cxn ang="0">
+                  <a:pos x="connsiteX9" y="connsiteY9"/>
+                </a:cxn>
+                <a:cxn ang="0">
+                  <a:pos x="connsiteX10" y="connsiteY10"/>
+                </a:cxn>
+                <a:cxn ang="0">
+                  <a:pos x="connsiteX11" y="connsiteY11"/>
+                </a:cxn>
+              </a:cxnLst>
+              <a:rect l="l" t="t" r="r" b="b"/>
+              <a:pathLst>
+                <a:path w="5110725" h="2166127">
+                  <a:moveTo>
+                    <a:pt x="0" y="1069029"/>
+                  </a:moveTo>
+                  <a:cubicBezTo>
+                    <a:pt x="64294" y="1067441"/>
+                    <a:pt x="2933964" y="1021869"/>
+                    <a:pt x="3024750" y="1078554"/>
+                  </a:cubicBezTo>
+                  <a:cubicBezTo>
+                    <a:pt x="3115536" y="1135239"/>
+                    <a:pt x="3142225" y="1188092"/>
+                    <a:pt x="3205725" y="1145229"/>
+                  </a:cubicBezTo>
+                  <a:cubicBezTo>
+                    <a:pt x="3269225" y="1102367"/>
+                    <a:pt x="3332725" y="722954"/>
+                    <a:pt x="3405750" y="821379"/>
+                  </a:cubicBezTo>
+                  <a:cubicBezTo>
+                    <a:pt x="3478775" y="919804"/>
+                    <a:pt x="3567675" y="1872304"/>
+                    <a:pt x="3643875" y="1735779"/>
+                  </a:cubicBezTo>
+                  <a:cubicBezTo>
+                    <a:pt x="3720075" y="1599254"/>
+                    <a:pt x="3788338" y="-69209"/>
+                    <a:pt x="3862950" y="2229"/>
+                  </a:cubicBezTo>
+                  <a:cubicBezTo>
+                    <a:pt x="3937563" y="73666"/>
+                    <a:pt x="4018525" y="2100904"/>
+                    <a:pt x="4091550" y="2164404"/>
+                  </a:cubicBezTo>
+                  <a:cubicBezTo>
+                    <a:pt x="4164575" y="2227904"/>
+                    <a:pt x="4228075" y="516579"/>
+                    <a:pt x="4301100" y="383229"/>
+                  </a:cubicBezTo>
+                  <a:cubicBezTo>
+                    <a:pt x="4374125" y="249879"/>
+                    <a:pt x="4459850" y="1261117"/>
+                    <a:pt x="4529700" y="1364304"/>
+                  </a:cubicBezTo>
+                  <a:cubicBezTo>
+                    <a:pt x="4599550" y="1467491"/>
+                    <a:pt x="4651938" y="1049979"/>
+                    <a:pt x="4720200" y="1002354"/>
+                  </a:cubicBezTo>
+                  <a:cubicBezTo>
+                    <a:pt x="4788462" y="954729"/>
+                    <a:pt x="4874188" y="1064267"/>
+                    <a:pt x="4939275" y="1078554"/>
+                  </a:cubicBezTo>
+                  <a:cubicBezTo>
+                    <a:pt x="5004362" y="1092841"/>
+                    <a:pt x="5057543" y="1090460"/>
+                    <a:pt x="5110725" y="1088079"/>
+                  </a:cubicBezTo>
+                </a:path>
+              </a:pathLst>
+            </a:custGeom>
+            <a:noFill/>
+            <a:ln w="19050">
+              <a:solidFill>
+                <a:srgbClr val="113256"/>
+              </a:solidFill>
+            </a:ln>
+          </p:spPr>
+          <p:style>
+            <a:lnRef idx="2">
+              <a:schemeClr val="accent1">
+                <a:shade val="50000"/>
+              </a:schemeClr>
+            </a:lnRef>
+            <a:fillRef idx="1">
+              <a:schemeClr val="accent1"/>
+            </a:fillRef>
+            <a:effectRef idx="0">
+              <a:schemeClr val="accent1"/>
+            </a:effectRef>
+            <a:fontRef idx="minor">
+              <a:schemeClr val="lt1"/>
+            </a:fontRef>
+          </p:style>
+          <p:txBody>
+            <a:bodyPr rtlCol="0" anchor="ctr"/>
+            <a:lstStyle/>
+            <a:p>
+              <a:pPr algn="ctr"/>
+              <a:endParaRPr lang="zh-TW" altLang="en-US"/>
+            </a:p>
+          </p:txBody>
+        </p:sp>
+        <p:sp>
+          <p:nvSpPr>
+            <p:cNvPr id="1038" name="矩形 1037">
+              <a:extLst>
+                <a:ext uri="{FF2B5EF4-FFF2-40B4-BE49-F238E27FC236}">
+                  <a16:creationId xmlns:a16="http://schemas.microsoft.com/office/drawing/2014/main" id="{3F3ED28C-2920-8F76-3100-A8E03E36EC8B}"/>
+                </a:ext>
+              </a:extLst>
+            </p:cNvPr>
+            <p:cNvSpPr/>
+            <p:nvPr/>
+          </p:nvSpPr>
+          <p:spPr>
+            <a:xfrm>
+              <a:off x="9421440" y="4109133"/>
+              <a:ext cx="152400" cy="908404"/>
+            </a:xfrm>
+            <a:prstGeom prst="rect">
+              <a:avLst/>
+            </a:prstGeom>
+            <a:solidFill>
+              <a:srgbClr val="A3CEF1"/>
+            </a:solidFill>
+            <a:ln w="19050">
+              <a:solidFill>
+                <a:srgbClr val="113256"/>
+              </a:solidFill>
+            </a:ln>
+          </p:spPr>
+          <p:style>
+            <a:lnRef idx="2">
+              <a:schemeClr val="accent1">
+                <a:shade val="50000"/>
+              </a:schemeClr>
+            </a:lnRef>
+            <a:fillRef idx="1">
+              <a:schemeClr val="accent1"/>
+            </a:fillRef>
+            <a:effectRef idx="0">
+              <a:schemeClr val="accent1"/>
+            </a:effectRef>
+            <a:fontRef idx="minor">
+              <a:schemeClr val="lt1"/>
+            </a:fontRef>
+          </p:style>
+          <p:txBody>
+            <a:bodyPr rtlCol="0" anchor="ctr"/>
+            <a:lstStyle/>
+            <a:p>
+              <a:pPr algn="ctr"/>
+              <a:endParaRPr lang="zh-TW" altLang="en-US"/>
+            </a:p>
+          </p:txBody>
+        </p:sp>
+      </p:grpSp>
+      <p:grpSp>
+        <p:nvGrpSpPr>
+          <p:cNvPr id="1076" name="群組 1075">
+            <a:extLst>
+              <a:ext uri="{FF2B5EF4-FFF2-40B4-BE49-F238E27FC236}">
+                <a16:creationId xmlns:a16="http://schemas.microsoft.com/office/drawing/2014/main" id="{23B4328B-D753-C576-E294-638648F1F61B}"/>
+              </a:ext>
+            </a:extLst>
+          </p:cNvPr>
+          <p:cNvGrpSpPr/>
+          <p:nvPr/>
+        </p:nvGrpSpPr>
+        <p:grpSpPr>
+          <a:xfrm>
+            <a:off x="9758052" y="4114547"/>
+            <a:ext cx="1627498" cy="900000"/>
+            <a:chOff x="9758052" y="4114547"/>
+            <a:chExt cx="1627498" cy="900000"/>
+          </a:xfrm>
+        </p:grpSpPr>
+        <p:cxnSp>
+          <p:nvCxnSpPr>
+            <p:cNvPr id="1071" name="直線單箭頭接點 1070">
+              <a:extLst>
+                <a:ext uri="{FF2B5EF4-FFF2-40B4-BE49-F238E27FC236}">
+                  <a16:creationId xmlns:a16="http://schemas.microsoft.com/office/drawing/2014/main" id="{2C47FB16-7026-5290-02D4-4B17D112A5A6}"/>
+                </a:ext>
+              </a:extLst>
+            </p:cNvPr>
+            <p:cNvCxnSpPr>
+              <a:cxnSpLocks/>
+            </p:cNvCxnSpPr>
+            <p:nvPr/>
+          </p:nvCxnSpPr>
+          <p:spPr>
+            <a:xfrm>
+              <a:off x="10571531" y="4613841"/>
+              <a:ext cx="814019" cy="0"/>
+            </a:xfrm>
+            <a:prstGeom prst="straightConnector1">
+              <a:avLst/>
+            </a:prstGeom>
+            <a:ln w="53975">
+              <a:solidFill>
+                <a:srgbClr val="6096BA"/>
+              </a:solidFill>
+              <a:tailEnd type="triangle" w="med" len="med"/>
+            </a:ln>
+          </p:spPr>
+          <p:style>
+            <a:lnRef idx="1">
+              <a:schemeClr val="accent1"/>
+            </a:lnRef>
+            <a:fillRef idx="0">
+              <a:schemeClr val="accent1"/>
+            </a:fillRef>
+            <a:effectRef idx="0">
+              <a:schemeClr val="accent1"/>
+            </a:effectRef>
+            <a:fontRef idx="minor">
+              <a:schemeClr val="tx1"/>
+            </a:fontRef>
+          </p:style>
+        </p:cxnSp>
+        <p:grpSp>
+          <p:nvGrpSpPr>
+            <p:cNvPr id="1058" name="群組 1057">
+              <a:extLst>
+                <a:ext uri="{FF2B5EF4-FFF2-40B4-BE49-F238E27FC236}">
+                  <a16:creationId xmlns:a16="http://schemas.microsoft.com/office/drawing/2014/main" id="{3B71F3AA-1A33-D77C-047A-A14D72755BDC}"/>
+                </a:ext>
+              </a:extLst>
+            </p:cNvPr>
+            <p:cNvGrpSpPr/>
+            <p:nvPr/>
+          </p:nvGrpSpPr>
+          <p:grpSpPr>
+            <a:xfrm>
+              <a:off x="9758052" y="4114547"/>
+              <a:ext cx="1605005" cy="900000"/>
+              <a:chOff x="8636125" y="3054991"/>
+              <a:chExt cx="1638924" cy="1020155"/>
+            </a:xfrm>
+          </p:grpSpPr>
+          <p:cxnSp>
+            <p:nvCxnSpPr>
+              <p:cNvPr id="1052" name="直線單箭頭接點 1051">
+                <a:extLst>
+                  <a:ext uri="{FF2B5EF4-FFF2-40B4-BE49-F238E27FC236}">
+                    <a16:creationId xmlns:a16="http://schemas.microsoft.com/office/drawing/2014/main" id="{521EA3BD-A769-362E-8AA2-D405943CDA6A}"/>
+                  </a:ext>
+                </a:extLst>
+              </p:cNvPr>
+              <p:cNvCxnSpPr>
+                <a:cxnSpLocks/>
+              </p:cNvCxnSpPr>
+              <p:nvPr/>
+            </p:nvCxnSpPr>
+            <p:spPr>
+              <a:xfrm flipV="1">
+                <a:off x="8837717" y="3062257"/>
+                <a:ext cx="1437332" cy="994197"/>
+              </a:xfrm>
+              <a:prstGeom prst="straightConnector1">
+                <a:avLst/>
+              </a:prstGeom>
+              <a:ln w="57150">
+                <a:solidFill>
+                  <a:srgbClr val="113256"/>
+                </a:solidFill>
+                <a:tailEnd type="triangle" w="med" len="med"/>
+              </a:ln>
+            </p:spPr>
+            <p:style>
+              <a:lnRef idx="1">
+                <a:schemeClr val="accent1"/>
+              </a:lnRef>
+              <a:fillRef idx="0">
+                <a:schemeClr val="accent1"/>
+              </a:fillRef>
+              <a:effectRef idx="0">
+                <a:schemeClr val="accent1"/>
+              </a:effectRef>
+              <a:fontRef idx="minor">
+                <a:schemeClr val="tx1"/>
+              </a:fontRef>
+            </p:style>
+          </p:cxnSp>
+          <p:sp>
+            <p:nvSpPr>
+              <p:cNvPr id="1043" name="手繪多邊形: 圖案 1042">
+                <a:extLst>
+                  <a:ext uri="{FF2B5EF4-FFF2-40B4-BE49-F238E27FC236}">
+                    <a16:creationId xmlns:a16="http://schemas.microsoft.com/office/drawing/2014/main" id="{FAF5A2C9-DF22-FFE7-973D-0B204473F00F}"/>
+                  </a:ext>
+                </a:extLst>
+              </p:cNvPr>
+              <p:cNvSpPr/>
+              <p:nvPr/>
+            </p:nvSpPr>
+            <p:spPr>
+              <a:xfrm>
+                <a:off x="8699698" y="3500582"/>
+                <a:ext cx="720431" cy="120362"/>
+              </a:xfrm>
+              <a:custGeom>
+                <a:avLst/>
+                <a:gdLst>
+                  <a:gd name="connsiteX0" fmla="*/ 0 w 523875"/>
+                  <a:gd name="connsiteY0" fmla="*/ 1081092 h 1109692"/>
+                  <a:gd name="connsiteX1" fmla="*/ 171450 w 523875"/>
+                  <a:gd name="connsiteY1" fmla="*/ 971555 h 1109692"/>
+                  <a:gd name="connsiteX2" fmla="*/ 257175 w 523875"/>
+                  <a:gd name="connsiteY2" fmla="*/ 5 h 1109692"/>
+                  <a:gd name="connsiteX3" fmla="*/ 342900 w 523875"/>
+                  <a:gd name="connsiteY3" fmla="*/ 957267 h 1109692"/>
+                  <a:gd name="connsiteX4" fmla="*/ 523875 w 523875"/>
+                  <a:gd name="connsiteY4" fmla="*/ 1076330 h 1109692"/>
+                  <a:gd name="connsiteX0" fmla="*/ 0 w 523875"/>
+                  <a:gd name="connsiteY0" fmla="*/ 1081092 h 1109692"/>
+                  <a:gd name="connsiteX1" fmla="*/ 171450 w 523875"/>
+                  <a:gd name="connsiteY1" fmla="*/ 971555 h 1109692"/>
+                  <a:gd name="connsiteX2" fmla="*/ 257175 w 523875"/>
+                  <a:gd name="connsiteY2" fmla="*/ 5 h 1109692"/>
+                  <a:gd name="connsiteX3" fmla="*/ 342900 w 523875"/>
+                  <a:gd name="connsiteY3" fmla="*/ 957267 h 1109692"/>
+                  <a:gd name="connsiteX4" fmla="*/ 523875 w 523875"/>
+                  <a:gd name="connsiteY4" fmla="*/ 1076330 h 1109692"/>
+                  <a:gd name="connsiteX0" fmla="*/ 0 w 523875"/>
+                  <a:gd name="connsiteY0" fmla="*/ 1081092 h 1109692"/>
+                  <a:gd name="connsiteX1" fmla="*/ 171450 w 523875"/>
+                  <a:gd name="connsiteY1" fmla="*/ 971555 h 1109692"/>
+                  <a:gd name="connsiteX2" fmla="*/ 257175 w 523875"/>
+                  <a:gd name="connsiteY2" fmla="*/ 5 h 1109692"/>
+                  <a:gd name="connsiteX3" fmla="*/ 342900 w 523875"/>
+                  <a:gd name="connsiteY3" fmla="*/ 957267 h 1109692"/>
+                  <a:gd name="connsiteX4" fmla="*/ 523875 w 523875"/>
+                  <a:gd name="connsiteY4" fmla="*/ 1076330 h 1109692"/>
+                  <a:gd name="connsiteX0" fmla="*/ 0 w 523875"/>
+                  <a:gd name="connsiteY0" fmla="*/ 1081092 h 1109692"/>
+                  <a:gd name="connsiteX1" fmla="*/ 171450 w 523875"/>
+                  <a:gd name="connsiteY1" fmla="*/ 971555 h 1109692"/>
+                  <a:gd name="connsiteX2" fmla="*/ 257175 w 523875"/>
+                  <a:gd name="connsiteY2" fmla="*/ 5 h 1109692"/>
+                  <a:gd name="connsiteX3" fmla="*/ 342900 w 523875"/>
+                  <a:gd name="connsiteY3" fmla="*/ 957267 h 1109692"/>
+                  <a:gd name="connsiteX4" fmla="*/ 523875 w 523875"/>
+                  <a:gd name="connsiteY4" fmla="*/ 1076330 h 1109692"/>
+                  <a:gd name="connsiteX0" fmla="*/ 0 w 523875"/>
+                  <a:gd name="connsiteY0" fmla="*/ 1081092 h 1109692"/>
+                  <a:gd name="connsiteX1" fmla="*/ 171450 w 523875"/>
+                  <a:gd name="connsiteY1" fmla="*/ 971555 h 1109692"/>
+                  <a:gd name="connsiteX2" fmla="*/ 257175 w 523875"/>
+                  <a:gd name="connsiteY2" fmla="*/ 5 h 1109692"/>
+                  <a:gd name="connsiteX3" fmla="*/ 342900 w 523875"/>
+                  <a:gd name="connsiteY3" fmla="*/ 957267 h 1109692"/>
+                  <a:gd name="connsiteX4" fmla="*/ 523875 w 523875"/>
+                  <a:gd name="connsiteY4" fmla="*/ 1076330 h 1109692"/>
+                  <a:gd name="connsiteX0" fmla="*/ 0 w 523875"/>
+                  <a:gd name="connsiteY0" fmla="*/ 1081092 h 1094573"/>
+                  <a:gd name="connsiteX1" fmla="*/ 171450 w 523875"/>
+                  <a:gd name="connsiteY1" fmla="*/ 971555 h 1094573"/>
+                  <a:gd name="connsiteX2" fmla="*/ 257175 w 523875"/>
+                  <a:gd name="connsiteY2" fmla="*/ 5 h 1094573"/>
+                  <a:gd name="connsiteX3" fmla="*/ 342900 w 523875"/>
+                  <a:gd name="connsiteY3" fmla="*/ 957267 h 1094573"/>
+                  <a:gd name="connsiteX4" fmla="*/ 523875 w 523875"/>
+                  <a:gd name="connsiteY4" fmla="*/ 1076330 h 1094573"/>
+                  <a:gd name="connsiteX0" fmla="*/ 0 w 523875"/>
+                  <a:gd name="connsiteY0" fmla="*/ 1081092 h 1081587"/>
+                  <a:gd name="connsiteX1" fmla="*/ 171450 w 523875"/>
+                  <a:gd name="connsiteY1" fmla="*/ 971555 h 1081587"/>
+                  <a:gd name="connsiteX2" fmla="*/ 257175 w 523875"/>
+                  <a:gd name="connsiteY2" fmla="*/ 5 h 1081587"/>
+                  <a:gd name="connsiteX3" fmla="*/ 342900 w 523875"/>
+                  <a:gd name="connsiteY3" fmla="*/ 957267 h 1081587"/>
+                  <a:gd name="connsiteX4" fmla="*/ 523875 w 523875"/>
+                  <a:gd name="connsiteY4" fmla="*/ 1076330 h 1081587"/>
+                  <a:gd name="connsiteX0" fmla="*/ 0 w 533400"/>
+                  <a:gd name="connsiteY0" fmla="*/ 1081092 h 1084716"/>
+                  <a:gd name="connsiteX1" fmla="*/ 171450 w 533400"/>
+                  <a:gd name="connsiteY1" fmla="*/ 971555 h 1084716"/>
+                  <a:gd name="connsiteX2" fmla="*/ 257175 w 533400"/>
+                  <a:gd name="connsiteY2" fmla="*/ 5 h 1084716"/>
+                  <a:gd name="connsiteX3" fmla="*/ 342900 w 533400"/>
+                  <a:gd name="connsiteY3" fmla="*/ 957267 h 1084716"/>
+                  <a:gd name="connsiteX4" fmla="*/ 533400 w 533400"/>
+                  <a:gd name="connsiteY4" fmla="*/ 1076330 h 1084716"/>
+                  <a:gd name="connsiteX0" fmla="*/ 0 w 533400"/>
+                  <a:gd name="connsiteY0" fmla="*/ 1081092 h 1081587"/>
+                  <a:gd name="connsiteX1" fmla="*/ 171450 w 533400"/>
+                  <a:gd name="connsiteY1" fmla="*/ 971555 h 1081587"/>
+                  <a:gd name="connsiteX2" fmla="*/ 257175 w 533400"/>
+                  <a:gd name="connsiteY2" fmla="*/ 5 h 1081587"/>
+                  <a:gd name="connsiteX3" fmla="*/ 342900 w 533400"/>
+                  <a:gd name="connsiteY3" fmla="*/ 957267 h 1081587"/>
+                  <a:gd name="connsiteX4" fmla="*/ 533400 w 533400"/>
+                  <a:gd name="connsiteY4" fmla="*/ 1076330 h 1081587"/>
+                </a:gdLst>
+                <a:ahLst/>
+                <a:cxnLst>
+                  <a:cxn ang="0">
+                    <a:pos x="connsiteX0" y="connsiteY0"/>
+                  </a:cxn>
+                  <a:cxn ang="0">
+                    <a:pos x="connsiteX1" y="connsiteY1"/>
+                  </a:cxn>
+                  <a:cxn ang="0">
+                    <a:pos x="connsiteX2" y="connsiteY2"/>
+                  </a:cxn>
+                  <a:cxn ang="0">
+                    <a:pos x="connsiteX3" y="connsiteY3"/>
+                  </a:cxn>
+                  <a:cxn ang="0">
+                    <a:pos x="connsiteX4" y="connsiteY4"/>
+                  </a:cxn>
+                </a:cxnLst>
+                <a:rect l="l" t="t" r="r" b="b"/>
+                <a:pathLst>
+                  <a:path w="533400" h="1081587">
+                    <a:moveTo>
+                      <a:pt x="0" y="1081092"/>
+                    </a:moveTo>
+                    <a:cubicBezTo>
+                      <a:pt x="80963" y="1080695"/>
+                      <a:pt x="140494" y="1096967"/>
+                      <a:pt x="171450" y="971555"/>
+                    </a:cubicBezTo>
+                    <a:cubicBezTo>
+                      <a:pt x="202406" y="846143"/>
+                      <a:pt x="228600" y="2386"/>
+                      <a:pt x="257175" y="5"/>
+                    </a:cubicBezTo>
+                    <a:cubicBezTo>
+                      <a:pt x="285750" y="-2376"/>
+                      <a:pt x="301625" y="796937"/>
+                      <a:pt x="342900" y="957267"/>
+                    </a:cubicBezTo>
+                    <a:cubicBezTo>
+                      <a:pt x="384175" y="1117597"/>
+                      <a:pt x="446087" y="1073154"/>
+                      <a:pt x="533400" y="1076330"/>
+                    </a:cubicBezTo>
+                  </a:path>
+                </a:pathLst>
+              </a:custGeom>
+              <a:solidFill>
+                <a:srgbClr val="6096BA"/>
+              </a:solidFill>
+              <a:ln>
+                <a:noFill/>
+              </a:ln>
+            </p:spPr>
+            <p:style>
+              <a:lnRef idx="2">
+                <a:schemeClr val="accent1">
+                  <a:shade val="50000"/>
+                </a:schemeClr>
+              </a:lnRef>
+              <a:fillRef idx="1">
+                <a:schemeClr val="accent1"/>
+              </a:fillRef>
+              <a:effectRef idx="0">
+                <a:schemeClr val="accent1"/>
+              </a:effectRef>
+              <a:fontRef idx="minor">
+                <a:schemeClr val="lt1"/>
+              </a:fontRef>
+            </p:style>
+            <p:txBody>
+              <a:bodyPr rtlCol="0" anchor="ctr"/>
+              <a:lstStyle/>
+              <a:p>
+                <a:pPr algn="ctr"/>
+                <a:endParaRPr lang="zh-TW" altLang="en-US"/>
+              </a:p>
+            </p:txBody>
+          </p:sp>
+          <p:cxnSp>
+            <p:nvCxnSpPr>
+              <p:cNvPr id="1048" name="直線單箭頭接點 1047">
+                <a:extLst>
+                  <a:ext uri="{FF2B5EF4-FFF2-40B4-BE49-F238E27FC236}">
+                    <a16:creationId xmlns:a16="http://schemas.microsoft.com/office/drawing/2014/main" id="{010B99FF-CAB9-C397-1F36-AF4E2CF51FB7}"/>
+                  </a:ext>
+                </a:extLst>
+              </p:cNvPr>
+              <p:cNvCxnSpPr>
+                <a:cxnSpLocks/>
+              </p:cNvCxnSpPr>
+              <p:nvPr/>
+            </p:nvCxnSpPr>
+            <p:spPr>
+              <a:xfrm>
+                <a:off x="8636125" y="3620944"/>
+                <a:ext cx="857458" cy="0"/>
+              </a:xfrm>
+              <a:prstGeom prst="straightConnector1">
+                <a:avLst/>
+              </a:prstGeom>
+              <a:ln w="12700">
+                <a:solidFill>
+                  <a:srgbClr val="6096BA"/>
+                </a:solidFill>
+                <a:tailEnd type="triangle" w="sm" len="sm"/>
+              </a:ln>
+            </p:spPr>
+            <p:style>
+              <a:lnRef idx="1">
+                <a:schemeClr val="accent1"/>
+              </a:lnRef>
+              <a:fillRef idx="0">
+                <a:schemeClr val="accent1"/>
+              </a:fillRef>
+              <a:effectRef idx="0">
+                <a:schemeClr val="accent1"/>
+              </a:effectRef>
+              <a:fontRef idx="minor">
+                <a:schemeClr val="tx1"/>
+              </a:fontRef>
+            </p:style>
+          </p:cxnSp>
+          <p:sp>
+            <p:nvSpPr>
+              <p:cNvPr id="1045" name="矩形 1044">
+                <a:extLst>
+                  <a:ext uri="{FF2B5EF4-FFF2-40B4-BE49-F238E27FC236}">
+                    <a16:creationId xmlns:a16="http://schemas.microsoft.com/office/drawing/2014/main" id="{4A36B5A0-CB91-14B1-7CF2-AAE161F0F10A}"/>
+                  </a:ext>
+                </a:extLst>
+              </p:cNvPr>
+              <p:cNvSpPr/>
+              <p:nvPr/>
+            </p:nvSpPr>
+            <p:spPr>
+              <a:xfrm rot="20354100">
+                <a:off x="9390595" y="3166742"/>
+                <a:ext cx="152400" cy="908404"/>
+              </a:xfrm>
+              <a:prstGeom prst="rect">
+                <a:avLst/>
+              </a:prstGeom>
+              <a:solidFill>
+                <a:srgbClr val="A3CEF1"/>
+              </a:solidFill>
+              <a:ln w="19050">
+                <a:solidFill>
+                  <a:srgbClr val="113256"/>
+                </a:solidFill>
+              </a:ln>
+            </p:spPr>
+            <p:style>
+              <a:lnRef idx="2">
+                <a:schemeClr val="accent1">
+                  <a:shade val="50000"/>
+                </a:schemeClr>
+              </a:lnRef>
+              <a:fillRef idx="1">
+                <a:schemeClr val="accent1"/>
+              </a:fillRef>
+              <a:effectRef idx="0">
+                <a:schemeClr val="accent1"/>
+              </a:effectRef>
+              <a:fontRef idx="minor">
+                <a:schemeClr val="lt1"/>
+              </a:fontRef>
+            </p:style>
+            <p:txBody>
+              <a:bodyPr rtlCol="0" anchor="ctr"/>
+              <a:lstStyle/>
+              <a:p>
+                <a:pPr algn="ctr"/>
+                <a:endParaRPr lang="zh-TW" altLang="en-US"/>
+              </a:p>
+            </p:txBody>
+          </p:sp>
+          <p:sp>
+            <p:nvSpPr>
+              <p:cNvPr id="1056" name="手繪多邊形: 圖案 1055">
+                <a:extLst>
+                  <a:ext uri="{FF2B5EF4-FFF2-40B4-BE49-F238E27FC236}">
+                    <a16:creationId xmlns:a16="http://schemas.microsoft.com/office/drawing/2014/main" id="{BB8EF2F1-CEC2-3304-E92A-6762074749AC}"/>
+                  </a:ext>
+                </a:extLst>
+              </p:cNvPr>
+              <p:cNvSpPr/>
+              <p:nvPr/>
+            </p:nvSpPr>
+            <p:spPr>
+              <a:xfrm>
+                <a:off x="9554618" y="3054991"/>
+                <a:ext cx="720431" cy="565953"/>
+              </a:xfrm>
+              <a:custGeom>
+                <a:avLst/>
+                <a:gdLst>
+                  <a:gd name="connsiteX0" fmla="*/ 0 w 523875"/>
+                  <a:gd name="connsiteY0" fmla="*/ 1081092 h 1109692"/>
+                  <a:gd name="connsiteX1" fmla="*/ 171450 w 523875"/>
+                  <a:gd name="connsiteY1" fmla="*/ 971555 h 1109692"/>
+                  <a:gd name="connsiteX2" fmla="*/ 257175 w 523875"/>
+                  <a:gd name="connsiteY2" fmla="*/ 5 h 1109692"/>
+                  <a:gd name="connsiteX3" fmla="*/ 342900 w 523875"/>
+                  <a:gd name="connsiteY3" fmla="*/ 957267 h 1109692"/>
+                  <a:gd name="connsiteX4" fmla="*/ 523875 w 523875"/>
+                  <a:gd name="connsiteY4" fmla="*/ 1076330 h 1109692"/>
+                  <a:gd name="connsiteX0" fmla="*/ 0 w 523875"/>
+                  <a:gd name="connsiteY0" fmla="*/ 1081092 h 1109692"/>
+                  <a:gd name="connsiteX1" fmla="*/ 171450 w 523875"/>
+                  <a:gd name="connsiteY1" fmla="*/ 971555 h 1109692"/>
+                  <a:gd name="connsiteX2" fmla="*/ 257175 w 523875"/>
+                  <a:gd name="connsiteY2" fmla="*/ 5 h 1109692"/>
+                  <a:gd name="connsiteX3" fmla="*/ 342900 w 523875"/>
+                  <a:gd name="connsiteY3" fmla="*/ 957267 h 1109692"/>
+                  <a:gd name="connsiteX4" fmla="*/ 523875 w 523875"/>
+                  <a:gd name="connsiteY4" fmla="*/ 1076330 h 1109692"/>
+                  <a:gd name="connsiteX0" fmla="*/ 0 w 523875"/>
+                  <a:gd name="connsiteY0" fmla="*/ 1081092 h 1109692"/>
+                  <a:gd name="connsiteX1" fmla="*/ 171450 w 523875"/>
+                  <a:gd name="connsiteY1" fmla="*/ 971555 h 1109692"/>
+                  <a:gd name="connsiteX2" fmla="*/ 257175 w 523875"/>
+                  <a:gd name="connsiteY2" fmla="*/ 5 h 1109692"/>
+                  <a:gd name="connsiteX3" fmla="*/ 342900 w 523875"/>
+                  <a:gd name="connsiteY3" fmla="*/ 957267 h 1109692"/>
+                  <a:gd name="connsiteX4" fmla="*/ 523875 w 523875"/>
+                  <a:gd name="connsiteY4" fmla="*/ 1076330 h 1109692"/>
+                  <a:gd name="connsiteX0" fmla="*/ 0 w 523875"/>
+                  <a:gd name="connsiteY0" fmla="*/ 1081092 h 1109692"/>
+                  <a:gd name="connsiteX1" fmla="*/ 171450 w 523875"/>
+                  <a:gd name="connsiteY1" fmla="*/ 971555 h 1109692"/>
+                  <a:gd name="connsiteX2" fmla="*/ 257175 w 523875"/>
+                  <a:gd name="connsiteY2" fmla="*/ 5 h 1109692"/>
+                  <a:gd name="connsiteX3" fmla="*/ 342900 w 523875"/>
+                  <a:gd name="connsiteY3" fmla="*/ 957267 h 1109692"/>
+                  <a:gd name="connsiteX4" fmla="*/ 523875 w 523875"/>
+                  <a:gd name="connsiteY4" fmla="*/ 1076330 h 1109692"/>
+                  <a:gd name="connsiteX0" fmla="*/ 0 w 523875"/>
+                  <a:gd name="connsiteY0" fmla="*/ 1081092 h 1109692"/>
+                  <a:gd name="connsiteX1" fmla="*/ 171450 w 523875"/>
+                  <a:gd name="connsiteY1" fmla="*/ 971555 h 1109692"/>
+                  <a:gd name="connsiteX2" fmla="*/ 257175 w 523875"/>
+                  <a:gd name="connsiteY2" fmla="*/ 5 h 1109692"/>
+                  <a:gd name="connsiteX3" fmla="*/ 342900 w 523875"/>
+                  <a:gd name="connsiteY3" fmla="*/ 957267 h 1109692"/>
+                  <a:gd name="connsiteX4" fmla="*/ 523875 w 523875"/>
+                  <a:gd name="connsiteY4" fmla="*/ 1076330 h 1109692"/>
+                  <a:gd name="connsiteX0" fmla="*/ 0 w 523875"/>
+                  <a:gd name="connsiteY0" fmla="*/ 1081092 h 1094573"/>
+                  <a:gd name="connsiteX1" fmla="*/ 171450 w 523875"/>
+                  <a:gd name="connsiteY1" fmla="*/ 971555 h 1094573"/>
+                  <a:gd name="connsiteX2" fmla="*/ 257175 w 523875"/>
+                  <a:gd name="connsiteY2" fmla="*/ 5 h 1094573"/>
+                  <a:gd name="connsiteX3" fmla="*/ 342900 w 523875"/>
+                  <a:gd name="connsiteY3" fmla="*/ 957267 h 1094573"/>
+                  <a:gd name="connsiteX4" fmla="*/ 523875 w 523875"/>
+                  <a:gd name="connsiteY4" fmla="*/ 1076330 h 1094573"/>
+                  <a:gd name="connsiteX0" fmla="*/ 0 w 523875"/>
+                  <a:gd name="connsiteY0" fmla="*/ 1081092 h 1081587"/>
+                  <a:gd name="connsiteX1" fmla="*/ 171450 w 523875"/>
+                  <a:gd name="connsiteY1" fmla="*/ 971555 h 1081587"/>
+                  <a:gd name="connsiteX2" fmla="*/ 257175 w 523875"/>
+                  <a:gd name="connsiteY2" fmla="*/ 5 h 1081587"/>
+                  <a:gd name="connsiteX3" fmla="*/ 342900 w 523875"/>
+                  <a:gd name="connsiteY3" fmla="*/ 957267 h 1081587"/>
+                  <a:gd name="connsiteX4" fmla="*/ 523875 w 523875"/>
+                  <a:gd name="connsiteY4" fmla="*/ 1076330 h 1081587"/>
+                  <a:gd name="connsiteX0" fmla="*/ 0 w 533400"/>
+                  <a:gd name="connsiteY0" fmla="*/ 1081092 h 1084716"/>
+                  <a:gd name="connsiteX1" fmla="*/ 171450 w 533400"/>
+                  <a:gd name="connsiteY1" fmla="*/ 971555 h 1084716"/>
+                  <a:gd name="connsiteX2" fmla="*/ 257175 w 533400"/>
+                  <a:gd name="connsiteY2" fmla="*/ 5 h 1084716"/>
+                  <a:gd name="connsiteX3" fmla="*/ 342900 w 533400"/>
+                  <a:gd name="connsiteY3" fmla="*/ 957267 h 1084716"/>
+                  <a:gd name="connsiteX4" fmla="*/ 533400 w 533400"/>
+                  <a:gd name="connsiteY4" fmla="*/ 1076330 h 1084716"/>
+                  <a:gd name="connsiteX0" fmla="*/ 0 w 533400"/>
+                  <a:gd name="connsiteY0" fmla="*/ 1081092 h 1081587"/>
+                  <a:gd name="connsiteX1" fmla="*/ 171450 w 533400"/>
+                  <a:gd name="connsiteY1" fmla="*/ 971555 h 1081587"/>
+                  <a:gd name="connsiteX2" fmla="*/ 257175 w 533400"/>
+                  <a:gd name="connsiteY2" fmla="*/ 5 h 1081587"/>
+                  <a:gd name="connsiteX3" fmla="*/ 342900 w 533400"/>
+                  <a:gd name="connsiteY3" fmla="*/ 957267 h 1081587"/>
+                  <a:gd name="connsiteX4" fmla="*/ 533400 w 533400"/>
+                  <a:gd name="connsiteY4" fmla="*/ 1076330 h 1081587"/>
+                </a:gdLst>
+                <a:ahLst/>
+                <a:cxnLst>
+                  <a:cxn ang="0">
+                    <a:pos x="connsiteX0" y="connsiteY0"/>
+                  </a:cxn>
+                  <a:cxn ang="0">
+                    <a:pos x="connsiteX1" y="connsiteY1"/>
+                  </a:cxn>
+                  <a:cxn ang="0">
+                    <a:pos x="connsiteX2" y="connsiteY2"/>
+                  </a:cxn>
+                  <a:cxn ang="0">
+                    <a:pos x="connsiteX3" y="connsiteY3"/>
+                  </a:cxn>
+                  <a:cxn ang="0">
+                    <a:pos x="connsiteX4" y="connsiteY4"/>
+                  </a:cxn>
+                </a:cxnLst>
+                <a:rect l="l" t="t" r="r" b="b"/>
+                <a:pathLst>
+                  <a:path w="533400" h="1081587">
+                    <a:moveTo>
+                      <a:pt x="0" y="1081092"/>
+                    </a:moveTo>
+                    <a:cubicBezTo>
+                      <a:pt x="80963" y="1080695"/>
+                      <a:pt x="140494" y="1096967"/>
+                      <a:pt x="171450" y="971555"/>
+                    </a:cubicBezTo>
+                    <a:cubicBezTo>
+                      <a:pt x="202406" y="846143"/>
+                      <a:pt x="228600" y="2386"/>
+                      <a:pt x="257175" y="5"/>
+                    </a:cubicBezTo>
+                    <a:cubicBezTo>
+                      <a:pt x="285750" y="-2376"/>
+                      <a:pt x="301625" y="796937"/>
+                      <a:pt x="342900" y="957267"/>
+                    </a:cubicBezTo>
+                    <a:cubicBezTo>
+                      <a:pt x="384175" y="1117597"/>
+                      <a:pt x="446087" y="1073154"/>
+                      <a:pt x="533400" y="1076330"/>
+                    </a:cubicBezTo>
+                  </a:path>
+                </a:pathLst>
+              </a:custGeom>
+              <a:solidFill>
+                <a:srgbClr val="6096BA"/>
+              </a:solidFill>
+              <a:ln>
+                <a:noFill/>
+              </a:ln>
+            </p:spPr>
+            <p:style>
+              <a:lnRef idx="2">
+                <a:schemeClr val="accent1">
+                  <a:shade val="50000"/>
+                </a:schemeClr>
+              </a:lnRef>
+              <a:fillRef idx="1">
+                <a:schemeClr val="accent1"/>
+              </a:fillRef>
+              <a:effectRef idx="0">
+                <a:schemeClr val="accent1"/>
+              </a:effectRef>
+              <a:fontRef idx="minor">
+                <a:schemeClr val="lt1"/>
+              </a:fontRef>
+            </p:style>
+            <p:txBody>
+              <a:bodyPr rtlCol="0" anchor="ctr"/>
+              <a:lstStyle/>
+              <a:p>
+                <a:pPr algn="ctr"/>
+                <a:endParaRPr lang="zh-TW" altLang="en-US"/>
+              </a:p>
+            </p:txBody>
+          </p:sp>
+        </p:grpSp>
+      </p:grpSp>
+      <p:grpSp>
+        <p:nvGrpSpPr>
+          <p:cNvPr id="1059" name="群組 1058">
+            <a:extLst>
+              <a:ext uri="{FF2B5EF4-FFF2-40B4-BE49-F238E27FC236}">
+                <a16:creationId xmlns:a16="http://schemas.microsoft.com/office/drawing/2014/main" id="{FEFAB17A-408B-A0E1-30B2-7BEB6E5A3E03}"/>
+              </a:ext>
+            </a:extLst>
+          </p:cNvPr>
+          <p:cNvGrpSpPr/>
+          <p:nvPr/>
+        </p:nvGrpSpPr>
+        <p:grpSpPr>
+          <a:xfrm>
+            <a:off x="9725716" y="437281"/>
+            <a:ext cx="1800000" cy="793230"/>
+            <a:chOff x="6031725" y="1226784"/>
+            <a:chExt cx="1778876" cy="788065"/>
+          </a:xfrm>
+        </p:grpSpPr>
+        <p:grpSp>
+          <p:nvGrpSpPr>
+            <p:cNvPr id="1060" name="群組 1059">
+              <a:extLst>
+                <a:ext uri="{FF2B5EF4-FFF2-40B4-BE49-F238E27FC236}">
+                  <a16:creationId xmlns:a16="http://schemas.microsoft.com/office/drawing/2014/main" id="{B11DC1E4-1BE9-77EF-5736-6C53FDD165FA}"/>
+                </a:ext>
+              </a:extLst>
+            </p:cNvPr>
+            <p:cNvGrpSpPr/>
+            <p:nvPr/>
+          </p:nvGrpSpPr>
+          <p:grpSpPr>
+            <a:xfrm>
+              <a:off x="6802831" y="1226784"/>
+              <a:ext cx="1007770" cy="691452"/>
+              <a:chOff x="6767424" y="4493655"/>
+              <a:chExt cx="1007770" cy="691452"/>
+            </a:xfrm>
+          </p:grpSpPr>
+          <p:sp>
+            <p:nvSpPr>
+              <p:cNvPr id="1067" name="等腰三角形 32">
+                <a:extLst>
+                  <a:ext uri="{FF2B5EF4-FFF2-40B4-BE49-F238E27FC236}">
+                    <a16:creationId xmlns:a16="http://schemas.microsoft.com/office/drawing/2014/main" id="{4D6A8FD5-8E1B-8A4F-B260-7C690F827E60}"/>
+                  </a:ext>
+                </a:extLst>
+              </p:cNvPr>
+              <p:cNvSpPr/>
+              <p:nvPr/>
+            </p:nvSpPr>
+            <p:spPr>
+              <a:xfrm rot="15373384">
+                <a:off x="6932195" y="4342108"/>
+                <a:ext cx="691452" cy="994546"/>
+              </a:xfrm>
+              <a:custGeom>
+                <a:avLst/>
+                <a:gdLst>
+                  <a:gd name="connsiteX0" fmla="*/ 0 w 691452"/>
+                  <a:gd name="connsiteY0" fmla="*/ 942469 h 942469"/>
+                  <a:gd name="connsiteX1" fmla="*/ 345726 w 691452"/>
+                  <a:gd name="connsiteY1" fmla="*/ 0 h 942469"/>
+                  <a:gd name="connsiteX2" fmla="*/ 691452 w 691452"/>
+                  <a:gd name="connsiteY2" fmla="*/ 942469 h 942469"/>
+                  <a:gd name="connsiteX3" fmla="*/ 0 w 691452"/>
+                  <a:gd name="connsiteY3" fmla="*/ 942469 h 942469"/>
+                  <a:gd name="connsiteX0" fmla="*/ 0 w 691452"/>
+                  <a:gd name="connsiteY0" fmla="*/ 942469 h 977105"/>
+                  <a:gd name="connsiteX1" fmla="*/ 345726 w 691452"/>
+                  <a:gd name="connsiteY1" fmla="*/ 0 h 977105"/>
+                  <a:gd name="connsiteX2" fmla="*/ 691452 w 691452"/>
+                  <a:gd name="connsiteY2" fmla="*/ 942469 h 977105"/>
+                  <a:gd name="connsiteX3" fmla="*/ 0 w 691452"/>
+                  <a:gd name="connsiteY3" fmla="*/ 942469 h 977105"/>
+                  <a:gd name="connsiteX0" fmla="*/ 0 w 691452"/>
+                  <a:gd name="connsiteY0" fmla="*/ 942469 h 994546"/>
+                  <a:gd name="connsiteX1" fmla="*/ 345726 w 691452"/>
+                  <a:gd name="connsiteY1" fmla="*/ 0 h 994546"/>
+                  <a:gd name="connsiteX2" fmla="*/ 691452 w 691452"/>
+                  <a:gd name="connsiteY2" fmla="*/ 942469 h 994546"/>
+                  <a:gd name="connsiteX3" fmla="*/ 0 w 691452"/>
+                  <a:gd name="connsiteY3" fmla="*/ 942469 h 994546"/>
+                </a:gdLst>
+                <a:ahLst/>
+                <a:cxnLst>
+                  <a:cxn ang="0">
+                    <a:pos x="connsiteX0" y="connsiteY0"/>
+                  </a:cxn>
+                  <a:cxn ang="0">
+                    <a:pos x="connsiteX1" y="connsiteY1"/>
+                  </a:cxn>
+                  <a:cxn ang="0">
+                    <a:pos x="connsiteX2" y="connsiteY2"/>
+                  </a:cxn>
+                  <a:cxn ang="0">
+                    <a:pos x="connsiteX3" y="connsiteY3"/>
+                  </a:cxn>
+                </a:cxnLst>
+                <a:rect l="l" t="t" r="r" b="b"/>
+                <a:pathLst>
+                  <a:path w="691452" h="994546">
+                    <a:moveTo>
+                      <a:pt x="0" y="942469"/>
+                    </a:moveTo>
+                    <a:lnTo>
+                      <a:pt x="345726" y="0"/>
+                    </a:lnTo>
+                    <a:lnTo>
+                      <a:pt x="691452" y="942469"/>
+                    </a:lnTo>
+                    <a:cubicBezTo>
+                      <a:pt x="517264" y="1002857"/>
+                      <a:pt x="238344" y="1020402"/>
+                      <a:pt x="0" y="942469"/>
+                    </a:cubicBezTo>
+                    <a:close/>
+                  </a:path>
+                </a:pathLst>
+              </a:custGeom>
+              <a:solidFill>
+                <a:srgbClr val="113256">
+                  <a:alpha val="40000"/>
+                </a:srgbClr>
+              </a:solidFill>
+              <a:ln>
+                <a:noFill/>
+              </a:ln>
+              <a:effectLst>
+                <a:glow>
+                  <a:srgbClr val="273C11"/>
+                </a:glow>
+              </a:effectLst>
+            </p:spPr>
+            <p:style>
+              <a:lnRef idx="2">
+                <a:schemeClr val="accent1">
+                  <a:shade val="50000"/>
+                </a:schemeClr>
+              </a:lnRef>
+              <a:fillRef idx="1">
+                <a:schemeClr val="accent1"/>
+              </a:fillRef>
+              <a:effectRef idx="0">
+                <a:schemeClr val="accent1"/>
+              </a:effectRef>
+              <a:fontRef idx="minor">
+                <a:schemeClr val="lt1"/>
+              </a:fontRef>
+            </p:style>
+            <p:txBody>
+              <a:bodyPr rtlCol="0" anchor="ctr"/>
+              <a:lstStyle/>
+              <a:p>
+                <a:pPr algn="ctr"/>
+                <a:endParaRPr lang="zh-TW" altLang="en-US" dirty="0"/>
+              </a:p>
+            </p:txBody>
+          </p:sp>
+          <p:sp>
+            <p:nvSpPr>
+              <p:cNvPr id="1068" name="等腰三角形 26">
+                <a:extLst>
+                  <a:ext uri="{FF2B5EF4-FFF2-40B4-BE49-F238E27FC236}">
+                    <a16:creationId xmlns:a16="http://schemas.microsoft.com/office/drawing/2014/main" id="{E80494D6-C4FC-035D-9D43-4A0A895E9834}"/>
+                  </a:ext>
+                </a:extLst>
+              </p:cNvPr>
+              <p:cNvSpPr/>
+              <p:nvPr/>
+            </p:nvSpPr>
+            <p:spPr>
+              <a:xfrm rot="15373384">
+                <a:off x="6986150" y="4362736"/>
+                <a:ext cx="549633" cy="961144"/>
+              </a:xfrm>
+              <a:custGeom>
+                <a:avLst/>
+                <a:gdLst>
+                  <a:gd name="connsiteX0" fmla="*/ 0 w 549633"/>
+                  <a:gd name="connsiteY0" fmla="*/ 942469 h 942469"/>
+                  <a:gd name="connsiteX1" fmla="*/ 274817 w 549633"/>
+                  <a:gd name="connsiteY1" fmla="*/ 0 h 942469"/>
+                  <a:gd name="connsiteX2" fmla="*/ 549633 w 549633"/>
+                  <a:gd name="connsiteY2" fmla="*/ 942469 h 942469"/>
+                  <a:gd name="connsiteX3" fmla="*/ 0 w 549633"/>
+                  <a:gd name="connsiteY3" fmla="*/ 942469 h 942469"/>
+                  <a:gd name="connsiteX0" fmla="*/ 0 w 549633"/>
+                  <a:gd name="connsiteY0" fmla="*/ 942469 h 959324"/>
+                  <a:gd name="connsiteX1" fmla="*/ 274817 w 549633"/>
+                  <a:gd name="connsiteY1" fmla="*/ 0 h 959324"/>
+                  <a:gd name="connsiteX2" fmla="*/ 549633 w 549633"/>
+                  <a:gd name="connsiteY2" fmla="*/ 942469 h 959324"/>
+                  <a:gd name="connsiteX3" fmla="*/ 0 w 549633"/>
+                  <a:gd name="connsiteY3" fmla="*/ 942469 h 959324"/>
+                  <a:gd name="connsiteX0" fmla="*/ 0 w 549633"/>
+                  <a:gd name="connsiteY0" fmla="*/ 942469 h 969518"/>
+                  <a:gd name="connsiteX1" fmla="*/ 274817 w 549633"/>
+                  <a:gd name="connsiteY1" fmla="*/ 0 h 969518"/>
+                  <a:gd name="connsiteX2" fmla="*/ 549633 w 549633"/>
+                  <a:gd name="connsiteY2" fmla="*/ 942469 h 969518"/>
+                  <a:gd name="connsiteX3" fmla="*/ 0 w 549633"/>
+                  <a:gd name="connsiteY3" fmla="*/ 942469 h 969518"/>
+                  <a:gd name="connsiteX0" fmla="*/ 0 w 549633"/>
+                  <a:gd name="connsiteY0" fmla="*/ 942469 h 974613"/>
+                  <a:gd name="connsiteX1" fmla="*/ 274817 w 549633"/>
+                  <a:gd name="connsiteY1" fmla="*/ 0 h 974613"/>
+                  <a:gd name="connsiteX2" fmla="*/ 549633 w 549633"/>
+                  <a:gd name="connsiteY2" fmla="*/ 942469 h 974613"/>
+                  <a:gd name="connsiteX3" fmla="*/ 0 w 549633"/>
+                  <a:gd name="connsiteY3" fmla="*/ 942469 h 974613"/>
+                  <a:gd name="connsiteX0" fmla="*/ 0 w 549633"/>
+                  <a:gd name="connsiteY0" fmla="*/ 942469 h 978770"/>
+                  <a:gd name="connsiteX1" fmla="*/ 274817 w 549633"/>
+                  <a:gd name="connsiteY1" fmla="*/ 0 h 978770"/>
+                  <a:gd name="connsiteX2" fmla="*/ 549633 w 549633"/>
+                  <a:gd name="connsiteY2" fmla="*/ 942469 h 978770"/>
+                  <a:gd name="connsiteX3" fmla="*/ 0 w 549633"/>
+                  <a:gd name="connsiteY3" fmla="*/ 942469 h 978770"/>
+                </a:gdLst>
+                <a:ahLst/>
+                <a:cxnLst>
+                  <a:cxn ang="0">
+                    <a:pos x="connsiteX0" y="connsiteY0"/>
+                  </a:cxn>
+                  <a:cxn ang="0">
+                    <a:pos x="connsiteX1" y="connsiteY1"/>
+                  </a:cxn>
+                  <a:cxn ang="0">
+                    <a:pos x="connsiteX2" y="connsiteY2"/>
+                  </a:cxn>
+                  <a:cxn ang="0">
+                    <a:pos x="connsiteX3" y="connsiteY3"/>
+                  </a:cxn>
+                </a:cxnLst>
+                <a:rect l="l" t="t" r="r" b="b"/>
+                <a:pathLst>
+                  <a:path w="549633" h="978770">
+                    <a:moveTo>
+                      <a:pt x="0" y="942469"/>
+                    </a:moveTo>
+                    <a:lnTo>
+                      <a:pt x="274817" y="0"/>
+                    </a:lnTo>
+                    <a:lnTo>
+                      <a:pt x="549633" y="942469"/>
+                    </a:lnTo>
+                    <a:cubicBezTo>
+                      <a:pt x="463080" y="988449"/>
+                      <a:pt x="119333" y="993234"/>
+                      <a:pt x="0" y="942469"/>
+                    </a:cubicBezTo>
+                    <a:close/>
+                  </a:path>
+                </a:pathLst>
+              </a:custGeom>
+              <a:solidFill>
+                <a:srgbClr val="6096BA">
+                  <a:alpha val="40000"/>
+                </a:srgbClr>
+              </a:solidFill>
+              <a:ln>
+                <a:noFill/>
+              </a:ln>
+              <a:effectLst>
+                <a:glow>
+                  <a:srgbClr val="273C11"/>
+                </a:glow>
+              </a:effectLst>
+            </p:spPr>
+            <p:style>
+              <a:lnRef idx="2">
+                <a:schemeClr val="accent1">
+                  <a:shade val="50000"/>
+                </a:schemeClr>
+              </a:lnRef>
+              <a:fillRef idx="1">
+                <a:schemeClr val="accent1"/>
+              </a:fillRef>
+              <a:effectRef idx="0">
+                <a:schemeClr val="accent1"/>
+              </a:effectRef>
+              <a:fontRef idx="minor">
+                <a:schemeClr val="lt1"/>
+              </a:fontRef>
+            </p:style>
+            <p:txBody>
+              <a:bodyPr rtlCol="0" anchor="ctr"/>
+              <a:lstStyle/>
+              <a:p>
+                <a:pPr algn="ctr"/>
+                <a:endParaRPr lang="zh-TW" altLang="en-US"/>
+              </a:p>
+            </p:txBody>
+          </p:sp>
+          <p:sp>
+            <p:nvSpPr>
+              <p:cNvPr id="1069" name="等腰三角形 28">
+                <a:extLst>
+                  <a:ext uri="{FF2B5EF4-FFF2-40B4-BE49-F238E27FC236}">
+                    <a16:creationId xmlns:a16="http://schemas.microsoft.com/office/drawing/2014/main" id="{F1FA80BB-2070-5824-5BB9-00E0C6EBF54E}"/>
+                  </a:ext>
+                </a:extLst>
+              </p:cNvPr>
+              <p:cNvSpPr/>
+              <p:nvPr/>
+            </p:nvSpPr>
+            <p:spPr>
+              <a:xfrm rot="15373384">
+                <a:off x="7079772" y="4380073"/>
+                <a:ext cx="331028" cy="929547"/>
+              </a:xfrm>
+              <a:custGeom>
+                <a:avLst/>
+                <a:gdLst>
+                  <a:gd name="connsiteX0" fmla="*/ 0 w 331028"/>
+                  <a:gd name="connsiteY0" fmla="*/ 916206 h 916206"/>
+                  <a:gd name="connsiteX1" fmla="*/ 165514 w 331028"/>
+                  <a:gd name="connsiteY1" fmla="*/ 0 h 916206"/>
+                  <a:gd name="connsiteX2" fmla="*/ 331028 w 331028"/>
+                  <a:gd name="connsiteY2" fmla="*/ 916206 h 916206"/>
+                  <a:gd name="connsiteX3" fmla="*/ 0 w 331028"/>
+                  <a:gd name="connsiteY3" fmla="*/ 916206 h 916206"/>
+                  <a:gd name="connsiteX0" fmla="*/ 0 w 331028"/>
+                  <a:gd name="connsiteY0" fmla="*/ 916206 h 922353"/>
+                  <a:gd name="connsiteX1" fmla="*/ 165514 w 331028"/>
+                  <a:gd name="connsiteY1" fmla="*/ 0 h 922353"/>
+                  <a:gd name="connsiteX2" fmla="*/ 331028 w 331028"/>
+                  <a:gd name="connsiteY2" fmla="*/ 916206 h 922353"/>
+                  <a:gd name="connsiteX3" fmla="*/ 0 w 331028"/>
+                  <a:gd name="connsiteY3" fmla="*/ 916206 h 922353"/>
+                  <a:gd name="connsiteX0" fmla="*/ 0 w 331028"/>
+                  <a:gd name="connsiteY0" fmla="*/ 916206 h 927243"/>
+                  <a:gd name="connsiteX1" fmla="*/ 165514 w 331028"/>
+                  <a:gd name="connsiteY1" fmla="*/ 0 h 927243"/>
+                  <a:gd name="connsiteX2" fmla="*/ 331028 w 331028"/>
+                  <a:gd name="connsiteY2" fmla="*/ 916206 h 927243"/>
+                  <a:gd name="connsiteX3" fmla="*/ 0 w 331028"/>
+                  <a:gd name="connsiteY3" fmla="*/ 916206 h 927243"/>
+                  <a:gd name="connsiteX0" fmla="*/ 0 w 331028"/>
+                  <a:gd name="connsiteY0" fmla="*/ 916206 h 923650"/>
+                  <a:gd name="connsiteX1" fmla="*/ 165514 w 331028"/>
+                  <a:gd name="connsiteY1" fmla="*/ 0 h 923650"/>
+                  <a:gd name="connsiteX2" fmla="*/ 331028 w 331028"/>
+                  <a:gd name="connsiteY2" fmla="*/ 916206 h 923650"/>
+                  <a:gd name="connsiteX3" fmla="*/ 0 w 331028"/>
+                  <a:gd name="connsiteY3" fmla="*/ 916206 h 923650"/>
+                  <a:gd name="connsiteX0" fmla="*/ 0 w 331028"/>
+                  <a:gd name="connsiteY0" fmla="*/ 916206 h 929552"/>
+                  <a:gd name="connsiteX1" fmla="*/ 165514 w 331028"/>
+                  <a:gd name="connsiteY1" fmla="*/ 0 h 929552"/>
+                  <a:gd name="connsiteX2" fmla="*/ 331028 w 331028"/>
+                  <a:gd name="connsiteY2" fmla="*/ 916206 h 929552"/>
+                  <a:gd name="connsiteX3" fmla="*/ 0 w 331028"/>
+                  <a:gd name="connsiteY3" fmla="*/ 916206 h 929552"/>
+                  <a:gd name="connsiteX0" fmla="*/ 0 w 331028"/>
+                  <a:gd name="connsiteY0" fmla="*/ 916206 h 937100"/>
+                  <a:gd name="connsiteX1" fmla="*/ 165514 w 331028"/>
+                  <a:gd name="connsiteY1" fmla="*/ 0 h 937100"/>
+                  <a:gd name="connsiteX2" fmla="*/ 331028 w 331028"/>
+                  <a:gd name="connsiteY2" fmla="*/ 916206 h 937100"/>
+                  <a:gd name="connsiteX3" fmla="*/ 0 w 331028"/>
+                  <a:gd name="connsiteY3" fmla="*/ 916206 h 937100"/>
+                  <a:gd name="connsiteX0" fmla="*/ 0 w 331028"/>
+                  <a:gd name="connsiteY0" fmla="*/ 916206 h 937100"/>
+                  <a:gd name="connsiteX1" fmla="*/ 165514 w 331028"/>
+                  <a:gd name="connsiteY1" fmla="*/ 0 h 937100"/>
+                  <a:gd name="connsiteX2" fmla="*/ 331028 w 331028"/>
+                  <a:gd name="connsiteY2" fmla="*/ 916206 h 937100"/>
+                  <a:gd name="connsiteX3" fmla="*/ 0 w 331028"/>
+                  <a:gd name="connsiteY3" fmla="*/ 916206 h 937100"/>
+                </a:gdLst>
+                <a:ahLst/>
+                <a:cxnLst>
+                  <a:cxn ang="0">
+                    <a:pos x="connsiteX0" y="connsiteY0"/>
+                  </a:cxn>
+                  <a:cxn ang="0">
+                    <a:pos x="connsiteX1" y="connsiteY1"/>
+                  </a:cxn>
+                  <a:cxn ang="0">
+                    <a:pos x="connsiteX2" y="connsiteY2"/>
+                  </a:cxn>
+                  <a:cxn ang="0">
+                    <a:pos x="connsiteX3" y="connsiteY3"/>
+                  </a:cxn>
+                </a:cxnLst>
+                <a:rect l="l" t="t" r="r" b="b"/>
+                <a:pathLst>
+                  <a:path w="331028" h="937100">
+                    <a:moveTo>
+                      <a:pt x="0" y="916206"/>
+                    </a:moveTo>
+                    <a:lnTo>
+                      <a:pt x="165514" y="0"/>
+                    </a:lnTo>
+                    <a:lnTo>
+                      <a:pt x="331028" y="916206"/>
+                    </a:lnTo>
+                    <a:cubicBezTo>
+                      <a:pt x="235828" y="944624"/>
+                      <a:pt x="101225" y="943500"/>
+                      <a:pt x="0" y="916206"/>
+                    </a:cubicBezTo>
+                    <a:close/>
+                  </a:path>
+                </a:pathLst>
+              </a:custGeom>
+              <a:solidFill>
+                <a:srgbClr val="A3CEF1">
+                  <a:alpha val="50000"/>
+                </a:srgbClr>
+              </a:solidFill>
+              <a:ln>
+                <a:noFill/>
+              </a:ln>
+              <a:effectLst>
+                <a:glow>
+                  <a:srgbClr val="273C11"/>
+                </a:glow>
+              </a:effectLst>
+            </p:spPr>
+            <p:style>
+              <a:lnRef idx="2">
+                <a:schemeClr val="accent1">
+                  <a:shade val="50000"/>
+                </a:schemeClr>
+              </a:lnRef>
+              <a:fillRef idx="1">
+                <a:schemeClr val="accent1"/>
+              </a:fillRef>
+              <a:effectRef idx="0">
+                <a:schemeClr val="accent1"/>
+              </a:effectRef>
+              <a:fontRef idx="minor">
+                <a:schemeClr val="lt1"/>
+              </a:fontRef>
+            </p:style>
+            <p:txBody>
+              <a:bodyPr rtlCol="0" anchor="ctr"/>
+              <a:lstStyle/>
+              <a:p>
+                <a:pPr algn="ctr"/>
+                <a:endParaRPr lang="zh-TW" altLang="en-US"/>
+              </a:p>
+            </p:txBody>
+          </p:sp>
+          <p:sp>
+            <p:nvSpPr>
+              <p:cNvPr id="1070" name="等腰三角形 30">
+                <a:extLst>
+                  <a:ext uri="{FF2B5EF4-FFF2-40B4-BE49-F238E27FC236}">
+                    <a16:creationId xmlns:a16="http://schemas.microsoft.com/office/drawing/2014/main" id="{62AB5940-C26C-C1AB-C972-C5B761978ACB}"/>
+                  </a:ext>
+                </a:extLst>
+              </p:cNvPr>
+              <p:cNvSpPr/>
+              <p:nvPr/>
+            </p:nvSpPr>
+            <p:spPr>
+              <a:xfrm rot="15373384">
+                <a:off x="7141158" y="4388059"/>
+                <a:ext cx="173593" cy="921061"/>
+              </a:xfrm>
+              <a:custGeom>
+                <a:avLst/>
+                <a:gdLst>
+                  <a:gd name="connsiteX0" fmla="*/ 0 w 173593"/>
+                  <a:gd name="connsiteY0" fmla="*/ 905047 h 905047"/>
+                  <a:gd name="connsiteX1" fmla="*/ 86797 w 173593"/>
+                  <a:gd name="connsiteY1" fmla="*/ 0 h 905047"/>
+                  <a:gd name="connsiteX2" fmla="*/ 173593 w 173593"/>
+                  <a:gd name="connsiteY2" fmla="*/ 905047 h 905047"/>
+                  <a:gd name="connsiteX3" fmla="*/ 0 w 173593"/>
+                  <a:gd name="connsiteY3" fmla="*/ 905047 h 905047"/>
+                  <a:gd name="connsiteX0" fmla="*/ 0 w 173593"/>
+                  <a:gd name="connsiteY0" fmla="*/ 905047 h 915306"/>
+                  <a:gd name="connsiteX1" fmla="*/ 86797 w 173593"/>
+                  <a:gd name="connsiteY1" fmla="*/ 0 h 915306"/>
+                  <a:gd name="connsiteX2" fmla="*/ 173593 w 173593"/>
+                  <a:gd name="connsiteY2" fmla="*/ 905047 h 915306"/>
+                  <a:gd name="connsiteX3" fmla="*/ 0 w 173593"/>
+                  <a:gd name="connsiteY3" fmla="*/ 905047 h 915306"/>
+                  <a:gd name="connsiteX0" fmla="*/ 0 w 173593"/>
+                  <a:gd name="connsiteY0" fmla="*/ 905047 h 921061"/>
+                  <a:gd name="connsiteX1" fmla="*/ 86797 w 173593"/>
+                  <a:gd name="connsiteY1" fmla="*/ 0 h 921061"/>
+                  <a:gd name="connsiteX2" fmla="*/ 173593 w 173593"/>
+                  <a:gd name="connsiteY2" fmla="*/ 905047 h 921061"/>
+                  <a:gd name="connsiteX3" fmla="*/ 0 w 173593"/>
+                  <a:gd name="connsiteY3" fmla="*/ 905047 h 921061"/>
+                </a:gdLst>
+                <a:ahLst/>
+                <a:cxnLst>
+                  <a:cxn ang="0">
+                    <a:pos x="connsiteX0" y="connsiteY0"/>
+                  </a:cxn>
+                  <a:cxn ang="0">
+                    <a:pos x="connsiteX1" y="connsiteY1"/>
+                  </a:cxn>
+                  <a:cxn ang="0">
+                    <a:pos x="connsiteX2" y="connsiteY2"/>
+                  </a:cxn>
+                  <a:cxn ang="0">
+                    <a:pos x="connsiteX3" y="connsiteY3"/>
+                  </a:cxn>
+                </a:cxnLst>
+                <a:rect l="l" t="t" r="r" b="b"/>
+                <a:pathLst>
+                  <a:path w="173593" h="921061">
+                    <a:moveTo>
+                      <a:pt x="0" y="905047"/>
+                    </a:moveTo>
+                    <a:lnTo>
+                      <a:pt x="86797" y="0"/>
+                    </a:lnTo>
+                    <a:lnTo>
+                      <a:pt x="173593" y="905047"/>
+                    </a:lnTo>
+                    <a:cubicBezTo>
+                      <a:pt x="135453" y="924595"/>
+                      <a:pt x="62011" y="928130"/>
+                      <a:pt x="0" y="905047"/>
+                    </a:cubicBezTo>
+                    <a:close/>
+                  </a:path>
+                </a:pathLst>
+              </a:custGeom>
+              <a:solidFill>
+                <a:srgbClr val="E6ECEF">
+                  <a:alpha val="60000"/>
+                </a:srgbClr>
+              </a:solidFill>
+              <a:ln>
+                <a:noFill/>
+              </a:ln>
+              <a:effectLst>
+                <a:glow>
+                  <a:srgbClr val="273C11"/>
+                </a:glow>
+              </a:effectLst>
+            </p:spPr>
+            <p:style>
+              <a:lnRef idx="2">
+                <a:schemeClr val="accent1">
+                  <a:shade val="50000"/>
+                </a:schemeClr>
+              </a:lnRef>
+              <a:fillRef idx="1">
+                <a:schemeClr val="accent1"/>
+              </a:fillRef>
+              <a:effectRef idx="0">
+                <a:schemeClr val="accent1"/>
+              </a:effectRef>
+              <a:fontRef idx="minor">
+                <a:schemeClr val="lt1"/>
+              </a:fontRef>
+            </p:style>
+            <p:txBody>
+              <a:bodyPr rtlCol="0" anchor="ctr"/>
+              <a:lstStyle/>
+              <a:p>
+                <a:pPr algn="ctr"/>
+                <a:endParaRPr lang="zh-TW" altLang="en-US"/>
+              </a:p>
+            </p:txBody>
+          </p:sp>
+        </p:grpSp>
+        <p:sp>
+          <p:nvSpPr>
+            <p:cNvPr id="1061" name="橢圓 1060">
+              <a:extLst>
+                <a:ext uri="{FF2B5EF4-FFF2-40B4-BE49-F238E27FC236}">
+                  <a16:creationId xmlns:a16="http://schemas.microsoft.com/office/drawing/2014/main" id="{F6666798-8C5F-E129-995C-141E6B83E35A}"/>
+                </a:ext>
+              </a:extLst>
+            </p:cNvPr>
+            <p:cNvSpPr/>
+            <p:nvPr/>
+          </p:nvSpPr>
+          <p:spPr>
+            <a:xfrm rot="20925571">
+              <a:off x="6745396" y="1327277"/>
+              <a:ext cx="305147" cy="678105"/>
+            </a:xfrm>
+            <a:prstGeom prst="ellipse">
+              <a:avLst/>
+            </a:prstGeom>
+            <a:solidFill>
+              <a:srgbClr val="A3CEF1">
+                <a:alpha val="50000"/>
+              </a:srgbClr>
+            </a:solidFill>
+            <a:ln>
+              <a:solidFill>
+                <a:srgbClr val="113256"/>
+              </a:solidFill>
+            </a:ln>
+          </p:spPr>
+          <p:style>
+            <a:lnRef idx="2">
+              <a:schemeClr val="accent1">
+                <a:shade val="50000"/>
+              </a:schemeClr>
+            </a:lnRef>
+            <a:fillRef idx="1">
+              <a:schemeClr val="accent1"/>
+            </a:fillRef>
+            <a:effectRef idx="0">
+              <a:schemeClr val="accent1"/>
+            </a:effectRef>
+            <a:fontRef idx="minor">
+              <a:schemeClr val="lt1"/>
+            </a:fontRef>
+          </p:style>
+          <p:txBody>
+            <a:bodyPr rtlCol="0" anchor="ctr"/>
+            <a:lstStyle/>
+            <a:p>
+              <a:pPr algn="ctr"/>
+              <a:endParaRPr lang="zh-TW" altLang="en-US"/>
+            </a:p>
+          </p:txBody>
+        </p:sp>
+        <p:sp>
+          <p:nvSpPr>
+            <p:cNvPr id="1062" name="橢圓 1061">
+              <a:extLst>
+                <a:ext uri="{FF2B5EF4-FFF2-40B4-BE49-F238E27FC236}">
+                  <a16:creationId xmlns:a16="http://schemas.microsoft.com/office/drawing/2014/main" id="{7B890739-0FAD-EF3D-4551-9146E0EBC9EF}"/>
+                </a:ext>
+              </a:extLst>
+            </p:cNvPr>
+            <p:cNvSpPr/>
+            <p:nvPr/>
+          </p:nvSpPr>
+          <p:spPr>
+            <a:xfrm rot="20925571">
+              <a:off x="6692536" y="1336744"/>
+              <a:ext cx="305147" cy="678105"/>
+            </a:xfrm>
+            <a:prstGeom prst="ellipse">
+              <a:avLst/>
+            </a:prstGeom>
+            <a:solidFill>
+              <a:srgbClr val="A3CEF1">
+                <a:alpha val="50000"/>
+              </a:srgbClr>
+            </a:solidFill>
+            <a:ln>
+              <a:solidFill>
+                <a:srgbClr val="113256"/>
+              </a:solidFill>
+            </a:ln>
+          </p:spPr>
+          <p:style>
+            <a:lnRef idx="2">
+              <a:schemeClr val="accent1">
+                <a:shade val="50000"/>
+              </a:schemeClr>
+            </a:lnRef>
+            <a:fillRef idx="1">
+              <a:schemeClr val="accent1"/>
+            </a:fillRef>
+            <a:effectRef idx="0">
+              <a:schemeClr val="accent1"/>
+            </a:effectRef>
+            <a:fontRef idx="minor">
+              <a:schemeClr val="lt1"/>
+            </a:fontRef>
+          </p:style>
+          <p:txBody>
+            <a:bodyPr rtlCol="0" anchor="ctr"/>
+            <a:lstStyle/>
+            <a:p>
+              <a:pPr algn="ctr"/>
+              <a:endParaRPr lang="zh-TW" altLang="en-US"/>
+            </a:p>
+          </p:txBody>
+        </p:sp>
+        <p:grpSp>
+          <p:nvGrpSpPr>
+            <p:cNvPr id="1063" name="群組 1062">
+              <a:extLst>
+                <a:ext uri="{FF2B5EF4-FFF2-40B4-BE49-F238E27FC236}">
+                  <a16:creationId xmlns:a16="http://schemas.microsoft.com/office/drawing/2014/main" id="{85FE7099-CA30-C11C-9FCE-B7D133EE0968}"/>
+                </a:ext>
+              </a:extLst>
+            </p:cNvPr>
+            <p:cNvGrpSpPr/>
+            <p:nvPr/>
+          </p:nvGrpSpPr>
+          <p:grpSpPr>
+            <a:xfrm rot="20800647">
+              <a:off x="6031725" y="1680748"/>
+              <a:ext cx="797348" cy="187637"/>
+              <a:chOff x="8399910" y="2756243"/>
+              <a:chExt cx="334391" cy="78691"/>
+            </a:xfrm>
+          </p:grpSpPr>
+          <p:cxnSp>
+            <p:nvCxnSpPr>
+              <p:cNvPr id="1065" name="直線接點 1064">
+                <a:extLst>
+                  <a:ext uri="{FF2B5EF4-FFF2-40B4-BE49-F238E27FC236}">
+                    <a16:creationId xmlns:a16="http://schemas.microsoft.com/office/drawing/2014/main" id="{98F5B69C-0CE0-DE3F-5653-8E9E3082FB02}"/>
+                  </a:ext>
+                </a:extLst>
+              </p:cNvPr>
+              <p:cNvCxnSpPr>
+                <a:cxnSpLocks/>
+              </p:cNvCxnSpPr>
+              <p:nvPr/>
+            </p:nvCxnSpPr>
+            <p:spPr>
+              <a:xfrm rot="799353" flipV="1">
+                <a:off x="8399910" y="2756243"/>
+                <a:ext cx="332301" cy="78691"/>
+              </a:xfrm>
+              <a:prstGeom prst="line">
+                <a:avLst/>
+              </a:prstGeom>
+              <a:ln w="38100">
+                <a:solidFill>
+                  <a:srgbClr val="113256"/>
+                </a:solidFill>
+              </a:ln>
+            </p:spPr>
+            <p:style>
+              <a:lnRef idx="1">
+                <a:schemeClr val="accent1"/>
+              </a:lnRef>
+              <a:fillRef idx="0">
+                <a:schemeClr val="accent1"/>
+              </a:fillRef>
+              <a:effectRef idx="0">
+                <a:schemeClr val="accent1"/>
+              </a:effectRef>
+              <a:fontRef idx="minor">
+                <a:schemeClr val="tx1"/>
+              </a:fontRef>
+            </p:style>
+          </p:cxnSp>
+          <p:cxnSp>
+            <p:nvCxnSpPr>
+              <p:cNvPr id="1066" name="直線接點 1065">
+                <a:extLst>
+                  <a:ext uri="{FF2B5EF4-FFF2-40B4-BE49-F238E27FC236}">
+                    <a16:creationId xmlns:a16="http://schemas.microsoft.com/office/drawing/2014/main" id="{9F4E08EB-0B08-51FE-21E9-C1DFDDF35DC8}"/>
+                  </a:ext>
+                </a:extLst>
+              </p:cNvPr>
+              <p:cNvCxnSpPr>
+                <a:cxnSpLocks/>
+              </p:cNvCxnSpPr>
+              <p:nvPr/>
+            </p:nvCxnSpPr>
+            <p:spPr>
+              <a:xfrm rot="799353" flipV="1">
+                <a:off x="8553135" y="2771756"/>
+                <a:ext cx="181166" cy="42902"/>
+              </a:xfrm>
+              <a:prstGeom prst="line">
+                <a:avLst/>
+              </a:prstGeom>
+              <a:ln w="12700">
+                <a:gradFill>
+                  <a:gsLst>
+                    <a:gs pos="0">
+                      <a:srgbClr val="113256"/>
+                    </a:gs>
+                    <a:gs pos="100000">
+                      <a:schemeClr val="bg1"/>
+                    </a:gs>
+                  </a:gsLst>
+                  <a:lin ang="0" scaled="0"/>
+                </a:gradFill>
+              </a:ln>
+            </p:spPr>
+            <p:style>
+              <a:lnRef idx="1">
+                <a:schemeClr val="accent1"/>
+              </a:lnRef>
+              <a:fillRef idx="0">
+                <a:schemeClr val="accent1"/>
+              </a:fillRef>
+              <a:effectRef idx="0">
+                <a:schemeClr val="accent1"/>
+              </a:effectRef>
+              <a:fontRef idx="minor">
+                <a:schemeClr val="tx1"/>
+              </a:fontRef>
+            </p:style>
+          </p:cxnSp>
+        </p:grpSp>
+        <p:sp>
+          <p:nvSpPr>
+            <p:cNvPr id="1064" name="橢圓 1063">
+              <a:extLst>
+                <a:ext uri="{FF2B5EF4-FFF2-40B4-BE49-F238E27FC236}">
+                  <a16:creationId xmlns:a16="http://schemas.microsoft.com/office/drawing/2014/main" id="{8951A5CC-3D9A-29DE-A09F-8169FF2161FB}"/>
+                </a:ext>
+              </a:extLst>
+            </p:cNvPr>
+            <p:cNvSpPr/>
+            <p:nvPr/>
+          </p:nvSpPr>
+          <p:spPr>
+            <a:xfrm>
+              <a:off x="6784364" y="1632036"/>
+              <a:ext cx="117167" cy="117167"/>
+            </a:xfrm>
+            <a:prstGeom prst="ellipse">
+              <a:avLst/>
+            </a:prstGeom>
+            <a:solidFill>
+              <a:srgbClr val="E6ECEF">
+                <a:alpha val="70000"/>
+              </a:srgbClr>
+            </a:solidFill>
+            <a:ln>
+              <a:noFill/>
+            </a:ln>
+            <a:effectLst>
+              <a:glow rad="76200">
+                <a:srgbClr val="E6ECEF">
+                  <a:alpha val="70000"/>
+                </a:srgbClr>
+              </a:glow>
+            </a:effectLst>
+          </p:spPr>
+          <p:style>
+            <a:lnRef idx="2">
+              <a:schemeClr val="accent1">
+                <a:shade val="50000"/>
+              </a:schemeClr>
+            </a:lnRef>
+            <a:fillRef idx="1">
+              <a:schemeClr val="accent1"/>
+            </a:fillRef>
+            <a:effectRef idx="0">
+              <a:schemeClr val="accent1"/>
+            </a:effectRef>
+            <a:fontRef idx="minor">
+              <a:schemeClr val="lt1"/>
+            </a:fontRef>
+          </p:style>
+          <p:txBody>
+            <a:bodyPr rtlCol="0" anchor="ctr"/>
+            <a:lstStyle/>
+            <a:p>
+              <a:pPr algn="ctr"/>
+              <a:endParaRPr lang="zh-TW" altLang="en-US"/>
+            </a:p>
+          </p:txBody>
+        </p:sp>
+      </p:grpSp>
+    </p:spTree>
+    <p:extLst>
+      <p:ext uri="{BB962C8B-B14F-4D97-AF65-F5344CB8AC3E}">
+        <p14:creationId xmlns:p14="http://schemas.microsoft.com/office/powerpoint/2010/main" val="2864901689"/>
+      </p:ext>
+    </p:extLst>
+  </p:cSld>
+  <p:clrMapOvr>
+    <a:masterClrMapping/>
+  </p:clrMapOvr>
+</p:sld>
+</file>
+
+<file path=ppt/slides/slide3.xml><?xml version="1.0" encoding="utf-8"?>
+<p:sld xmlns:a="http://schemas.openxmlformats.org/drawingml/2006/main" xmlns:r="http://schemas.openxmlformats.org/officeDocument/2006/relationships" xmlns:p="http://schemas.openxmlformats.org/presentationml/2006/main">
+  <p:cSld>
+    <p:spTree>
+      <p:nvGrpSpPr>
+        <p:cNvPr id="1" name=""/>
+        <p:cNvGrpSpPr/>
+        <p:nvPr/>
+      </p:nvGrpSpPr>
+      <p:grpSpPr>
+        <a:xfrm>
+          <a:off x="0" y="0"/>
+          <a:ext cx="0" cy="0"/>
+          <a:chOff x="0" y="0"/>
+          <a:chExt cx="0" cy="0"/>
+        </a:xfrm>
+      </p:grpSpPr>
+      <p:sp>
+        <p:nvSpPr>
+          <p:cNvPr id="4" name="文字方塊 3">
+            <a:extLst>
+              <a:ext uri="{FF2B5EF4-FFF2-40B4-BE49-F238E27FC236}">
+                <a16:creationId xmlns:a16="http://schemas.microsoft.com/office/drawing/2014/main" id="{7F0EE69C-B41C-B66B-1AE8-804E6CDF32B1}"/>
+              </a:ext>
+            </a:extLst>
+          </p:cNvPr>
+          <p:cNvSpPr txBox="1"/>
+          <p:nvPr/>
+        </p:nvSpPr>
+        <p:spPr>
+          <a:xfrm>
+            <a:off x="862149" y="670560"/>
+            <a:ext cx="1630831" cy="369332"/>
+          </a:xfrm>
+          <a:prstGeom prst="rect">
+            <a:avLst/>
+          </a:prstGeom>
+          <a:noFill/>
+        </p:spPr>
+        <p:txBody>
+          <a:bodyPr wrap="none" rtlCol="0">
+            <a:spAutoFit/>
+          </a:bodyPr>
+          <a:lstStyle/>
+          <a:p>
+            <a:r>
+              <a:rPr lang="en-US" altLang="zh-TW" dirty="0"/>
+              <a:t>Ultrafast Optics</a:t>
+            </a:r>
+            <a:endParaRPr lang="zh-TW" altLang="en-US" dirty="0"/>
+          </a:p>
+        </p:txBody>
+      </p:sp>
+      <p:sp>
+        <p:nvSpPr>
+          <p:cNvPr id="6" name="文字方塊 5">
+            <a:extLst>
+              <a:ext uri="{FF2B5EF4-FFF2-40B4-BE49-F238E27FC236}">
+                <a16:creationId xmlns:a16="http://schemas.microsoft.com/office/drawing/2014/main" id="{32C0F90E-0340-8984-990F-FD45DC358F35}"/>
+              </a:ext>
+            </a:extLst>
+          </p:cNvPr>
+          <p:cNvSpPr txBox="1"/>
+          <p:nvPr/>
+        </p:nvSpPr>
+        <p:spPr>
+          <a:xfrm>
+            <a:off x="1576251" y="1365460"/>
+            <a:ext cx="1928605" cy="369332"/>
+          </a:xfrm>
+          <a:prstGeom prst="rect">
+            <a:avLst/>
+          </a:prstGeom>
+          <a:noFill/>
+        </p:spPr>
+        <p:txBody>
+          <a:bodyPr wrap="none" rtlCol="0">
+            <a:spAutoFit/>
+          </a:bodyPr>
+          <a:lstStyle/>
+          <a:p>
+            <a:r>
+              <a:rPr lang="en-US" altLang="zh-TW" dirty="0"/>
+              <a:t>Pulse compression</a:t>
+            </a:r>
+            <a:endParaRPr lang="zh-TW" altLang="en-US" dirty="0"/>
+          </a:p>
+        </p:txBody>
+      </p:sp>
+      <p:sp>
+        <p:nvSpPr>
+          <p:cNvPr id="8" name="文字方塊 7">
+            <a:extLst>
+              <a:ext uri="{FF2B5EF4-FFF2-40B4-BE49-F238E27FC236}">
+                <a16:creationId xmlns:a16="http://schemas.microsoft.com/office/drawing/2014/main" id="{D11BE266-0479-6E99-D5EB-48000847CE9C}"/>
+              </a:ext>
+            </a:extLst>
+          </p:cNvPr>
+          <p:cNvSpPr txBox="1"/>
+          <p:nvPr/>
+        </p:nvSpPr>
+        <p:spPr>
+          <a:xfrm>
+            <a:off x="1576251" y="1874912"/>
+            <a:ext cx="1463862" cy="369332"/>
+          </a:xfrm>
+          <a:prstGeom prst="rect">
+            <a:avLst/>
+          </a:prstGeom>
+          <a:noFill/>
+        </p:spPr>
+        <p:txBody>
+          <a:bodyPr wrap="none" rtlCol="0">
+            <a:spAutoFit/>
+          </a:bodyPr>
+          <a:lstStyle/>
+          <a:p>
+            <a:r>
+              <a:rPr lang="en-US" altLang="zh-TW" dirty="0"/>
+              <a:t>Pulse shaping</a:t>
+            </a:r>
+            <a:endParaRPr lang="zh-TW" altLang="en-US" dirty="0"/>
+          </a:p>
+        </p:txBody>
+      </p:sp>
+      <p:sp>
+        <p:nvSpPr>
+          <p:cNvPr id="10" name="文字方塊 9">
+            <a:extLst>
+              <a:ext uri="{FF2B5EF4-FFF2-40B4-BE49-F238E27FC236}">
+                <a16:creationId xmlns:a16="http://schemas.microsoft.com/office/drawing/2014/main" id="{8BD821AE-5674-D084-AA85-F447724FB063}"/>
+              </a:ext>
+            </a:extLst>
+          </p:cNvPr>
+          <p:cNvSpPr txBox="1"/>
+          <p:nvPr/>
+        </p:nvSpPr>
+        <p:spPr>
+          <a:xfrm>
+            <a:off x="1576251" y="2343781"/>
+            <a:ext cx="2047035" cy="369332"/>
+          </a:xfrm>
+          <a:prstGeom prst="rect">
+            <a:avLst/>
+          </a:prstGeom>
+          <a:noFill/>
+        </p:spPr>
+        <p:txBody>
+          <a:bodyPr wrap="none" rtlCol="0">
+            <a:spAutoFit/>
+          </a:bodyPr>
+          <a:lstStyle/>
+          <a:p>
+            <a:r>
+              <a:rPr lang="en-US" altLang="zh-TW" dirty="0"/>
+              <a:t>Pulse measurement</a:t>
+            </a:r>
+            <a:endParaRPr lang="zh-TW" altLang="en-US" dirty="0"/>
+          </a:p>
+        </p:txBody>
+      </p:sp>
+      <p:sp>
+        <p:nvSpPr>
+          <p:cNvPr id="3" name="矩形 2">
+            <a:extLst>
+              <a:ext uri="{FF2B5EF4-FFF2-40B4-BE49-F238E27FC236}">
+                <a16:creationId xmlns:a16="http://schemas.microsoft.com/office/drawing/2014/main" id="{80EEF514-44E2-B2C7-82DC-10E4AB9F3E02}"/>
+              </a:ext>
+            </a:extLst>
+          </p:cNvPr>
+          <p:cNvSpPr/>
+          <p:nvPr/>
+        </p:nvSpPr>
+        <p:spPr>
+          <a:xfrm>
+            <a:off x="9649410" y="5203141"/>
+            <a:ext cx="1905000" cy="1023646"/>
+          </a:xfrm>
+          <a:prstGeom prst="rect">
+            <a:avLst/>
+          </a:prstGeom>
+          <a:solidFill>
+            <a:srgbClr val="E6ECEF"/>
+          </a:solidFill>
+          <a:ln>
+            <a:noFill/>
+          </a:ln>
+        </p:spPr>
+        <p:style>
+          <a:lnRef idx="2">
+            <a:schemeClr val="accent1">
+              <a:shade val="50000"/>
+            </a:schemeClr>
+          </a:lnRef>
+          <a:fillRef idx="1">
+            <a:schemeClr val="accent1"/>
+          </a:fillRef>
+          <a:effectRef idx="0">
+            <a:schemeClr val="accent1"/>
+          </a:effectRef>
+          <a:fontRef idx="minor">
+            <a:schemeClr val="lt1"/>
+          </a:fontRef>
+        </p:style>
+        <p:txBody>
+          <a:bodyPr rtlCol="0" anchor="ctr"/>
+          <a:lstStyle/>
+          <a:p>
+            <a:pPr algn="ctr"/>
+            <a:endParaRPr lang="zh-TW" altLang="en-US"/>
+          </a:p>
+        </p:txBody>
+      </p:sp>
+    </p:spTree>
+    <p:extLst>
+      <p:ext uri="{BB962C8B-B14F-4D97-AF65-F5344CB8AC3E}">
+        <p14:creationId xmlns:p14="http://schemas.microsoft.com/office/powerpoint/2010/main" val="4207802820"/>
+      </p:ext>
+    </p:extLst>
+  </p:cSld>
+  <p:clrMapOvr>
+    <a:masterClrMapping/>
+  </p:clrMapOvr>
+</p:sld>
+</file>
+
+<file path=ppt/slides/slide4.xml><?xml version="1.0" encoding="utf-8"?>
+<p:sld xmlns:a="http://schemas.openxmlformats.org/drawingml/2006/main" xmlns:r="http://schemas.openxmlformats.org/officeDocument/2006/relationships" xmlns:p="http://schemas.openxmlformats.org/presentationml/2006/main">
+  <p:cSld>
+    <p:spTree>
+      <p:nvGrpSpPr>
+        <p:cNvPr id="1" name=""/>
+        <p:cNvGrpSpPr/>
+        <p:nvPr/>
+      </p:nvGrpSpPr>
+      <p:grpSpPr>
+        <a:xfrm>
+          <a:off x="0" y="0"/>
+          <a:ext cx="0" cy="0"/>
+          <a:chOff x="0" y="0"/>
+          <a:chExt cx="0" cy="0"/>
+        </a:xfrm>
+      </p:grpSpPr>
+      <p:sp>
+        <p:nvSpPr>
+          <p:cNvPr id="4" name="文字方塊 3">
+            <a:extLst>
+              <a:ext uri="{FF2B5EF4-FFF2-40B4-BE49-F238E27FC236}">
+                <a16:creationId xmlns:a16="http://schemas.microsoft.com/office/drawing/2014/main" id="{7F0EE69C-B41C-B66B-1AE8-804E6CDF32B1}"/>
+              </a:ext>
+            </a:extLst>
+          </p:cNvPr>
+          <p:cNvSpPr txBox="1"/>
+          <p:nvPr/>
+        </p:nvSpPr>
+        <p:spPr>
+          <a:xfrm>
+            <a:off x="862149" y="670560"/>
+            <a:ext cx="775149" cy="369332"/>
+          </a:xfrm>
+          <a:prstGeom prst="rect">
+            <a:avLst/>
+          </a:prstGeom>
+          <a:noFill/>
+        </p:spPr>
+        <p:txBody>
+          <a:bodyPr wrap="none" rtlCol="0">
+            <a:spAutoFit/>
+          </a:bodyPr>
+          <a:lstStyle/>
+          <a:p>
+            <a:r>
+              <a:rPr lang="en-US" altLang="zh-TW" dirty="0"/>
+              <a:t>Optics</a:t>
+            </a:r>
+            <a:endParaRPr lang="zh-TW" altLang="en-US" dirty="0"/>
+          </a:p>
+        </p:txBody>
+      </p:sp>
+      <p:sp>
+        <p:nvSpPr>
+          <p:cNvPr id="6" name="文字方塊 5">
+            <a:extLst>
+              <a:ext uri="{FF2B5EF4-FFF2-40B4-BE49-F238E27FC236}">
+                <a16:creationId xmlns:a16="http://schemas.microsoft.com/office/drawing/2014/main" id="{32C0F90E-0340-8984-990F-FD45DC358F35}"/>
+              </a:ext>
+            </a:extLst>
+          </p:cNvPr>
+          <p:cNvSpPr txBox="1"/>
+          <p:nvPr/>
+        </p:nvSpPr>
+        <p:spPr>
+          <a:xfrm>
+            <a:off x="1576251" y="1365460"/>
+            <a:ext cx="2212593" cy="369332"/>
+          </a:xfrm>
+          <a:prstGeom prst="rect">
+            <a:avLst/>
+          </a:prstGeom>
+          <a:noFill/>
+        </p:spPr>
+        <p:txBody>
+          <a:bodyPr wrap="none" rtlCol="0">
+            <a:spAutoFit/>
+          </a:bodyPr>
+          <a:lstStyle/>
+          <a:p>
+            <a:r>
+              <a:rPr lang="en-US" altLang="zh-TW" dirty="0"/>
+              <a:t>Optical system design</a:t>
+            </a:r>
+            <a:endParaRPr lang="zh-TW" altLang="en-US" dirty="0"/>
+          </a:p>
+        </p:txBody>
+      </p:sp>
+      <p:sp>
+        <p:nvSpPr>
+          <p:cNvPr id="8" name="文字方塊 7">
+            <a:extLst>
+              <a:ext uri="{FF2B5EF4-FFF2-40B4-BE49-F238E27FC236}">
+                <a16:creationId xmlns:a16="http://schemas.microsoft.com/office/drawing/2014/main" id="{D11BE266-0479-6E99-D5EB-48000847CE9C}"/>
+              </a:ext>
+            </a:extLst>
+          </p:cNvPr>
+          <p:cNvSpPr txBox="1"/>
+          <p:nvPr/>
+        </p:nvSpPr>
+        <p:spPr>
+          <a:xfrm>
+            <a:off x="1576251" y="1874912"/>
+            <a:ext cx="1500732" cy="369332"/>
+          </a:xfrm>
+          <a:prstGeom prst="rect">
+            <a:avLst/>
+          </a:prstGeom>
+          <a:noFill/>
+        </p:spPr>
+        <p:txBody>
+          <a:bodyPr wrap="none" rtlCol="0">
+            <a:spAutoFit/>
+          </a:bodyPr>
+          <a:lstStyle/>
+          <a:p>
+            <a:r>
+              <a:rPr lang="en-US" altLang="zh-TW" dirty="0"/>
+              <a:t>Beam shaping</a:t>
+            </a:r>
+            <a:endParaRPr lang="zh-TW" altLang="en-US" dirty="0"/>
+          </a:p>
+        </p:txBody>
+      </p:sp>
+      <p:sp>
+        <p:nvSpPr>
+          <p:cNvPr id="10" name="文字方塊 9">
+            <a:extLst>
+              <a:ext uri="{FF2B5EF4-FFF2-40B4-BE49-F238E27FC236}">
+                <a16:creationId xmlns:a16="http://schemas.microsoft.com/office/drawing/2014/main" id="{8BD821AE-5674-D084-AA85-F447724FB063}"/>
+              </a:ext>
+            </a:extLst>
+          </p:cNvPr>
+          <p:cNvSpPr txBox="1"/>
+          <p:nvPr/>
+        </p:nvSpPr>
+        <p:spPr>
+          <a:xfrm>
+            <a:off x="1576251" y="2343781"/>
+            <a:ext cx="930063" cy="369332"/>
+          </a:xfrm>
+          <a:prstGeom prst="rect">
+            <a:avLst/>
+          </a:prstGeom>
+          <a:noFill/>
+        </p:spPr>
+        <p:txBody>
+          <a:bodyPr wrap="none" rtlCol="0">
+            <a:spAutoFit/>
+          </a:bodyPr>
+          <a:lstStyle/>
+          <a:p>
+            <a:r>
+              <a:rPr lang="en-US" altLang="zh-TW" dirty="0"/>
+              <a:t>Imaging</a:t>
+            </a:r>
+            <a:endParaRPr lang="zh-TW" altLang="en-US" dirty="0"/>
+          </a:p>
+        </p:txBody>
+      </p:sp>
+    </p:spTree>
+    <p:extLst>
+      <p:ext uri="{BB962C8B-B14F-4D97-AF65-F5344CB8AC3E}">
+        <p14:creationId xmlns:p14="http://schemas.microsoft.com/office/powerpoint/2010/main" val="175173873"/>
+      </p:ext>
+    </p:extLst>
+  </p:cSld>
+  <p:clrMapOvr>
+    <a:masterClrMapping/>
+  </p:clrMapOvr>
+</p:sld>
+</file>
+
 <file path=ppt/theme/theme1.xml><?xml version="1.0" encoding="utf-8"?>
 <a:theme xmlns:a="http://schemas.openxmlformats.org/drawingml/2006/main" name="Office 佈景主題">
   <a:themeElements>

--- a/assets/logo.pptx
+++ b/assets/logo.pptx
@@ -9,6 +9,7 @@
     <p:sldId id="257" r:id="rId3"/>
     <p:sldId id="258" r:id="rId4"/>
     <p:sldId id="259" r:id="rId5"/>
+    <p:sldId id="260" r:id="rId6"/>
   </p:sldIdLst>
   <p:sldSz cx="12192000" cy="6858000"/>
   <p:notesSz cx="6858000" cy="9144000"/>
@@ -18974,7 +18975,7 @@
         </p:nvSpPr>
         <p:spPr>
           <a:xfrm>
-            <a:off x="9746617" y="5306430"/>
+            <a:off x="9144689" y="5599157"/>
             <a:ext cx="1905000" cy="1023646"/>
           </a:xfrm>
           <a:prstGeom prst="rect">
@@ -19050,10 +19051,10 @@
       </p:sp>
       <p:grpSp>
         <p:nvGrpSpPr>
-          <p:cNvPr id="29" name="群組 28">
+          <p:cNvPr id="75" name="群組 74">
             <a:extLst>
               <a:ext uri="{FF2B5EF4-FFF2-40B4-BE49-F238E27FC236}">
-                <a16:creationId xmlns:a16="http://schemas.microsoft.com/office/drawing/2014/main" id="{A94A64F3-8B6B-4273-9ED7-447B40275CD5}"/>
+                <a16:creationId xmlns:a16="http://schemas.microsoft.com/office/drawing/2014/main" id="{40F44226-20D1-0A4C-4CBC-072B5C7A81DD}"/>
               </a:ext>
             </a:extLst>
           </p:cNvPr>
@@ -19062,10 +19063,10 @@
         </p:nvGrpSpPr>
         <p:grpSpPr>
           <a:xfrm>
-            <a:off x="8521469" y="1394594"/>
-            <a:ext cx="1905001" cy="960636"/>
-            <a:chOff x="5512774" y="2479276"/>
-            <a:chExt cx="1653261" cy="720000"/>
+            <a:off x="8589944" y="1448760"/>
+            <a:ext cx="1807339" cy="795484"/>
+            <a:chOff x="8690667" y="1545032"/>
+            <a:chExt cx="1807339" cy="723167"/>
           </a:xfrm>
         </p:grpSpPr>
         <p:grpSp>
@@ -19082,8 +19083,8 @@
           </p:nvGrpSpPr>
           <p:grpSpPr>
             <a:xfrm>
-              <a:off x="6554183" y="2582915"/>
-              <a:ext cx="611852" cy="504825"/>
+              <a:off x="9792988" y="1596383"/>
+              <a:ext cx="705018" cy="612314"/>
               <a:chOff x="7194739" y="3277821"/>
               <a:chExt cx="611852" cy="504825"/>
             </a:xfrm>
@@ -19226,8 +19227,8 @@
           </p:nvSpPr>
           <p:spPr>
             <a:xfrm>
-              <a:off x="6696568" y="2540578"/>
-              <a:ext cx="40846" cy="86696"/>
+              <a:off x="9957054" y="1545032"/>
+              <a:ext cx="47066" cy="105156"/>
             </a:xfrm>
             <a:prstGeom prst="roundRect">
               <a:avLst/>
@@ -19278,8 +19279,8 @@
           </p:nvSpPr>
           <p:spPr>
             <a:xfrm>
-              <a:off x="6921618" y="2793361"/>
-              <a:ext cx="40846" cy="86696"/>
+              <a:off x="10216372" y="1851638"/>
+              <a:ext cx="47066" cy="105156"/>
             </a:xfrm>
             <a:prstGeom prst="roundRect">
               <a:avLst/>
@@ -19330,8 +19331,8 @@
           </p:nvSpPr>
           <p:spPr>
             <a:xfrm>
-              <a:off x="6807335" y="3046143"/>
-              <a:ext cx="40846" cy="86696"/>
+              <a:off x="10084687" y="2158243"/>
+              <a:ext cx="47066" cy="105156"/>
             </a:xfrm>
             <a:prstGeom prst="roundRect">
               <a:avLst/>
@@ -19382,8 +19383,8 @@
           </p:nvGrpSpPr>
           <p:grpSpPr>
             <a:xfrm>
-              <a:off x="5512774" y="2479276"/>
-              <a:ext cx="976708" cy="720000"/>
+              <a:off x="8690667" y="1546459"/>
+              <a:ext cx="930107" cy="721740"/>
               <a:chOff x="7372917" y="2637316"/>
               <a:chExt cx="720000" cy="720000"/>
             </a:xfrm>
@@ -19903,759 +19904,2175 @@
           </p:sp>
         </p:grpSp>
       </p:grpSp>
-      <p:sp>
-        <p:nvSpPr>
-          <p:cNvPr id="39" name="手繪多邊形: 圖案 38">
+      <p:grpSp>
+        <p:nvGrpSpPr>
+          <p:cNvPr id="134" name="群組 133">
             <a:extLst>
               <a:ext uri="{FF2B5EF4-FFF2-40B4-BE49-F238E27FC236}">
-                <a16:creationId xmlns:a16="http://schemas.microsoft.com/office/drawing/2014/main" id="{6C8913A0-42E9-4E9B-BB14-A1BC51D33047}"/>
+                <a16:creationId xmlns:a16="http://schemas.microsoft.com/office/drawing/2014/main" id="{C0BE2F5A-4851-5315-5E7B-53100E5BEF40}"/>
               </a:ext>
             </a:extLst>
           </p:cNvPr>
-          <p:cNvSpPr/>
+          <p:cNvGrpSpPr/>
           <p:nvPr/>
-        </p:nvSpPr>
-        <p:spPr>
+        </p:nvGrpSpPr>
+        <p:grpSpPr>
           <a:xfrm>
-            <a:off x="9989340" y="5624636"/>
-            <a:ext cx="497687" cy="387233"/>
+            <a:off x="8627558" y="3013181"/>
+            <a:ext cx="1768956" cy="734497"/>
+            <a:chOff x="8627558" y="3013181"/>
+            <a:chExt cx="1768956" cy="734497"/>
           </a:xfrm>
-          <a:custGeom>
-            <a:avLst/>
-            <a:gdLst>
-              <a:gd name="connsiteX0" fmla="*/ 1191 w 497687"/>
-              <a:gd name="connsiteY0" fmla="*/ 387177 h 387233"/>
-              <a:gd name="connsiteX1" fmla="*/ 0 w 497687"/>
-              <a:gd name="connsiteY1" fmla="*/ 387233 h 387233"/>
-              <a:gd name="connsiteX2" fmla="*/ 0 w 497687"/>
-              <a:gd name="connsiteY2" fmla="*/ 387180 h 387233"/>
-              <a:gd name="connsiteX3" fmla="*/ 259352 w 497687"/>
-              <a:gd name="connsiteY3" fmla="*/ 2 h 387233"/>
-              <a:gd name="connsiteX4" fmla="*/ 372659 w 497687"/>
-              <a:gd name="connsiteY4" fmla="*/ 343006 h 387233"/>
-              <a:gd name="connsiteX5" fmla="*/ 475736 w 497687"/>
-              <a:gd name="connsiteY5" fmla="*/ 385454 h 387233"/>
-              <a:gd name="connsiteX6" fmla="*/ 497687 w 497687"/>
-              <a:gd name="connsiteY6" fmla="*/ 385823 h 387233"/>
-              <a:gd name="connsiteX7" fmla="*/ 497687 w 497687"/>
-              <a:gd name="connsiteY7" fmla="*/ 385975 h 387233"/>
-              <a:gd name="connsiteX8" fmla="*/ 1191 w 497687"/>
-              <a:gd name="connsiteY8" fmla="*/ 387177 h 387233"/>
-              <a:gd name="connsiteX9" fmla="*/ 57526 w 497687"/>
-              <a:gd name="connsiteY9" fmla="*/ 384549 h 387233"/>
-              <a:gd name="connsiteX10" fmla="*/ 146046 w 497687"/>
-              <a:gd name="connsiteY10" fmla="*/ 348126 h 387233"/>
-              <a:gd name="connsiteX11" fmla="*/ 259352 w 497687"/>
-              <a:gd name="connsiteY11" fmla="*/ 2 h 387233"/>
-            </a:gdLst>
-            <a:ahLst/>
-            <a:cxnLst>
-              <a:cxn ang="0">
-                <a:pos x="connsiteX0" y="connsiteY0"/>
-              </a:cxn>
-              <a:cxn ang="0">
-                <a:pos x="connsiteX1" y="connsiteY1"/>
-              </a:cxn>
-              <a:cxn ang="0">
-                <a:pos x="connsiteX2" y="connsiteY2"/>
-              </a:cxn>
-              <a:cxn ang="0">
-                <a:pos x="connsiteX3" y="connsiteY3"/>
-              </a:cxn>
-              <a:cxn ang="0">
-                <a:pos x="connsiteX4" y="connsiteY4"/>
-              </a:cxn>
-              <a:cxn ang="0">
-                <a:pos x="connsiteX5" y="connsiteY5"/>
-              </a:cxn>
-              <a:cxn ang="0">
-                <a:pos x="connsiteX6" y="connsiteY6"/>
-              </a:cxn>
-              <a:cxn ang="0">
-                <a:pos x="connsiteX7" y="connsiteY7"/>
-              </a:cxn>
-              <a:cxn ang="0">
-                <a:pos x="connsiteX8" y="connsiteY8"/>
-              </a:cxn>
-              <a:cxn ang="0">
-                <a:pos x="connsiteX9" y="connsiteY9"/>
-              </a:cxn>
-              <a:cxn ang="0">
-                <a:pos x="connsiteX10" y="connsiteY10"/>
-              </a:cxn>
-              <a:cxn ang="0">
-                <a:pos x="connsiteX11" y="connsiteY11"/>
-              </a:cxn>
-            </a:cxnLst>
-            <a:rect l="l" t="t" r="r" b="b"/>
-            <a:pathLst>
-              <a:path w="497687" h="387233">
-                <a:moveTo>
-                  <a:pt x="1191" y="387177"/>
-                </a:moveTo>
-                <a:lnTo>
-                  <a:pt x="0" y="387233"/>
-                </a:lnTo>
-                <a:lnTo>
-                  <a:pt x="0" y="387180"/>
-                </a:lnTo>
-                <a:close/>
-                <a:moveTo>
-                  <a:pt x="259352" y="2"/>
-                </a:moveTo>
-                <a:cubicBezTo>
-                  <a:pt x="297121" y="-852"/>
-                  <a:pt x="318104" y="285557"/>
-                  <a:pt x="372659" y="343006"/>
-                </a:cubicBezTo>
-                <a:cubicBezTo>
-                  <a:pt x="399937" y="371731"/>
-                  <a:pt x="434033" y="382112"/>
-                  <a:pt x="475736" y="385454"/>
-                </a:cubicBezTo>
-                <a:lnTo>
-                  <a:pt x="497687" y="385823"/>
-                </a:lnTo>
-                <a:lnTo>
-                  <a:pt x="497687" y="385975"/>
-                </a:lnTo>
-                <a:lnTo>
-                  <a:pt x="1191" y="387177"/>
-                </a:lnTo>
-                <a:lnTo>
-                  <a:pt x="57526" y="384549"/>
-                </a:lnTo>
-                <a:cubicBezTo>
-                  <a:pt x="95688" y="380371"/>
-                  <a:pt x="125588" y="370595"/>
-                  <a:pt x="146046" y="348126"/>
-                </a:cubicBezTo>
-                <a:cubicBezTo>
-                  <a:pt x="186962" y="303188"/>
-                  <a:pt x="221584" y="855"/>
-                  <a:pt x="259352" y="2"/>
-                </a:cubicBezTo>
-                <a:close/>
-              </a:path>
-            </a:pathLst>
-          </a:custGeom>
-          <a:solidFill>
-            <a:srgbClr val="113256"/>
-          </a:solidFill>
-          <a:ln>
-            <a:noFill/>
-          </a:ln>
-        </p:spPr>
-        <p:style>
-          <a:lnRef idx="2">
-            <a:schemeClr val="accent1">
-              <a:shade val="50000"/>
-            </a:schemeClr>
-          </a:lnRef>
-          <a:fillRef idx="1">
-            <a:schemeClr val="accent1"/>
-          </a:fillRef>
-          <a:effectRef idx="0">
-            <a:schemeClr val="accent1"/>
-          </a:effectRef>
-          <a:fontRef idx="minor">
-            <a:schemeClr val="lt1"/>
-          </a:fontRef>
-        </p:style>
-        <p:txBody>
-          <a:bodyPr wrap="square" rtlCol="0" anchor="ctr">
-            <a:noAutofit/>
-          </a:bodyPr>
-          <a:lstStyle/>
-          <a:p>
-            <a:pPr algn="ctr"/>
-            <a:endParaRPr lang="zh-TW" altLang="en-US" dirty="0"/>
-          </a:p>
-        </p:txBody>
-      </p:sp>
-      <p:sp>
-        <p:nvSpPr>
-          <p:cNvPr id="35" name="手繪多邊形: 圖案 34">
+        </p:grpSpPr>
+        <p:grpSp>
+          <p:nvGrpSpPr>
+            <p:cNvPr id="130" name="群組 129">
+              <a:extLst>
+                <a:ext uri="{FF2B5EF4-FFF2-40B4-BE49-F238E27FC236}">
+                  <a16:creationId xmlns:a16="http://schemas.microsoft.com/office/drawing/2014/main" id="{07147246-9397-F63D-3AF3-5D96D5DFDB82}"/>
+                </a:ext>
+              </a:extLst>
+            </p:cNvPr>
+            <p:cNvGrpSpPr/>
+            <p:nvPr/>
+          </p:nvGrpSpPr>
+          <p:grpSpPr>
+            <a:xfrm>
+              <a:off x="8627558" y="3013181"/>
+              <a:ext cx="562975" cy="734497"/>
+              <a:chOff x="8627558" y="3013181"/>
+              <a:chExt cx="562975" cy="734497"/>
+            </a:xfrm>
+          </p:grpSpPr>
+          <p:grpSp>
+            <p:nvGrpSpPr>
+              <p:cNvPr id="46" name="群組 45">
+                <a:extLst>
+                  <a:ext uri="{FF2B5EF4-FFF2-40B4-BE49-F238E27FC236}">
+                    <a16:creationId xmlns:a16="http://schemas.microsoft.com/office/drawing/2014/main" id="{222DD42D-7429-3672-C052-69B804E7CF02}"/>
+                  </a:ext>
+                </a:extLst>
+              </p:cNvPr>
+              <p:cNvGrpSpPr/>
+              <p:nvPr/>
+            </p:nvGrpSpPr>
+            <p:grpSpPr>
+              <a:xfrm>
+                <a:off x="8691113" y="3013181"/>
+                <a:ext cx="435864" cy="435864"/>
+                <a:chOff x="7273369" y="3608453"/>
+                <a:chExt cx="396240" cy="396240"/>
+              </a:xfrm>
+            </p:grpSpPr>
+            <p:sp>
+              <p:nvSpPr>
+                <p:cNvPr id="37" name="橢圓 36">
+                  <a:extLst>
+                    <a:ext uri="{FF2B5EF4-FFF2-40B4-BE49-F238E27FC236}">
+                      <a16:creationId xmlns:a16="http://schemas.microsoft.com/office/drawing/2014/main" id="{1239ABD4-7AE0-8F3D-100E-09CAAF44FD26}"/>
+                    </a:ext>
+                  </a:extLst>
+                </p:cNvPr>
+                <p:cNvSpPr/>
+                <p:nvPr/>
+              </p:nvSpPr>
+              <p:spPr>
+                <a:xfrm>
+                  <a:off x="7273369" y="3608453"/>
+                  <a:ext cx="396240" cy="396240"/>
+                </a:xfrm>
+                <a:prstGeom prst="ellipse">
+                  <a:avLst/>
+                </a:prstGeom>
+                <a:solidFill>
+                  <a:srgbClr val="113256"/>
+                </a:solidFill>
+                <a:ln>
+                  <a:noFill/>
+                </a:ln>
+              </p:spPr>
+              <p:style>
+                <a:lnRef idx="2">
+                  <a:schemeClr val="accent1">
+                    <a:shade val="50000"/>
+                  </a:schemeClr>
+                </a:lnRef>
+                <a:fillRef idx="1">
+                  <a:schemeClr val="accent1"/>
+                </a:fillRef>
+                <a:effectRef idx="0">
+                  <a:schemeClr val="accent1"/>
+                </a:effectRef>
+                <a:fontRef idx="minor">
+                  <a:schemeClr val="lt1"/>
+                </a:fontRef>
+              </p:style>
+              <p:txBody>
+                <a:bodyPr rtlCol="0" anchor="ctr"/>
+                <a:lstStyle/>
+                <a:p>
+                  <a:pPr algn="ctr"/>
+                  <a:endParaRPr lang="zh-TW" altLang="en-US"/>
+                </a:p>
+              </p:txBody>
+            </p:sp>
+            <p:sp>
+              <p:nvSpPr>
+                <p:cNvPr id="41" name="橢圓 40">
+                  <a:extLst>
+                    <a:ext uri="{FF2B5EF4-FFF2-40B4-BE49-F238E27FC236}">
+                      <a16:creationId xmlns:a16="http://schemas.microsoft.com/office/drawing/2014/main" id="{050730BD-42C7-F70B-7544-68E5F1DB90C2}"/>
+                    </a:ext>
+                  </a:extLst>
+                </p:cNvPr>
+                <p:cNvSpPr/>
+                <p:nvPr/>
+              </p:nvSpPr>
+              <p:spPr>
+                <a:xfrm>
+                  <a:off x="7307753" y="3643126"/>
+                  <a:ext cx="327471" cy="327471"/>
+                </a:xfrm>
+                <a:prstGeom prst="ellipse">
+                  <a:avLst/>
+                </a:prstGeom>
+                <a:solidFill>
+                  <a:srgbClr val="6096BA"/>
+                </a:solidFill>
+                <a:ln>
+                  <a:noFill/>
+                </a:ln>
+              </p:spPr>
+              <p:style>
+                <a:lnRef idx="2">
+                  <a:schemeClr val="accent1">
+                    <a:shade val="50000"/>
+                  </a:schemeClr>
+                </a:lnRef>
+                <a:fillRef idx="1">
+                  <a:schemeClr val="accent1"/>
+                </a:fillRef>
+                <a:effectRef idx="0">
+                  <a:schemeClr val="accent1"/>
+                </a:effectRef>
+                <a:fontRef idx="minor">
+                  <a:schemeClr val="lt1"/>
+                </a:fontRef>
+              </p:style>
+              <p:txBody>
+                <a:bodyPr rtlCol="0" anchor="ctr"/>
+                <a:lstStyle/>
+                <a:p>
+                  <a:pPr algn="ctr"/>
+                  <a:endParaRPr lang="zh-TW" altLang="en-US"/>
+                </a:p>
+              </p:txBody>
+            </p:sp>
+            <p:sp>
+              <p:nvSpPr>
+                <p:cNvPr id="43" name="橢圓 42">
+                  <a:extLst>
+                    <a:ext uri="{FF2B5EF4-FFF2-40B4-BE49-F238E27FC236}">
+                      <a16:creationId xmlns:a16="http://schemas.microsoft.com/office/drawing/2014/main" id="{BA97474B-93A8-57E4-66CA-3A3631137E7D}"/>
+                    </a:ext>
+                  </a:extLst>
+                </p:cNvPr>
+                <p:cNvSpPr/>
+                <p:nvPr/>
+              </p:nvSpPr>
+              <p:spPr>
+                <a:xfrm>
+                  <a:off x="7359655" y="3694740"/>
+                  <a:ext cx="223667" cy="223667"/>
+                </a:xfrm>
+                <a:prstGeom prst="ellipse">
+                  <a:avLst/>
+                </a:prstGeom>
+                <a:solidFill>
+                  <a:srgbClr val="A3CEF1"/>
+                </a:solidFill>
+                <a:ln>
+                  <a:noFill/>
+                </a:ln>
+              </p:spPr>
+              <p:style>
+                <a:lnRef idx="2">
+                  <a:schemeClr val="accent1">
+                    <a:shade val="50000"/>
+                  </a:schemeClr>
+                </a:lnRef>
+                <a:fillRef idx="1">
+                  <a:schemeClr val="accent1"/>
+                </a:fillRef>
+                <a:effectRef idx="0">
+                  <a:schemeClr val="accent1"/>
+                </a:effectRef>
+                <a:fontRef idx="minor">
+                  <a:schemeClr val="lt1"/>
+                </a:fontRef>
+              </p:style>
+              <p:txBody>
+                <a:bodyPr rtlCol="0" anchor="ctr"/>
+                <a:lstStyle/>
+                <a:p>
+                  <a:pPr algn="ctr"/>
+                  <a:endParaRPr lang="zh-TW" altLang="en-US"/>
+                </a:p>
+              </p:txBody>
+            </p:sp>
+            <p:sp>
+              <p:nvSpPr>
+                <p:cNvPr id="45" name="橢圓 44">
+                  <a:extLst>
+                    <a:ext uri="{FF2B5EF4-FFF2-40B4-BE49-F238E27FC236}">
+                      <a16:creationId xmlns:a16="http://schemas.microsoft.com/office/drawing/2014/main" id="{A774162C-A91B-65E9-6A54-C7E3860008A1}"/>
+                    </a:ext>
+                  </a:extLst>
+                </p:cNvPr>
+                <p:cNvSpPr/>
+                <p:nvPr/>
+              </p:nvSpPr>
+              <p:spPr>
+                <a:xfrm>
+                  <a:off x="7424060" y="3759145"/>
+                  <a:ext cx="94857" cy="94857"/>
+                </a:xfrm>
+                <a:prstGeom prst="ellipse">
+                  <a:avLst/>
+                </a:prstGeom>
+                <a:solidFill>
+                  <a:srgbClr val="E6ECEF"/>
+                </a:solidFill>
+                <a:ln>
+                  <a:noFill/>
+                </a:ln>
+              </p:spPr>
+              <p:style>
+                <a:lnRef idx="2">
+                  <a:schemeClr val="accent1">
+                    <a:shade val="50000"/>
+                  </a:schemeClr>
+                </a:lnRef>
+                <a:fillRef idx="1">
+                  <a:schemeClr val="accent1"/>
+                </a:fillRef>
+                <a:effectRef idx="0">
+                  <a:schemeClr val="accent1"/>
+                </a:effectRef>
+                <a:fontRef idx="minor">
+                  <a:schemeClr val="lt1"/>
+                </a:fontRef>
+              </p:style>
+              <p:txBody>
+                <a:bodyPr rtlCol="0" anchor="ctr"/>
+                <a:lstStyle/>
+                <a:p>
+                  <a:pPr algn="ctr"/>
+                  <a:endParaRPr lang="zh-TW" altLang="en-US"/>
+                </a:p>
+              </p:txBody>
+            </p:sp>
+          </p:grpSp>
+          <p:sp>
+            <p:nvSpPr>
+              <p:cNvPr id="65" name="文字方塊 64">
+                <a:extLst>
+                  <a:ext uri="{FF2B5EF4-FFF2-40B4-BE49-F238E27FC236}">
+                    <a16:creationId xmlns:a16="http://schemas.microsoft.com/office/drawing/2014/main" id="{EA499141-5BDC-E420-0827-DAED662F6491}"/>
+                  </a:ext>
+                </a:extLst>
+              </p:cNvPr>
+              <p:cNvSpPr txBox="1"/>
+              <p:nvPr/>
+            </p:nvSpPr>
+            <p:spPr>
+              <a:xfrm>
+                <a:off x="8627558" y="3470679"/>
+                <a:ext cx="562975" cy="276999"/>
+              </a:xfrm>
+              <a:prstGeom prst="rect">
+                <a:avLst/>
+              </a:prstGeom>
+              <a:noFill/>
+            </p:spPr>
+            <p:txBody>
+              <a:bodyPr wrap="none" rtlCol="0">
+                <a:spAutoFit/>
+              </a:bodyPr>
+              <a:lstStyle/>
+              <a:p>
+                <a:r>
+                  <a:rPr lang="en-US" altLang="zh-TW" sz="1200" b="1" dirty="0">
+                    <a:solidFill>
+                      <a:srgbClr val="8B8C89"/>
+                    </a:solidFill>
+                  </a:rPr>
+                  <a:t>Gauss</a:t>
+                </a:r>
+                <a:endParaRPr lang="zh-TW" altLang="en-US" sz="1200" b="1" dirty="0">
+                  <a:solidFill>
+                    <a:srgbClr val="8B8C89"/>
+                  </a:solidFill>
+                </a:endParaRPr>
+              </a:p>
+            </p:txBody>
+          </p:sp>
+        </p:grpSp>
+        <p:grpSp>
+          <p:nvGrpSpPr>
+            <p:cNvPr id="131" name="群組 130">
+              <a:extLst>
+                <a:ext uri="{FF2B5EF4-FFF2-40B4-BE49-F238E27FC236}">
+                  <a16:creationId xmlns:a16="http://schemas.microsoft.com/office/drawing/2014/main" id="{B4B01D8B-C99E-7498-D5A4-6DAF46C449CF}"/>
+                </a:ext>
+              </a:extLst>
+            </p:cNvPr>
+            <p:cNvGrpSpPr/>
+            <p:nvPr/>
+          </p:nvGrpSpPr>
+          <p:grpSpPr>
+            <a:xfrm>
+              <a:off x="9155009" y="3013685"/>
+              <a:ext cx="674928" cy="733993"/>
+              <a:chOff x="9155009" y="3013685"/>
+              <a:chExt cx="674928" cy="733993"/>
+            </a:xfrm>
+          </p:grpSpPr>
+          <p:grpSp>
+            <p:nvGrpSpPr>
+              <p:cNvPr id="55" name="群組 54">
+                <a:extLst>
+                  <a:ext uri="{FF2B5EF4-FFF2-40B4-BE49-F238E27FC236}">
+                    <a16:creationId xmlns:a16="http://schemas.microsoft.com/office/drawing/2014/main" id="{54DB7456-AEF2-462D-4DA8-E10185B8096E}"/>
+                  </a:ext>
+                </a:extLst>
+              </p:cNvPr>
+              <p:cNvGrpSpPr/>
+              <p:nvPr/>
+            </p:nvGrpSpPr>
+            <p:grpSpPr>
+              <a:xfrm>
+                <a:off x="9274673" y="3013685"/>
+                <a:ext cx="435600" cy="435600"/>
+                <a:chOff x="7769933" y="3608693"/>
+                <a:chExt cx="396000" cy="396000"/>
+              </a:xfrm>
+            </p:grpSpPr>
+            <p:sp>
+              <p:nvSpPr>
+                <p:cNvPr id="47" name="矩形: 圓角 46">
+                  <a:extLst>
+                    <a:ext uri="{FF2B5EF4-FFF2-40B4-BE49-F238E27FC236}">
+                      <a16:creationId xmlns:a16="http://schemas.microsoft.com/office/drawing/2014/main" id="{7EFE2D50-CD7E-5FA6-A5C7-0963FEFC00F4}"/>
+                    </a:ext>
+                  </a:extLst>
+                </p:cNvPr>
+                <p:cNvSpPr/>
+                <p:nvPr/>
+              </p:nvSpPr>
+              <p:spPr>
+                <a:xfrm>
+                  <a:off x="7769933" y="3608693"/>
+                  <a:ext cx="396000" cy="396000"/>
+                </a:xfrm>
+                <a:prstGeom prst="roundRect">
+                  <a:avLst/>
+                </a:prstGeom>
+                <a:solidFill>
+                  <a:srgbClr val="113256"/>
+                </a:solidFill>
+                <a:ln>
+                  <a:noFill/>
+                </a:ln>
+              </p:spPr>
+              <p:style>
+                <a:lnRef idx="2">
+                  <a:schemeClr val="accent1">
+                    <a:shade val="50000"/>
+                  </a:schemeClr>
+                </a:lnRef>
+                <a:fillRef idx="1">
+                  <a:schemeClr val="accent1"/>
+                </a:fillRef>
+                <a:effectRef idx="0">
+                  <a:schemeClr val="accent1"/>
+                </a:effectRef>
+                <a:fontRef idx="minor">
+                  <a:schemeClr val="lt1"/>
+                </a:fontRef>
+              </p:style>
+              <p:txBody>
+                <a:bodyPr rtlCol="0" anchor="ctr"/>
+                <a:lstStyle/>
+                <a:p>
+                  <a:pPr algn="ctr"/>
+                  <a:endParaRPr lang="zh-TW" altLang="en-US"/>
+                </a:p>
+              </p:txBody>
+            </p:sp>
+            <p:sp>
+              <p:nvSpPr>
+                <p:cNvPr id="50" name="矩形: 圓角 49">
+                  <a:extLst>
+                    <a:ext uri="{FF2B5EF4-FFF2-40B4-BE49-F238E27FC236}">
+                      <a16:creationId xmlns:a16="http://schemas.microsoft.com/office/drawing/2014/main" id="{51ACFF04-C137-62D1-B333-BC7889B9F33A}"/>
+                    </a:ext>
+                  </a:extLst>
+                </p:cNvPr>
+                <p:cNvSpPr/>
+                <p:nvPr/>
+              </p:nvSpPr>
+              <p:spPr>
+                <a:xfrm>
+                  <a:off x="7787933" y="3626693"/>
+                  <a:ext cx="360000" cy="360000"/>
+                </a:xfrm>
+                <a:prstGeom prst="roundRect">
+                  <a:avLst/>
+                </a:prstGeom>
+                <a:solidFill>
+                  <a:srgbClr val="6096BA"/>
+                </a:solidFill>
+                <a:ln>
+                  <a:noFill/>
+                </a:ln>
+              </p:spPr>
+              <p:style>
+                <a:lnRef idx="2">
+                  <a:schemeClr val="accent1">
+                    <a:shade val="50000"/>
+                  </a:schemeClr>
+                </a:lnRef>
+                <a:fillRef idx="1">
+                  <a:schemeClr val="accent1"/>
+                </a:fillRef>
+                <a:effectRef idx="0">
+                  <a:schemeClr val="accent1"/>
+                </a:effectRef>
+                <a:fontRef idx="minor">
+                  <a:schemeClr val="lt1"/>
+                </a:fontRef>
+              </p:style>
+              <p:txBody>
+                <a:bodyPr rtlCol="0" anchor="ctr"/>
+                <a:lstStyle/>
+                <a:p>
+                  <a:pPr algn="ctr"/>
+                  <a:endParaRPr lang="zh-TW" altLang="en-US"/>
+                </a:p>
+              </p:txBody>
+            </p:sp>
+            <p:sp>
+              <p:nvSpPr>
+                <p:cNvPr id="52" name="矩形: 圓角 51">
+                  <a:extLst>
+                    <a:ext uri="{FF2B5EF4-FFF2-40B4-BE49-F238E27FC236}">
+                      <a16:creationId xmlns:a16="http://schemas.microsoft.com/office/drawing/2014/main" id="{825A269C-DEEA-DCCF-2AC7-1FEE518B33DA}"/>
+                    </a:ext>
+                  </a:extLst>
+                </p:cNvPr>
+                <p:cNvSpPr/>
+                <p:nvPr/>
+              </p:nvSpPr>
+              <p:spPr>
+                <a:xfrm>
+                  <a:off x="7804297" y="3643057"/>
+                  <a:ext cx="327273" cy="327273"/>
+                </a:xfrm>
+                <a:prstGeom prst="roundRect">
+                  <a:avLst/>
+                </a:prstGeom>
+                <a:solidFill>
+                  <a:srgbClr val="A3CEF1"/>
+                </a:solidFill>
+                <a:ln>
+                  <a:noFill/>
+                </a:ln>
+              </p:spPr>
+              <p:style>
+                <a:lnRef idx="2">
+                  <a:schemeClr val="accent1">
+                    <a:shade val="50000"/>
+                  </a:schemeClr>
+                </a:lnRef>
+                <a:fillRef idx="1">
+                  <a:schemeClr val="accent1"/>
+                </a:fillRef>
+                <a:effectRef idx="0">
+                  <a:schemeClr val="accent1"/>
+                </a:effectRef>
+                <a:fontRef idx="minor">
+                  <a:schemeClr val="lt1"/>
+                </a:fontRef>
+              </p:style>
+              <p:txBody>
+                <a:bodyPr rtlCol="0" anchor="ctr"/>
+                <a:lstStyle/>
+                <a:p>
+                  <a:pPr algn="ctr"/>
+                  <a:endParaRPr lang="zh-TW" altLang="en-US"/>
+                </a:p>
+              </p:txBody>
+            </p:sp>
+            <p:sp>
+              <p:nvSpPr>
+                <p:cNvPr id="54" name="矩形: 圓角 53">
+                  <a:extLst>
+                    <a:ext uri="{FF2B5EF4-FFF2-40B4-BE49-F238E27FC236}">
+                      <a16:creationId xmlns:a16="http://schemas.microsoft.com/office/drawing/2014/main" id="{552CA7E9-0B9B-46EE-195E-1DBA6392D52B}"/>
+                    </a:ext>
+                  </a:extLst>
+                </p:cNvPr>
+                <p:cNvSpPr/>
+                <p:nvPr/>
+              </p:nvSpPr>
+              <p:spPr>
+                <a:xfrm>
+                  <a:off x="7832696" y="3671336"/>
+                  <a:ext cx="270474" cy="270474"/>
+                </a:xfrm>
+                <a:prstGeom prst="roundRect">
+                  <a:avLst/>
+                </a:prstGeom>
+                <a:solidFill>
+                  <a:srgbClr val="E6ECEF"/>
+                </a:solidFill>
+                <a:ln>
+                  <a:noFill/>
+                </a:ln>
+              </p:spPr>
+              <p:style>
+                <a:lnRef idx="2">
+                  <a:schemeClr val="accent1">
+                    <a:shade val="50000"/>
+                  </a:schemeClr>
+                </a:lnRef>
+                <a:fillRef idx="1">
+                  <a:schemeClr val="accent1"/>
+                </a:fillRef>
+                <a:effectRef idx="0">
+                  <a:schemeClr val="accent1"/>
+                </a:effectRef>
+                <a:fontRef idx="minor">
+                  <a:schemeClr val="lt1"/>
+                </a:fontRef>
+              </p:style>
+              <p:txBody>
+                <a:bodyPr rtlCol="0" anchor="ctr"/>
+                <a:lstStyle/>
+                <a:p>
+                  <a:pPr algn="ctr"/>
+                  <a:endParaRPr lang="zh-TW" altLang="en-US"/>
+                </a:p>
+              </p:txBody>
+            </p:sp>
+          </p:grpSp>
+          <p:sp>
+            <p:nvSpPr>
+              <p:cNvPr id="67" name="文字方塊 66">
+                <a:extLst>
+                  <a:ext uri="{FF2B5EF4-FFF2-40B4-BE49-F238E27FC236}">
+                    <a16:creationId xmlns:a16="http://schemas.microsoft.com/office/drawing/2014/main" id="{F36FD04E-4AFD-8D7A-6213-1DF570D9B6F1}"/>
+                  </a:ext>
+                </a:extLst>
+              </p:cNvPr>
+              <p:cNvSpPr txBox="1"/>
+              <p:nvPr/>
+            </p:nvSpPr>
+            <p:spPr>
+              <a:xfrm>
+                <a:off x="9155009" y="3470679"/>
+                <a:ext cx="674928" cy="276999"/>
+              </a:xfrm>
+              <a:prstGeom prst="rect">
+                <a:avLst/>
+              </a:prstGeom>
+              <a:noFill/>
+            </p:spPr>
+            <p:txBody>
+              <a:bodyPr wrap="none" rtlCol="0">
+                <a:spAutoFit/>
+              </a:bodyPr>
+              <a:lstStyle/>
+              <a:p>
+                <a:r>
+                  <a:rPr lang="en-US" altLang="zh-TW" sz="1200" b="1" dirty="0">
+                    <a:solidFill>
+                      <a:srgbClr val="8B8C89"/>
+                    </a:solidFill>
+                  </a:rPr>
+                  <a:t>Top Hat</a:t>
+                </a:r>
+                <a:endParaRPr lang="zh-TW" altLang="en-US" sz="1200" b="1" dirty="0">
+                  <a:solidFill>
+                    <a:srgbClr val="8B8C89"/>
+                  </a:solidFill>
+                </a:endParaRPr>
+              </a:p>
+            </p:txBody>
+          </p:sp>
+        </p:grpSp>
+        <p:grpSp>
+          <p:nvGrpSpPr>
+            <p:cNvPr id="132" name="群組 131">
+              <a:extLst>
+                <a:ext uri="{FF2B5EF4-FFF2-40B4-BE49-F238E27FC236}">
+                  <a16:creationId xmlns:a16="http://schemas.microsoft.com/office/drawing/2014/main" id="{E0C9381F-6C3A-44B6-CE90-7CD7350F3895}"/>
+                </a:ext>
+              </a:extLst>
+            </p:cNvPr>
+            <p:cNvGrpSpPr/>
+            <p:nvPr/>
+          </p:nvGrpSpPr>
+          <p:grpSpPr>
+            <a:xfrm>
+              <a:off x="9793657" y="3013445"/>
+              <a:ext cx="602857" cy="734232"/>
+              <a:chOff x="9793657" y="3013445"/>
+              <a:chExt cx="602857" cy="734232"/>
+            </a:xfrm>
+          </p:grpSpPr>
+          <p:grpSp>
+            <p:nvGrpSpPr>
+              <p:cNvPr id="63" name="群組 62">
+                <a:extLst>
+                  <a:ext uri="{FF2B5EF4-FFF2-40B4-BE49-F238E27FC236}">
+                    <a16:creationId xmlns:a16="http://schemas.microsoft.com/office/drawing/2014/main" id="{DCEC9B03-8213-3A20-6D00-511ADF824C43}"/>
+                  </a:ext>
+                </a:extLst>
+              </p:cNvPr>
+              <p:cNvGrpSpPr/>
+              <p:nvPr/>
+            </p:nvGrpSpPr>
+            <p:grpSpPr>
+              <a:xfrm>
+                <a:off x="9877285" y="3013445"/>
+                <a:ext cx="435600" cy="435600"/>
+                <a:chOff x="8358954" y="3608453"/>
+                <a:chExt cx="396000" cy="396000"/>
+              </a:xfrm>
+            </p:grpSpPr>
+            <p:sp>
+              <p:nvSpPr>
+                <p:cNvPr id="56" name="圓形: 空心 55">
+                  <a:extLst>
+                    <a:ext uri="{FF2B5EF4-FFF2-40B4-BE49-F238E27FC236}">
+                      <a16:creationId xmlns:a16="http://schemas.microsoft.com/office/drawing/2014/main" id="{A1B9015B-84DF-D21E-3942-1781D75D64C4}"/>
+                    </a:ext>
+                  </a:extLst>
+                </p:cNvPr>
+                <p:cNvSpPr/>
+                <p:nvPr/>
+              </p:nvSpPr>
+              <p:spPr>
+                <a:xfrm>
+                  <a:off x="8358954" y="3608453"/>
+                  <a:ext cx="396000" cy="396000"/>
+                </a:xfrm>
+                <a:prstGeom prst="donut">
+                  <a:avLst/>
+                </a:prstGeom>
+                <a:solidFill>
+                  <a:srgbClr val="113256"/>
+                </a:solidFill>
+                <a:ln>
+                  <a:noFill/>
+                </a:ln>
+              </p:spPr>
+              <p:style>
+                <a:lnRef idx="2">
+                  <a:schemeClr val="accent1">
+                    <a:shade val="50000"/>
+                  </a:schemeClr>
+                </a:lnRef>
+                <a:fillRef idx="1">
+                  <a:schemeClr val="accent1"/>
+                </a:fillRef>
+                <a:effectRef idx="0">
+                  <a:schemeClr val="accent1"/>
+                </a:effectRef>
+                <a:fontRef idx="minor">
+                  <a:schemeClr val="lt1"/>
+                </a:fontRef>
+              </p:style>
+              <p:txBody>
+                <a:bodyPr rtlCol="0" anchor="ctr"/>
+                <a:lstStyle/>
+                <a:p>
+                  <a:pPr algn="ctr"/>
+                  <a:endParaRPr lang="zh-TW" altLang="en-US">
+                    <a:solidFill>
+                      <a:schemeClr val="tx1"/>
+                    </a:solidFill>
+                  </a:endParaRPr>
+                </a:p>
+              </p:txBody>
+            </p:sp>
+            <p:sp>
+              <p:nvSpPr>
+                <p:cNvPr id="58" name="圓形: 空心 57">
+                  <a:extLst>
+                    <a:ext uri="{FF2B5EF4-FFF2-40B4-BE49-F238E27FC236}">
+                      <a16:creationId xmlns:a16="http://schemas.microsoft.com/office/drawing/2014/main" id="{07C1BED6-1B7A-8DA6-36AD-525347332F75}"/>
+                    </a:ext>
+                  </a:extLst>
+                </p:cNvPr>
+                <p:cNvSpPr/>
+                <p:nvPr/>
+              </p:nvSpPr>
+              <p:spPr>
+                <a:xfrm>
+                  <a:off x="8376954" y="3626453"/>
+                  <a:ext cx="360000" cy="360000"/>
+                </a:xfrm>
+                <a:prstGeom prst="donut">
+                  <a:avLst>
+                    <a:gd name="adj" fmla="val 16903"/>
+                  </a:avLst>
+                </a:prstGeom>
+                <a:solidFill>
+                  <a:srgbClr val="6096BA"/>
+                </a:solidFill>
+                <a:ln>
+                  <a:noFill/>
+                </a:ln>
+              </p:spPr>
+              <p:style>
+                <a:lnRef idx="2">
+                  <a:schemeClr val="accent1">
+                    <a:shade val="50000"/>
+                  </a:schemeClr>
+                </a:lnRef>
+                <a:fillRef idx="1">
+                  <a:schemeClr val="accent1"/>
+                </a:fillRef>
+                <a:effectRef idx="0">
+                  <a:schemeClr val="accent1"/>
+                </a:effectRef>
+                <a:fontRef idx="minor">
+                  <a:schemeClr val="lt1"/>
+                </a:fontRef>
+              </p:style>
+              <p:txBody>
+                <a:bodyPr rtlCol="0" anchor="ctr"/>
+                <a:lstStyle/>
+                <a:p>
+                  <a:pPr algn="ctr"/>
+                  <a:endParaRPr lang="zh-TW" altLang="en-US">
+                    <a:solidFill>
+                      <a:schemeClr val="tx1"/>
+                    </a:solidFill>
+                  </a:endParaRPr>
+                </a:p>
+              </p:txBody>
+            </p:sp>
+            <p:sp>
+              <p:nvSpPr>
+                <p:cNvPr id="60" name="圓形: 空心 59">
+                  <a:extLst>
+                    <a:ext uri="{FF2B5EF4-FFF2-40B4-BE49-F238E27FC236}">
+                      <a16:creationId xmlns:a16="http://schemas.microsoft.com/office/drawing/2014/main" id="{30C3942E-4DA7-A1FC-3EA2-2E3AD3C46BFE}"/>
+                    </a:ext>
+                  </a:extLst>
+                </p:cNvPr>
+                <p:cNvSpPr/>
+                <p:nvPr/>
+              </p:nvSpPr>
+              <p:spPr>
+                <a:xfrm>
+                  <a:off x="8393318" y="3642817"/>
+                  <a:ext cx="327273" cy="327273"/>
+                </a:xfrm>
+                <a:prstGeom prst="donut">
+                  <a:avLst>
+                    <a:gd name="adj" fmla="val 8841"/>
+                  </a:avLst>
+                </a:prstGeom>
+                <a:solidFill>
+                  <a:srgbClr val="A3CEF1"/>
+                </a:solidFill>
+                <a:ln>
+                  <a:noFill/>
+                </a:ln>
+              </p:spPr>
+              <p:style>
+                <a:lnRef idx="2">
+                  <a:schemeClr val="accent1">
+                    <a:shade val="50000"/>
+                  </a:schemeClr>
+                </a:lnRef>
+                <a:fillRef idx="1">
+                  <a:schemeClr val="accent1"/>
+                </a:fillRef>
+                <a:effectRef idx="0">
+                  <a:schemeClr val="accent1"/>
+                </a:effectRef>
+                <a:fontRef idx="minor">
+                  <a:schemeClr val="lt1"/>
+                </a:fontRef>
+              </p:style>
+              <p:txBody>
+                <a:bodyPr rtlCol="0" anchor="ctr"/>
+                <a:lstStyle/>
+                <a:p>
+                  <a:pPr algn="ctr"/>
+                  <a:endParaRPr lang="zh-TW" altLang="en-US">
+                    <a:solidFill>
+                      <a:schemeClr val="tx1"/>
+                    </a:solidFill>
+                  </a:endParaRPr>
+                </a:p>
+              </p:txBody>
+            </p:sp>
+            <p:sp>
+              <p:nvSpPr>
+                <p:cNvPr id="62" name="圓形: 空心 61">
+                  <a:extLst>
+                    <a:ext uri="{FF2B5EF4-FFF2-40B4-BE49-F238E27FC236}">
+                      <a16:creationId xmlns:a16="http://schemas.microsoft.com/office/drawing/2014/main" id="{A863DDEE-0284-0616-027D-7CCEF625BBDD}"/>
+                    </a:ext>
+                  </a:extLst>
+                </p:cNvPr>
+                <p:cNvSpPr/>
+                <p:nvPr/>
+              </p:nvSpPr>
+              <p:spPr>
+                <a:xfrm>
+                  <a:off x="8408194" y="3657693"/>
+                  <a:ext cx="297521" cy="297521"/>
+                </a:xfrm>
+                <a:prstGeom prst="donut">
+                  <a:avLst>
+                    <a:gd name="adj" fmla="val 2414"/>
+                  </a:avLst>
+                </a:prstGeom>
+                <a:solidFill>
+                  <a:srgbClr val="E6ECEF"/>
+                </a:solidFill>
+                <a:ln>
+                  <a:noFill/>
+                </a:ln>
+              </p:spPr>
+              <p:style>
+                <a:lnRef idx="2">
+                  <a:schemeClr val="accent1">
+                    <a:shade val="50000"/>
+                  </a:schemeClr>
+                </a:lnRef>
+                <a:fillRef idx="1">
+                  <a:schemeClr val="accent1"/>
+                </a:fillRef>
+                <a:effectRef idx="0">
+                  <a:schemeClr val="accent1"/>
+                </a:effectRef>
+                <a:fontRef idx="minor">
+                  <a:schemeClr val="lt1"/>
+                </a:fontRef>
+              </p:style>
+              <p:txBody>
+                <a:bodyPr rtlCol="0" anchor="ctr"/>
+                <a:lstStyle/>
+                <a:p>
+                  <a:pPr algn="ctr"/>
+                  <a:endParaRPr lang="zh-TW" altLang="en-US">
+                    <a:solidFill>
+                      <a:schemeClr val="tx1"/>
+                    </a:solidFill>
+                  </a:endParaRPr>
+                </a:p>
+              </p:txBody>
+            </p:sp>
+          </p:grpSp>
+          <p:sp>
+            <p:nvSpPr>
+              <p:cNvPr id="69" name="文字方塊 68">
+                <a:extLst>
+                  <a:ext uri="{FF2B5EF4-FFF2-40B4-BE49-F238E27FC236}">
+                    <a16:creationId xmlns:a16="http://schemas.microsoft.com/office/drawing/2014/main" id="{34653152-4A88-745F-C1A3-31871C02C03C}"/>
+                  </a:ext>
+                </a:extLst>
+              </p:cNvPr>
+              <p:cNvSpPr txBox="1"/>
+              <p:nvPr/>
+            </p:nvSpPr>
+            <p:spPr>
+              <a:xfrm>
+                <a:off x="9793657" y="3470678"/>
+                <a:ext cx="602857" cy="276999"/>
+              </a:xfrm>
+              <a:prstGeom prst="rect">
+                <a:avLst/>
+              </a:prstGeom>
+              <a:noFill/>
+            </p:spPr>
+            <p:txBody>
+              <a:bodyPr wrap="none" rtlCol="0">
+                <a:spAutoFit/>
+              </a:bodyPr>
+              <a:lstStyle/>
+              <a:p>
+                <a:r>
+                  <a:rPr lang="en-US" altLang="zh-TW" sz="1200" b="1" dirty="0">
+                    <a:solidFill>
+                      <a:srgbClr val="8B8C89"/>
+                    </a:solidFill>
+                  </a:rPr>
+                  <a:t>Vortex</a:t>
+                </a:r>
+                <a:endParaRPr lang="zh-TW" altLang="en-US" sz="1200" b="1" dirty="0">
+                  <a:solidFill>
+                    <a:srgbClr val="8B8C89"/>
+                  </a:solidFill>
+                </a:endParaRPr>
+              </a:p>
+            </p:txBody>
+          </p:sp>
+        </p:grpSp>
+      </p:grpSp>
+      <p:grpSp>
+        <p:nvGrpSpPr>
+          <p:cNvPr id="128" name="群組 127">
             <a:extLst>
               <a:ext uri="{FF2B5EF4-FFF2-40B4-BE49-F238E27FC236}">
-                <a16:creationId xmlns:a16="http://schemas.microsoft.com/office/drawing/2014/main" id="{99D01E40-EEF0-412D-AF58-C7469D7944D7}"/>
+                <a16:creationId xmlns:a16="http://schemas.microsoft.com/office/drawing/2014/main" id="{D18F901A-E625-4F3A-5C8E-B539C686C770}"/>
               </a:ext>
             </a:extLst>
           </p:cNvPr>
-          <p:cNvSpPr/>
+          <p:cNvGrpSpPr/>
           <p:nvPr/>
-        </p:nvSpPr>
-        <p:spPr>
+        </p:nvGrpSpPr>
+        <p:grpSpPr>
           <a:xfrm>
-            <a:off x="10644186" y="5349609"/>
-            <a:ext cx="581819" cy="241689"/>
+            <a:off x="8571296" y="4137669"/>
+            <a:ext cx="1780393" cy="751511"/>
+            <a:chOff x="8716228" y="5796175"/>
+            <a:chExt cx="1780393" cy="751511"/>
           </a:xfrm>
-          <a:custGeom>
-            <a:avLst/>
-            <a:gdLst>
-              <a:gd name="connsiteX0" fmla="*/ 492695 w 784623"/>
-              <a:gd name="connsiteY0" fmla="*/ 3 h 241689"/>
-              <a:gd name="connsiteX1" fmla="*/ 594810 w 784623"/>
-              <a:gd name="connsiteY1" fmla="*/ 197571 h 241689"/>
-              <a:gd name="connsiteX2" fmla="*/ 770253 w 784623"/>
-              <a:gd name="connsiteY2" fmla="*/ 240019 h 241689"/>
-              <a:gd name="connsiteX3" fmla="*/ 784623 w 784623"/>
-              <a:gd name="connsiteY3" fmla="*/ 240161 h 241689"/>
-              <a:gd name="connsiteX4" fmla="*/ 784623 w 784623"/>
-              <a:gd name="connsiteY4" fmla="*/ 240573 h 241689"/>
-              <a:gd name="connsiteX5" fmla="*/ 0 w 784623"/>
-              <a:gd name="connsiteY5" fmla="*/ 241689 h 241689"/>
-              <a:gd name="connsiteX6" fmla="*/ 0 w 784623"/>
-              <a:gd name="connsiteY6" fmla="*/ 239367 h 241689"/>
-              <a:gd name="connsiteX7" fmla="*/ 54044 w 784623"/>
-              <a:gd name="connsiteY7" fmla="*/ 237246 h 241689"/>
-              <a:gd name="connsiteX8" fmla="*/ 209102 w 784623"/>
-              <a:gd name="connsiteY8" fmla="*/ 202691 h 241689"/>
-              <a:gd name="connsiteX9" fmla="*/ 311498 w 784623"/>
-              <a:gd name="connsiteY9" fmla="*/ 2204 h 241689"/>
-              <a:gd name="connsiteX10" fmla="*/ 492695 w 784623"/>
-              <a:gd name="connsiteY10" fmla="*/ 3 h 241689"/>
-            </a:gdLst>
-            <a:ahLst/>
-            <a:cxnLst>
-              <a:cxn ang="0">
-                <a:pos x="connsiteX0" y="connsiteY0"/>
-              </a:cxn>
-              <a:cxn ang="0">
-                <a:pos x="connsiteX1" y="connsiteY1"/>
-              </a:cxn>
-              <a:cxn ang="0">
-                <a:pos x="connsiteX2" y="connsiteY2"/>
-              </a:cxn>
-              <a:cxn ang="0">
-                <a:pos x="connsiteX3" y="connsiteY3"/>
-              </a:cxn>
-              <a:cxn ang="0">
-                <a:pos x="connsiteX4" y="connsiteY4"/>
-              </a:cxn>
-              <a:cxn ang="0">
-                <a:pos x="connsiteX5" y="connsiteY5"/>
-              </a:cxn>
-              <a:cxn ang="0">
-                <a:pos x="connsiteX6" y="connsiteY6"/>
-              </a:cxn>
-              <a:cxn ang="0">
-                <a:pos x="connsiteX7" y="connsiteY7"/>
-              </a:cxn>
-              <a:cxn ang="0">
-                <a:pos x="connsiteX8" y="connsiteY8"/>
-              </a:cxn>
-              <a:cxn ang="0">
-                <a:pos x="connsiteX9" y="connsiteY9"/>
-              </a:cxn>
-              <a:cxn ang="0">
-                <a:pos x="connsiteX10" y="connsiteY10"/>
-              </a:cxn>
-            </a:cxnLst>
-            <a:rect l="l" t="t" r="r" b="b"/>
-            <a:pathLst>
-              <a:path w="784623" h="241689">
-                <a:moveTo>
-                  <a:pt x="492695" y="3"/>
-                </a:moveTo>
-                <a:cubicBezTo>
-                  <a:pt x="576095" y="-772"/>
-                  <a:pt x="505860" y="157136"/>
-                  <a:pt x="594810" y="197571"/>
-                </a:cubicBezTo>
-                <a:cubicBezTo>
-                  <a:pt x="641238" y="226296"/>
-                  <a:pt x="699273" y="236677"/>
-                  <a:pt x="770253" y="240019"/>
-                </a:cubicBezTo>
-                <a:lnTo>
-                  <a:pt x="784623" y="240161"/>
-                </a:lnTo>
-                <a:lnTo>
-                  <a:pt x="784623" y="240573"/>
-                </a:lnTo>
-                <a:lnTo>
-                  <a:pt x="0" y="241689"/>
-                </a:lnTo>
-                <a:lnTo>
-                  <a:pt x="0" y="239367"/>
-                </a:lnTo>
-                <a:lnTo>
-                  <a:pt x="54044" y="237246"/>
-                </a:lnTo>
-                <a:cubicBezTo>
-                  <a:pt x="117535" y="232446"/>
-                  <a:pt x="168427" y="222669"/>
-                  <a:pt x="209102" y="202691"/>
-                </a:cubicBezTo>
-                <a:cubicBezTo>
-                  <a:pt x="290452" y="162735"/>
-                  <a:pt x="237097" y="266"/>
-                  <a:pt x="311498" y="2204"/>
-                </a:cubicBezTo>
-                <a:cubicBezTo>
-                  <a:pt x="385900" y="4142"/>
-                  <a:pt x="409294" y="778"/>
-                  <a:pt x="492695" y="3"/>
-                </a:cubicBezTo>
-                <a:close/>
-              </a:path>
-            </a:pathLst>
-          </a:custGeom>
-          <a:solidFill>
-            <a:srgbClr val="113256"/>
-          </a:solidFill>
-          <a:ln>
+        </p:grpSpPr>
+        <p:cxnSp>
+          <p:nvCxnSpPr>
+            <p:cNvPr id="92" name="直線接點 91">
+              <a:extLst>
+                <a:ext uri="{FF2B5EF4-FFF2-40B4-BE49-F238E27FC236}">
+                  <a16:creationId xmlns:a16="http://schemas.microsoft.com/office/drawing/2014/main" id="{E62F03C7-61AE-11DA-882C-8BDB1D1028F1}"/>
+                </a:ext>
+              </a:extLst>
+            </p:cNvPr>
+            <p:cNvCxnSpPr>
+              <a:cxnSpLocks/>
+            </p:cNvCxnSpPr>
+            <p:nvPr/>
+          </p:nvCxnSpPr>
+          <p:spPr>
+            <a:xfrm>
+              <a:off x="8866291" y="6411974"/>
+              <a:ext cx="1056097" cy="99744"/>
+            </a:xfrm>
+            <a:prstGeom prst="line">
+              <a:avLst/>
+            </a:prstGeom>
+            <a:ln w="38100">
+              <a:solidFill>
+                <a:srgbClr val="6096BA"/>
+              </a:solidFill>
+            </a:ln>
+          </p:spPr>
+          <p:style>
+            <a:lnRef idx="1">
+              <a:schemeClr val="accent1"/>
+            </a:lnRef>
+            <a:fillRef idx="0">
+              <a:schemeClr val="accent1"/>
+            </a:fillRef>
+            <a:effectRef idx="0">
+              <a:schemeClr val="accent1"/>
+            </a:effectRef>
+            <a:fontRef idx="minor">
+              <a:schemeClr val="tx1"/>
+            </a:fontRef>
+          </p:style>
+        </p:cxnSp>
+        <p:grpSp>
+          <p:nvGrpSpPr>
+            <p:cNvPr id="85" name="群組 84">
+              <a:extLst>
+                <a:ext uri="{FF2B5EF4-FFF2-40B4-BE49-F238E27FC236}">
+                  <a16:creationId xmlns:a16="http://schemas.microsoft.com/office/drawing/2014/main" id="{EE1F200D-0B72-87AE-3FB8-12CE0C96BDB7}"/>
+                </a:ext>
+              </a:extLst>
+            </p:cNvPr>
+            <p:cNvGrpSpPr/>
+            <p:nvPr/>
+          </p:nvGrpSpPr>
+          <p:grpSpPr>
+            <a:xfrm>
+              <a:off x="9824632" y="6211241"/>
+              <a:ext cx="671989" cy="293197"/>
+              <a:chOff x="8814899" y="5685440"/>
+              <a:chExt cx="1786676" cy="779549"/>
+            </a:xfrm>
+          </p:grpSpPr>
+          <p:sp>
+            <p:nvSpPr>
+              <p:cNvPr id="80" name="矩形 79">
+                <a:extLst>
+                  <a:ext uri="{FF2B5EF4-FFF2-40B4-BE49-F238E27FC236}">
+                    <a16:creationId xmlns:a16="http://schemas.microsoft.com/office/drawing/2014/main" id="{B804FE23-0B60-1DF4-F644-8DCCF168F777}"/>
+                  </a:ext>
+                </a:extLst>
+              </p:cNvPr>
+              <p:cNvSpPr/>
+              <p:nvPr/>
+            </p:nvSpPr>
+            <p:spPr>
+              <a:xfrm rot="2707670">
+                <a:off x="9609548" y="4890791"/>
+                <a:ext cx="197378" cy="1786676"/>
+              </a:xfrm>
+              <a:custGeom>
+                <a:avLst/>
+                <a:gdLst>
+                  <a:gd name="connsiteX0" fmla="*/ 0 w 184972"/>
+                  <a:gd name="connsiteY0" fmla="*/ 0 h 1788394"/>
+                  <a:gd name="connsiteX1" fmla="*/ 184972 w 184972"/>
+                  <a:gd name="connsiteY1" fmla="*/ 0 h 1788394"/>
+                  <a:gd name="connsiteX2" fmla="*/ 184972 w 184972"/>
+                  <a:gd name="connsiteY2" fmla="*/ 1788394 h 1788394"/>
+                  <a:gd name="connsiteX3" fmla="*/ 0 w 184972"/>
+                  <a:gd name="connsiteY3" fmla="*/ 1788394 h 1788394"/>
+                  <a:gd name="connsiteX4" fmla="*/ 0 w 184972"/>
+                  <a:gd name="connsiteY4" fmla="*/ 0 h 1788394"/>
+                  <a:gd name="connsiteX0" fmla="*/ 0 w 184972"/>
+                  <a:gd name="connsiteY0" fmla="*/ 0 h 1788394"/>
+                  <a:gd name="connsiteX1" fmla="*/ 183456 w 184972"/>
+                  <a:gd name="connsiteY1" fmla="*/ 75774 h 1788394"/>
+                  <a:gd name="connsiteX2" fmla="*/ 184972 w 184972"/>
+                  <a:gd name="connsiteY2" fmla="*/ 1788394 h 1788394"/>
+                  <a:gd name="connsiteX3" fmla="*/ 0 w 184972"/>
+                  <a:gd name="connsiteY3" fmla="*/ 1788394 h 1788394"/>
+                  <a:gd name="connsiteX4" fmla="*/ 0 w 184972"/>
+                  <a:gd name="connsiteY4" fmla="*/ 0 h 1788394"/>
+                  <a:gd name="connsiteX0" fmla="*/ 0 w 184972"/>
+                  <a:gd name="connsiteY0" fmla="*/ 0 h 1788394"/>
+                  <a:gd name="connsiteX1" fmla="*/ 183456 w 184972"/>
+                  <a:gd name="connsiteY1" fmla="*/ 75774 h 1788394"/>
+                  <a:gd name="connsiteX2" fmla="*/ 184972 w 184972"/>
+                  <a:gd name="connsiteY2" fmla="*/ 1788394 h 1788394"/>
+                  <a:gd name="connsiteX3" fmla="*/ 0 w 184972"/>
+                  <a:gd name="connsiteY3" fmla="*/ 1788394 h 1788394"/>
+                  <a:gd name="connsiteX4" fmla="*/ 0 w 184972"/>
+                  <a:gd name="connsiteY4" fmla="*/ 0 h 1788394"/>
+                  <a:gd name="connsiteX0" fmla="*/ 13658 w 184972"/>
+                  <a:gd name="connsiteY0" fmla="*/ 53892 h 1758127"/>
+                  <a:gd name="connsiteX1" fmla="*/ 183456 w 184972"/>
+                  <a:gd name="connsiteY1" fmla="*/ 45507 h 1758127"/>
+                  <a:gd name="connsiteX2" fmla="*/ 184972 w 184972"/>
+                  <a:gd name="connsiteY2" fmla="*/ 1758127 h 1758127"/>
+                  <a:gd name="connsiteX3" fmla="*/ 0 w 184972"/>
+                  <a:gd name="connsiteY3" fmla="*/ 1758127 h 1758127"/>
+                  <a:gd name="connsiteX4" fmla="*/ 13658 w 184972"/>
+                  <a:gd name="connsiteY4" fmla="*/ 53892 h 1758127"/>
+                  <a:gd name="connsiteX0" fmla="*/ 13658 w 184972"/>
+                  <a:gd name="connsiteY0" fmla="*/ 93297 h 1797532"/>
+                  <a:gd name="connsiteX1" fmla="*/ 183456 w 184972"/>
+                  <a:gd name="connsiteY1" fmla="*/ 84912 h 1797532"/>
+                  <a:gd name="connsiteX2" fmla="*/ 184972 w 184972"/>
+                  <a:gd name="connsiteY2" fmla="*/ 1797532 h 1797532"/>
+                  <a:gd name="connsiteX3" fmla="*/ 0 w 184972"/>
+                  <a:gd name="connsiteY3" fmla="*/ 1797532 h 1797532"/>
+                  <a:gd name="connsiteX4" fmla="*/ 13658 w 184972"/>
+                  <a:gd name="connsiteY4" fmla="*/ 93297 h 1797532"/>
+                  <a:gd name="connsiteX0" fmla="*/ 13658 w 184972"/>
+                  <a:gd name="connsiteY0" fmla="*/ 90721 h 1794956"/>
+                  <a:gd name="connsiteX1" fmla="*/ 183456 w 184972"/>
+                  <a:gd name="connsiteY1" fmla="*/ 82336 h 1794956"/>
+                  <a:gd name="connsiteX2" fmla="*/ 184972 w 184972"/>
+                  <a:gd name="connsiteY2" fmla="*/ 1794956 h 1794956"/>
+                  <a:gd name="connsiteX3" fmla="*/ 0 w 184972"/>
+                  <a:gd name="connsiteY3" fmla="*/ 1794956 h 1794956"/>
+                  <a:gd name="connsiteX4" fmla="*/ 13658 w 184972"/>
+                  <a:gd name="connsiteY4" fmla="*/ 90721 h 1794956"/>
+                  <a:gd name="connsiteX0" fmla="*/ 13658 w 199288"/>
+                  <a:gd name="connsiteY0" fmla="*/ 90721 h 1794956"/>
+                  <a:gd name="connsiteX1" fmla="*/ 183456 w 199288"/>
+                  <a:gd name="connsiteY1" fmla="*/ 82336 h 1794956"/>
+                  <a:gd name="connsiteX2" fmla="*/ 186600 w 199288"/>
+                  <a:gd name="connsiteY2" fmla="*/ 1567407 h 1794956"/>
+                  <a:gd name="connsiteX3" fmla="*/ 184972 w 199288"/>
+                  <a:gd name="connsiteY3" fmla="*/ 1794956 h 1794956"/>
+                  <a:gd name="connsiteX4" fmla="*/ 0 w 199288"/>
+                  <a:gd name="connsiteY4" fmla="*/ 1794956 h 1794956"/>
+                  <a:gd name="connsiteX5" fmla="*/ 13658 w 199288"/>
+                  <a:gd name="connsiteY5" fmla="*/ 90721 h 1794956"/>
+                  <a:gd name="connsiteX0" fmla="*/ 13963 w 199593"/>
+                  <a:gd name="connsiteY0" fmla="*/ 90721 h 1794956"/>
+                  <a:gd name="connsiteX1" fmla="*/ 183761 w 199593"/>
+                  <a:gd name="connsiteY1" fmla="*/ 82336 h 1794956"/>
+                  <a:gd name="connsiteX2" fmla="*/ 186905 w 199593"/>
+                  <a:gd name="connsiteY2" fmla="*/ 1567407 h 1794956"/>
+                  <a:gd name="connsiteX3" fmla="*/ 185277 w 199593"/>
+                  <a:gd name="connsiteY3" fmla="*/ 1794956 h 1794956"/>
+                  <a:gd name="connsiteX4" fmla="*/ 305 w 199593"/>
+                  <a:gd name="connsiteY4" fmla="*/ 1794956 h 1794956"/>
+                  <a:gd name="connsiteX5" fmla="*/ 0 w 199593"/>
+                  <a:gd name="connsiteY5" fmla="*/ 1566140 h 1794956"/>
+                  <a:gd name="connsiteX6" fmla="*/ 13963 w 199593"/>
+                  <a:gd name="connsiteY6" fmla="*/ 90721 h 1794956"/>
+                  <a:gd name="connsiteX0" fmla="*/ 13963 w 197378"/>
+                  <a:gd name="connsiteY0" fmla="*/ 90721 h 1794956"/>
+                  <a:gd name="connsiteX1" fmla="*/ 183761 w 197378"/>
+                  <a:gd name="connsiteY1" fmla="*/ 82336 h 1794956"/>
+                  <a:gd name="connsiteX2" fmla="*/ 186905 w 197378"/>
+                  <a:gd name="connsiteY2" fmla="*/ 1567407 h 1794956"/>
+                  <a:gd name="connsiteX3" fmla="*/ 111175 w 197378"/>
+                  <a:gd name="connsiteY3" fmla="*/ 1788386 h 1794956"/>
+                  <a:gd name="connsiteX4" fmla="*/ 305 w 197378"/>
+                  <a:gd name="connsiteY4" fmla="*/ 1794956 h 1794956"/>
+                  <a:gd name="connsiteX5" fmla="*/ 0 w 197378"/>
+                  <a:gd name="connsiteY5" fmla="*/ 1566140 h 1794956"/>
+                  <a:gd name="connsiteX6" fmla="*/ 13963 w 197378"/>
+                  <a:gd name="connsiteY6" fmla="*/ 90721 h 1794956"/>
+                  <a:gd name="connsiteX0" fmla="*/ 13963 w 197378"/>
+                  <a:gd name="connsiteY0" fmla="*/ 90721 h 1794956"/>
+                  <a:gd name="connsiteX1" fmla="*/ 183761 w 197378"/>
+                  <a:gd name="connsiteY1" fmla="*/ 82336 h 1794956"/>
+                  <a:gd name="connsiteX2" fmla="*/ 186905 w 197378"/>
+                  <a:gd name="connsiteY2" fmla="*/ 1567407 h 1794956"/>
+                  <a:gd name="connsiteX3" fmla="*/ 111175 w 197378"/>
+                  <a:gd name="connsiteY3" fmla="*/ 1788386 h 1794956"/>
+                  <a:gd name="connsiteX4" fmla="*/ 305 w 197378"/>
+                  <a:gd name="connsiteY4" fmla="*/ 1794956 h 1794956"/>
+                  <a:gd name="connsiteX5" fmla="*/ 0 w 197378"/>
+                  <a:gd name="connsiteY5" fmla="*/ 1566140 h 1794956"/>
+                  <a:gd name="connsiteX6" fmla="*/ 13963 w 197378"/>
+                  <a:gd name="connsiteY6" fmla="*/ 90721 h 1794956"/>
+                  <a:gd name="connsiteX0" fmla="*/ 13963 w 197378"/>
+                  <a:gd name="connsiteY0" fmla="*/ 90721 h 1794956"/>
+                  <a:gd name="connsiteX1" fmla="*/ 183761 w 197378"/>
+                  <a:gd name="connsiteY1" fmla="*/ 82336 h 1794956"/>
+                  <a:gd name="connsiteX2" fmla="*/ 186905 w 197378"/>
+                  <a:gd name="connsiteY2" fmla="*/ 1567407 h 1794956"/>
+                  <a:gd name="connsiteX3" fmla="*/ 111175 w 197378"/>
+                  <a:gd name="connsiteY3" fmla="*/ 1788386 h 1794956"/>
+                  <a:gd name="connsiteX4" fmla="*/ 305 w 197378"/>
+                  <a:gd name="connsiteY4" fmla="*/ 1794956 h 1794956"/>
+                  <a:gd name="connsiteX5" fmla="*/ 0 w 197378"/>
+                  <a:gd name="connsiteY5" fmla="*/ 1566140 h 1794956"/>
+                  <a:gd name="connsiteX6" fmla="*/ 13963 w 197378"/>
+                  <a:gd name="connsiteY6" fmla="*/ 90721 h 1794956"/>
+                  <a:gd name="connsiteX0" fmla="*/ 13963 w 197378"/>
+                  <a:gd name="connsiteY0" fmla="*/ 90721 h 1794956"/>
+                  <a:gd name="connsiteX1" fmla="*/ 183761 w 197378"/>
+                  <a:gd name="connsiteY1" fmla="*/ 82336 h 1794956"/>
+                  <a:gd name="connsiteX2" fmla="*/ 186905 w 197378"/>
+                  <a:gd name="connsiteY2" fmla="*/ 1567407 h 1794956"/>
+                  <a:gd name="connsiteX3" fmla="*/ 122958 w 197378"/>
+                  <a:gd name="connsiteY3" fmla="*/ 1786676 h 1794956"/>
+                  <a:gd name="connsiteX4" fmla="*/ 305 w 197378"/>
+                  <a:gd name="connsiteY4" fmla="*/ 1794956 h 1794956"/>
+                  <a:gd name="connsiteX5" fmla="*/ 0 w 197378"/>
+                  <a:gd name="connsiteY5" fmla="*/ 1566140 h 1794956"/>
+                  <a:gd name="connsiteX6" fmla="*/ 13963 w 197378"/>
+                  <a:gd name="connsiteY6" fmla="*/ 90721 h 1794956"/>
+                  <a:gd name="connsiteX0" fmla="*/ 13963 w 197378"/>
+                  <a:gd name="connsiteY0" fmla="*/ 90721 h 1794956"/>
+                  <a:gd name="connsiteX1" fmla="*/ 183761 w 197378"/>
+                  <a:gd name="connsiteY1" fmla="*/ 82336 h 1794956"/>
+                  <a:gd name="connsiteX2" fmla="*/ 186905 w 197378"/>
+                  <a:gd name="connsiteY2" fmla="*/ 1567407 h 1794956"/>
+                  <a:gd name="connsiteX3" fmla="*/ 122958 w 197378"/>
+                  <a:gd name="connsiteY3" fmla="*/ 1786676 h 1794956"/>
+                  <a:gd name="connsiteX4" fmla="*/ 305 w 197378"/>
+                  <a:gd name="connsiteY4" fmla="*/ 1794956 h 1794956"/>
+                  <a:gd name="connsiteX5" fmla="*/ 0 w 197378"/>
+                  <a:gd name="connsiteY5" fmla="*/ 1566140 h 1794956"/>
+                  <a:gd name="connsiteX6" fmla="*/ 13963 w 197378"/>
+                  <a:gd name="connsiteY6" fmla="*/ 90721 h 1794956"/>
+                  <a:gd name="connsiteX0" fmla="*/ 13963 w 197378"/>
+                  <a:gd name="connsiteY0" fmla="*/ 90721 h 1794956"/>
+                  <a:gd name="connsiteX1" fmla="*/ 183761 w 197378"/>
+                  <a:gd name="connsiteY1" fmla="*/ 82336 h 1794956"/>
+                  <a:gd name="connsiteX2" fmla="*/ 186905 w 197378"/>
+                  <a:gd name="connsiteY2" fmla="*/ 1567407 h 1794956"/>
+                  <a:gd name="connsiteX3" fmla="*/ 122958 w 197378"/>
+                  <a:gd name="connsiteY3" fmla="*/ 1786676 h 1794956"/>
+                  <a:gd name="connsiteX4" fmla="*/ 305 w 197378"/>
+                  <a:gd name="connsiteY4" fmla="*/ 1794956 h 1794956"/>
+                  <a:gd name="connsiteX5" fmla="*/ 0 w 197378"/>
+                  <a:gd name="connsiteY5" fmla="*/ 1566140 h 1794956"/>
+                  <a:gd name="connsiteX6" fmla="*/ 13963 w 197378"/>
+                  <a:gd name="connsiteY6" fmla="*/ 90721 h 1794956"/>
+                  <a:gd name="connsiteX0" fmla="*/ 13963 w 197378"/>
+                  <a:gd name="connsiteY0" fmla="*/ 90721 h 1794956"/>
+                  <a:gd name="connsiteX1" fmla="*/ 183761 w 197378"/>
+                  <a:gd name="connsiteY1" fmla="*/ 82336 h 1794956"/>
+                  <a:gd name="connsiteX2" fmla="*/ 186905 w 197378"/>
+                  <a:gd name="connsiteY2" fmla="*/ 1567407 h 1794956"/>
+                  <a:gd name="connsiteX3" fmla="*/ 122958 w 197378"/>
+                  <a:gd name="connsiteY3" fmla="*/ 1786676 h 1794956"/>
+                  <a:gd name="connsiteX4" fmla="*/ 305 w 197378"/>
+                  <a:gd name="connsiteY4" fmla="*/ 1794956 h 1794956"/>
+                  <a:gd name="connsiteX5" fmla="*/ 0 w 197378"/>
+                  <a:gd name="connsiteY5" fmla="*/ 1566140 h 1794956"/>
+                  <a:gd name="connsiteX6" fmla="*/ 13963 w 197378"/>
+                  <a:gd name="connsiteY6" fmla="*/ 90721 h 1794956"/>
+                  <a:gd name="connsiteX0" fmla="*/ 13963 w 197378"/>
+                  <a:gd name="connsiteY0" fmla="*/ 90721 h 1798211"/>
+                  <a:gd name="connsiteX1" fmla="*/ 183761 w 197378"/>
+                  <a:gd name="connsiteY1" fmla="*/ 82336 h 1798211"/>
+                  <a:gd name="connsiteX2" fmla="*/ 186905 w 197378"/>
+                  <a:gd name="connsiteY2" fmla="*/ 1567407 h 1798211"/>
+                  <a:gd name="connsiteX3" fmla="*/ 122958 w 197378"/>
+                  <a:gd name="connsiteY3" fmla="*/ 1786676 h 1798211"/>
+                  <a:gd name="connsiteX4" fmla="*/ 50827 w 197378"/>
+                  <a:gd name="connsiteY4" fmla="*/ 1798211 h 1798211"/>
+                  <a:gd name="connsiteX5" fmla="*/ 0 w 197378"/>
+                  <a:gd name="connsiteY5" fmla="*/ 1566140 h 1798211"/>
+                  <a:gd name="connsiteX6" fmla="*/ 13963 w 197378"/>
+                  <a:gd name="connsiteY6" fmla="*/ 90721 h 1798211"/>
+                  <a:gd name="connsiteX0" fmla="*/ 13963 w 197378"/>
+                  <a:gd name="connsiteY0" fmla="*/ 90721 h 1798211"/>
+                  <a:gd name="connsiteX1" fmla="*/ 183761 w 197378"/>
+                  <a:gd name="connsiteY1" fmla="*/ 82336 h 1798211"/>
+                  <a:gd name="connsiteX2" fmla="*/ 186905 w 197378"/>
+                  <a:gd name="connsiteY2" fmla="*/ 1567407 h 1798211"/>
+                  <a:gd name="connsiteX3" fmla="*/ 122958 w 197378"/>
+                  <a:gd name="connsiteY3" fmla="*/ 1786676 h 1798211"/>
+                  <a:gd name="connsiteX4" fmla="*/ 50827 w 197378"/>
+                  <a:gd name="connsiteY4" fmla="*/ 1798211 h 1798211"/>
+                  <a:gd name="connsiteX5" fmla="*/ 0 w 197378"/>
+                  <a:gd name="connsiteY5" fmla="*/ 1566140 h 1798211"/>
+                  <a:gd name="connsiteX6" fmla="*/ 13963 w 197378"/>
+                  <a:gd name="connsiteY6" fmla="*/ 90721 h 1798211"/>
+                  <a:gd name="connsiteX0" fmla="*/ 13963 w 197378"/>
+                  <a:gd name="connsiteY0" fmla="*/ 90721 h 1798211"/>
+                  <a:gd name="connsiteX1" fmla="*/ 183761 w 197378"/>
+                  <a:gd name="connsiteY1" fmla="*/ 82336 h 1798211"/>
+                  <a:gd name="connsiteX2" fmla="*/ 186905 w 197378"/>
+                  <a:gd name="connsiteY2" fmla="*/ 1567407 h 1798211"/>
+                  <a:gd name="connsiteX3" fmla="*/ 122958 w 197378"/>
+                  <a:gd name="connsiteY3" fmla="*/ 1786676 h 1798211"/>
+                  <a:gd name="connsiteX4" fmla="*/ 50827 w 197378"/>
+                  <a:gd name="connsiteY4" fmla="*/ 1798211 h 1798211"/>
+                  <a:gd name="connsiteX5" fmla="*/ 0 w 197378"/>
+                  <a:gd name="connsiteY5" fmla="*/ 1566140 h 1798211"/>
+                  <a:gd name="connsiteX6" fmla="*/ 13963 w 197378"/>
+                  <a:gd name="connsiteY6" fmla="*/ 90721 h 1798211"/>
+                  <a:gd name="connsiteX0" fmla="*/ 13963 w 197378"/>
+                  <a:gd name="connsiteY0" fmla="*/ 90721 h 1798211"/>
+                  <a:gd name="connsiteX1" fmla="*/ 183761 w 197378"/>
+                  <a:gd name="connsiteY1" fmla="*/ 82336 h 1798211"/>
+                  <a:gd name="connsiteX2" fmla="*/ 186905 w 197378"/>
+                  <a:gd name="connsiteY2" fmla="*/ 1567407 h 1798211"/>
+                  <a:gd name="connsiteX3" fmla="*/ 122958 w 197378"/>
+                  <a:gd name="connsiteY3" fmla="*/ 1786676 h 1798211"/>
+                  <a:gd name="connsiteX4" fmla="*/ 50827 w 197378"/>
+                  <a:gd name="connsiteY4" fmla="*/ 1798211 h 1798211"/>
+                  <a:gd name="connsiteX5" fmla="*/ 0 w 197378"/>
+                  <a:gd name="connsiteY5" fmla="*/ 1566140 h 1798211"/>
+                  <a:gd name="connsiteX6" fmla="*/ 13963 w 197378"/>
+                  <a:gd name="connsiteY6" fmla="*/ 90721 h 1798211"/>
+                  <a:gd name="connsiteX0" fmla="*/ 13963 w 197378"/>
+                  <a:gd name="connsiteY0" fmla="*/ 90721 h 1798211"/>
+                  <a:gd name="connsiteX1" fmla="*/ 183761 w 197378"/>
+                  <a:gd name="connsiteY1" fmla="*/ 82336 h 1798211"/>
+                  <a:gd name="connsiteX2" fmla="*/ 186905 w 197378"/>
+                  <a:gd name="connsiteY2" fmla="*/ 1567407 h 1798211"/>
+                  <a:gd name="connsiteX3" fmla="*/ 122958 w 197378"/>
+                  <a:gd name="connsiteY3" fmla="*/ 1786676 h 1798211"/>
+                  <a:gd name="connsiteX4" fmla="*/ 50827 w 197378"/>
+                  <a:gd name="connsiteY4" fmla="*/ 1798211 h 1798211"/>
+                  <a:gd name="connsiteX5" fmla="*/ 0 w 197378"/>
+                  <a:gd name="connsiteY5" fmla="*/ 1566140 h 1798211"/>
+                  <a:gd name="connsiteX6" fmla="*/ 13963 w 197378"/>
+                  <a:gd name="connsiteY6" fmla="*/ 90721 h 1798211"/>
+                  <a:gd name="connsiteX0" fmla="*/ 13963 w 197378"/>
+                  <a:gd name="connsiteY0" fmla="*/ 90721 h 1786676"/>
+                  <a:gd name="connsiteX1" fmla="*/ 183761 w 197378"/>
+                  <a:gd name="connsiteY1" fmla="*/ 82336 h 1786676"/>
+                  <a:gd name="connsiteX2" fmla="*/ 186905 w 197378"/>
+                  <a:gd name="connsiteY2" fmla="*/ 1567407 h 1786676"/>
+                  <a:gd name="connsiteX3" fmla="*/ 122958 w 197378"/>
+                  <a:gd name="connsiteY3" fmla="*/ 1786676 h 1786676"/>
+                  <a:gd name="connsiteX4" fmla="*/ 69322 w 197378"/>
+                  <a:gd name="connsiteY4" fmla="*/ 1786383 h 1786676"/>
+                  <a:gd name="connsiteX5" fmla="*/ 0 w 197378"/>
+                  <a:gd name="connsiteY5" fmla="*/ 1566140 h 1786676"/>
+                  <a:gd name="connsiteX6" fmla="*/ 13963 w 197378"/>
+                  <a:gd name="connsiteY6" fmla="*/ 90721 h 1786676"/>
+                  <a:gd name="connsiteX0" fmla="*/ 13963 w 197378"/>
+                  <a:gd name="connsiteY0" fmla="*/ 90721 h 1786676"/>
+                  <a:gd name="connsiteX1" fmla="*/ 183761 w 197378"/>
+                  <a:gd name="connsiteY1" fmla="*/ 82336 h 1786676"/>
+                  <a:gd name="connsiteX2" fmla="*/ 186905 w 197378"/>
+                  <a:gd name="connsiteY2" fmla="*/ 1567407 h 1786676"/>
+                  <a:gd name="connsiteX3" fmla="*/ 122958 w 197378"/>
+                  <a:gd name="connsiteY3" fmla="*/ 1786676 h 1786676"/>
+                  <a:gd name="connsiteX4" fmla="*/ 69322 w 197378"/>
+                  <a:gd name="connsiteY4" fmla="*/ 1786383 h 1786676"/>
+                  <a:gd name="connsiteX5" fmla="*/ 0 w 197378"/>
+                  <a:gd name="connsiteY5" fmla="*/ 1566140 h 1786676"/>
+                  <a:gd name="connsiteX6" fmla="*/ 13963 w 197378"/>
+                  <a:gd name="connsiteY6" fmla="*/ 90721 h 1786676"/>
+                  <a:gd name="connsiteX0" fmla="*/ 13963 w 197378"/>
+                  <a:gd name="connsiteY0" fmla="*/ 90721 h 1786676"/>
+                  <a:gd name="connsiteX1" fmla="*/ 183761 w 197378"/>
+                  <a:gd name="connsiteY1" fmla="*/ 82336 h 1786676"/>
+                  <a:gd name="connsiteX2" fmla="*/ 186905 w 197378"/>
+                  <a:gd name="connsiteY2" fmla="*/ 1567407 h 1786676"/>
+                  <a:gd name="connsiteX3" fmla="*/ 122958 w 197378"/>
+                  <a:gd name="connsiteY3" fmla="*/ 1786676 h 1786676"/>
+                  <a:gd name="connsiteX4" fmla="*/ 69322 w 197378"/>
+                  <a:gd name="connsiteY4" fmla="*/ 1786383 h 1786676"/>
+                  <a:gd name="connsiteX5" fmla="*/ 0 w 197378"/>
+                  <a:gd name="connsiteY5" fmla="*/ 1566140 h 1786676"/>
+                  <a:gd name="connsiteX6" fmla="*/ 13963 w 197378"/>
+                  <a:gd name="connsiteY6" fmla="*/ 90721 h 1786676"/>
+                  <a:gd name="connsiteX0" fmla="*/ 13963 w 197378"/>
+                  <a:gd name="connsiteY0" fmla="*/ 90721 h 1786676"/>
+                  <a:gd name="connsiteX1" fmla="*/ 183761 w 197378"/>
+                  <a:gd name="connsiteY1" fmla="*/ 82336 h 1786676"/>
+                  <a:gd name="connsiteX2" fmla="*/ 186905 w 197378"/>
+                  <a:gd name="connsiteY2" fmla="*/ 1567407 h 1786676"/>
+                  <a:gd name="connsiteX3" fmla="*/ 122958 w 197378"/>
+                  <a:gd name="connsiteY3" fmla="*/ 1786676 h 1786676"/>
+                  <a:gd name="connsiteX4" fmla="*/ 69322 w 197378"/>
+                  <a:gd name="connsiteY4" fmla="*/ 1786383 h 1786676"/>
+                  <a:gd name="connsiteX5" fmla="*/ 0 w 197378"/>
+                  <a:gd name="connsiteY5" fmla="*/ 1566140 h 1786676"/>
+                  <a:gd name="connsiteX6" fmla="*/ 13963 w 197378"/>
+                  <a:gd name="connsiteY6" fmla="*/ 90721 h 1786676"/>
+                  <a:gd name="connsiteX0" fmla="*/ 13963 w 197378"/>
+                  <a:gd name="connsiteY0" fmla="*/ 90721 h 1786676"/>
+                  <a:gd name="connsiteX1" fmla="*/ 183761 w 197378"/>
+                  <a:gd name="connsiteY1" fmla="*/ 82336 h 1786676"/>
+                  <a:gd name="connsiteX2" fmla="*/ 186905 w 197378"/>
+                  <a:gd name="connsiteY2" fmla="*/ 1567407 h 1786676"/>
+                  <a:gd name="connsiteX3" fmla="*/ 122958 w 197378"/>
+                  <a:gd name="connsiteY3" fmla="*/ 1786676 h 1786676"/>
+                  <a:gd name="connsiteX4" fmla="*/ 69322 w 197378"/>
+                  <a:gd name="connsiteY4" fmla="*/ 1786383 h 1786676"/>
+                  <a:gd name="connsiteX5" fmla="*/ 0 w 197378"/>
+                  <a:gd name="connsiteY5" fmla="*/ 1566140 h 1786676"/>
+                  <a:gd name="connsiteX6" fmla="*/ 13963 w 197378"/>
+                  <a:gd name="connsiteY6" fmla="*/ 90721 h 1786676"/>
+                  <a:gd name="connsiteX0" fmla="*/ 13963 w 197378"/>
+                  <a:gd name="connsiteY0" fmla="*/ 90721 h 1786676"/>
+                  <a:gd name="connsiteX1" fmla="*/ 183761 w 197378"/>
+                  <a:gd name="connsiteY1" fmla="*/ 82336 h 1786676"/>
+                  <a:gd name="connsiteX2" fmla="*/ 186905 w 197378"/>
+                  <a:gd name="connsiteY2" fmla="*/ 1567407 h 1786676"/>
+                  <a:gd name="connsiteX3" fmla="*/ 122958 w 197378"/>
+                  <a:gd name="connsiteY3" fmla="*/ 1786676 h 1786676"/>
+                  <a:gd name="connsiteX4" fmla="*/ 69322 w 197378"/>
+                  <a:gd name="connsiteY4" fmla="*/ 1786383 h 1786676"/>
+                  <a:gd name="connsiteX5" fmla="*/ 0 w 197378"/>
+                  <a:gd name="connsiteY5" fmla="*/ 1566140 h 1786676"/>
+                  <a:gd name="connsiteX6" fmla="*/ 13963 w 197378"/>
+                  <a:gd name="connsiteY6" fmla="*/ 90721 h 1786676"/>
+                </a:gdLst>
+                <a:ahLst/>
+                <a:cxnLst>
+                  <a:cxn ang="0">
+                    <a:pos x="connsiteX0" y="connsiteY0"/>
+                  </a:cxn>
+                  <a:cxn ang="0">
+                    <a:pos x="connsiteX1" y="connsiteY1"/>
+                  </a:cxn>
+                  <a:cxn ang="0">
+                    <a:pos x="connsiteX2" y="connsiteY2"/>
+                  </a:cxn>
+                  <a:cxn ang="0">
+                    <a:pos x="connsiteX3" y="connsiteY3"/>
+                  </a:cxn>
+                  <a:cxn ang="0">
+                    <a:pos x="connsiteX4" y="connsiteY4"/>
+                  </a:cxn>
+                  <a:cxn ang="0">
+                    <a:pos x="connsiteX5" y="connsiteY5"/>
+                  </a:cxn>
+                  <a:cxn ang="0">
+                    <a:pos x="connsiteX6" y="connsiteY6"/>
+                  </a:cxn>
+                </a:cxnLst>
+                <a:rect l="l" t="t" r="r" b="b"/>
+                <a:pathLst>
+                  <a:path w="197378" h="1786676">
+                    <a:moveTo>
+                      <a:pt x="13963" y="90721"/>
+                    </a:moveTo>
+                    <a:cubicBezTo>
+                      <a:pt x="10807" y="-28685"/>
+                      <a:pt x="177984" y="-28919"/>
+                      <a:pt x="183761" y="82336"/>
+                    </a:cubicBezTo>
+                    <a:cubicBezTo>
+                      <a:pt x="212585" y="328450"/>
+                      <a:pt x="186652" y="1281970"/>
+                      <a:pt x="186905" y="1567407"/>
+                    </a:cubicBezTo>
+                    <a:cubicBezTo>
+                      <a:pt x="156496" y="1694634"/>
+                      <a:pt x="153907" y="1681399"/>
+                      <a:pt x="122958" y="1786676"/>
+                    </a:cubicBezTo>
+                    <a:lnTo>
+                      <a:pt x="69322" y="1786383"/>
+                    </a:lnTo>
+                    <a:cubicBezTo>
+                      <a:pt x="37178" y="1688295"/>
+                      <a:pt x="33867" y="1682747"/>
+                      <a:pt x="0" y="1566140"/>
+                    </a:cubicBezTo>
+                    <a:lnTo>
+                      <a:pt x="13963" y="90721"/>
+                    </a:lnTo>
+                    <a:close/>
+                  </a:path>
+                </a:pathLst>
+              </a:custGeom>
+              <a:noFill/>
+              <a:ln w="15875">
+                <a:solidFill>
+                  <a:srgbClr val="113256"/>
+                </a:solidFill>
+              </a:ln>
+            </p:spPr>
+            <p:style>
+              <a:lnRef idx="2">
+                <a:schemeClr val="accent1">
+                  <a:shade val="50000"/>
+                </a:schemeClr>
+              </a:lnRef>
+              <a:fillRef idx="1">
+                <a:schemeClr val="accent1"/>
+              </a:fillRef>
+              <a:effectRef idx="0">
+                <a:schemeClr val="accent1"/>
+              </a:effectRef>
+              <a:fontRef idx="minor">
+                <a:schemeClr val="lt1"/>
+              </a:fontRef>
+            </p:style>
+            <p:txBody>
+              <a:bodyPr rtlCol="0" anchor="ctr"/>
+              <a:lstStyle/>
+              <a:p>
+                <a:pPr algn="ctr"/>
+                <a:endParaRPr lang="zh-TW" altLang="en-US"/>
+              </a:p>
+            </p:txBody>
+          </p:sp>
+          <p:sp>
+            <p:nvSpPr>
+              <p:cNvPr id="83" name="梯形 82">
+                <a:extLst>
+                  <a:ext uri="{FF2B5EF4-FFF2-40B4-BE49-F238E27FC236}">
+                    <a16:creationId xmlns:a16="http://schemas.microsoft.com/office/drawing/2014/main" id="{81B1706E-A2EF-4EAE-96C8-AD34876B234F}"/>
+                  </a:ext>
+                </a:extLst>
+              </p:cNvPr>
+              <p:cNvSpPr/>
+              <p:nvPr/>
+            </p:nvSpPr>
+            <p:spPr>
+              <a:xfrm rot="13500000">
+                <a:off x="9018287" y="6393320"/>
+                <a:ext cx="55800" cy="87538"/>
+              </a:xfrm>
+              <a:prstGeom prst="trapezoid">
+                <a:avLst/>
+              </a:prstGeom>
+              <a:solidFill>
+                <a:srgbClr val="113256"/>
+              </a:solidFill>
+              <a:ln>
+                <a:noFill/>
+              </a:ln>
+            </p:spPr>
+            <p:style>
+              <a:lnRef idx="2">
+                <a:schemeClr val="accent1">
+                  <a:shade val="50000"/>
+                </a:schemeClr>
+              </a:lnRef>
+              <a:fillRef idx="1">
+                <a:schemeClr val="accent1"/>
+              </a:fillRef>
+              <a:effectRef idx="0">
+                <a:schemeClr val="accent1"/>
+              </a:effectRef>
+              <a:fontRef idx="minor">
+                <a:schemeClr val="lt1"/>
+              </a:fontRef>
+            </p:style>
+            <p:txBody>
+              <a:bodyPr rtlCol="0" anchor="ctr"/>
+              <a:lstStyle/>
+              <a:p>
+                <a:pPr algn="ctr"/>
+                <a:endParaRPr lang="zh-TW" altLang="en-US"/>
+              </a:p>
+            </p:txBody>
+          </p:sp>
+        </p:grpSp>
+        <p:grpSp>
+          <p:nvGrpSpPr>
+            <p:cNvPr id="98" name="群組 97">
+              <a:extLst>
+                <a:ext uri="{FF2B5EF4-FFF2-40B4-BE49-F238E27FC236}">
+                  <a16:creationId xmlns:a16="http://schemas.microsoft.com/office/drawing/2014/main" id="{DD96CE61-1D33-BA43-0F61-C1295876AC4E}"/>
+                </a:ext>
+              </a:extLst>
+            </p:cNvPr>
+            <p:cNvGrpSpPr/>
+            <p:nvPr/>
+          </p:nvGrpSpPr>
+          <p:grpSpPr>
+            <a:xfrm>
+              <a:off x="10072426" y="5796175"/>
+              <a:ext cx="112759" cy="215420"/>
+              <a:chOff x="9844251" y="5190610"/>
+              <a:chExt cx="362259" cy="692078"/>
+            </a:xfrm>
+            <a:solidFill>
+              <a:srgbClr val="E6ECEF">
+                <a:alpha val="60000"/>
+              </a:srgbClr>
+            </a:solidFill>
+          </p:grpSpPr>
+          <p:sp>
+            <p:nvSpPr>
+              <p:cNvPr id="95" name="橢圓 94">
+                <a:extLst>
+                  <a:ext uri="{FF2B5EF4-FFF2-40B4-BE49-F238E27FC236}">
+                    <a16:creationId xmlns:a16="http://schemas.microsoft.com/office/drawing/2014/main" id="{5BD7574E-D64F-FE9A-F79A-8EB8385C600B}"/>
+                  </a:ext>
+                </a:extLst>
+              </p:cNvPr>
+              <p:cNvSpPr/>
+              <p:nvPr/>
+            </p:nvSpPr>
+            <p:spPr>
+              <a:xfrm rot="20925571">
+                <a:off x="9897739" y="5190610"/>
+                <a:ext cx="308771" cy="682549"/>
+              </a:xfrm>
+              <a:prstGeom prst="ellipse">
+                <a:avLst/>
+              </a:prstGeom>
+              <a:grpFill/>
+              <a:ln w="6350">
+                <a:solidFill>
+                  <a:srgbClr val="113256"/>
+                </a:solidFill>
+              </a:ln>
+            </p:spPr>
+            <p:style>
+              <a:lnRef idx="2">
+                <a:schemeClr val="accent1">
+                  <a:shade val="50000"/>
+                </a:schemeClr>
+              </a:lnRef>
+              <a:fillRef idx="1">
+                <a:schemeClr val="accent1"/>
+              </a:fillRef>
+              <a:effectRef idx="0">
+                <a:schemeClr val="accent1"/>
+              </a:effectRef>
+              <a:fontRef idx="minor">
+                <a:schemeClr val="lt1"/>
+              </a:fontRef>
+            </p:style>
+            <p:txBody>
+              <a:bodyPr rtlCol="0" anchor="ctr"/>
+              <a:lstStyle/>
+              <a:p>
+                <a:pPr algn="ctr"/>
+                <a:endParaRPr lang="zh-TW" altLang="en-US"/>
+              </a:p>
+            </p:txBody>
+          </p:sp>
+          <p:sp>
+            <p:nvSpPr>
+              <p:cNvPr id="97" name="橢圓 96">
+                <a:extLst>
+                  <a:ext uri="{FF2B5EF4-FFF2-40B4-BE49-F238E27FC236}">
+                    <a16:creationId xmlns:a16="http://schemas.microsoft.com/office/drawing/2014/main" id="{059FEAE5-C83D-5EE7-5388-04B5FCA83A8D}"/>
+                  </a:ext>
+                </a:extLst>
+              </p:cNvPr>
+              <p:cNvSpPr/>
+              <p:nvPr/>
+            </p:nvSpPr>
+            <p:spPr>
+              <a:xfrm rot="20925571">
+                <a:off x="9844251" y="5200139"/>
+                <a:ext cx="308771" cy="682549"/>
+              </a:xfrm>
+              <a:prstGeom prst="ellipse">
+                <a:avLst/>
+              </a:prstGeom>
+              <a:grpFill/>
+              <a:ln w="6350">
+                <a:solidFill>
+                  <a:srgbClr val="113256"/>
+                </a:solidFill>
+              </a:ln>
+            </p:spPr>
+            <p:style>
+              <a:lnRef idx="2">
+                <a:schemeClr val="accent1">
+                  <a:shade val="50000"/>
+                </a:schemeClr>
+              </a:lnRef>
+              <a:fillRef idx="1">
+                <a:schemeClr val="accent1"/>
+              </a:fillRef>
+              <a:effectRef idx="0">
+                <a:schemeClr val="accent1"/>
+              </a:effectRef>
+              <a:fontRef idx="minor">
+                <a:schemeClr val="lt1"/>
+              </a:fontRef>
+            </p:style>
+            <p:txBody>
+              <a:bodyPr rtlCol="0" anchor="ctr"/>
+              <a:lstStyle/>
+              <a:p>
+                <a:pPr algn="ctr"/>
+                <a:endParaRPr lang="zh-TW" altLang="en-US"/>
+              </a:p>
+            </p:txBody>
+          </p:sp>
+        </p:grpSp>
+        <p:grpSp>
+          <p:nvGrpSpPr>
+            <p:cNvPr id="108" name="群組 107">
+              <a:extLst>
+                <a:ext uri="{FF2B5EF4-FFF2-40B4-BE49-F238E27FC236}">
+                  <a16:creationId xmlns:a16="http://schemas.microsoft.com/office/drawing/2014/main" id="{6E7D54AF-D8C2-8FFE-CCFA-6CB6A0A72350}"/>
+                </a:ext>
+              </a:extLst>
+            </p:cNvPr>
+            <p:cNvGrpSpPr/>
+            <p:nvPr/>
+          </p:nvGrpSpPr>
+          <p:grpSpPr>
+            <a:xfrm>
+              <a:off x="8939338" y="6015038"/>
+              <a:ext cx="1212834" cy="294712"/>
+              <a:chOff x="8989053" y="6184245"/>
+              <a:chExt cx="1129028" cy="275254"/>
+            </a:xfrm>
+          </p:grpSpPr>
+          <p:sp>
+            <p:nvSpPr>
+              <p:cNvPr id="105" name="等腰三角形 104">
+                <a:extLst>
+                  <a:ext uri="{FF2B5EF4-FFF2-40B4-BE49-F238E27FC236}">
+                    <a16:creationId xmlns:a16="http://schemas.microsoft.com/office/drawing/2014/main" id="{C37789DC-6482-31D7-EDD6-9512C93E2FA6}"/>
+                  </a:ext>
+                </a:extLst>
+              </p:cNvPr>
+              <p:cNvSpPr/>
+              <p:nvPr/>
+            </p:nvSpPr>
+            <p:spPr>
+              <a:xfrm rot="3988864" flipH="1">
+                <a:off x="9267007" y="6135826"/>
+                <a:ext cx="45719" cy="601627"/>
+              </a:xfrm>
+              <a:prstGeom prst="triangle">
+                <a:avLst/>
+              </a:prstGeom>
+              <a:solidFill>
+                <a:srgbClr val="6096BA"/>
+              </a:solidFill>
+              <a:ln>
+                <a:noFill/>
+              </a:ln>
+            </p:spPr>
+            <p:style>
+              <a:lnRef idx="2">
+                <a:schemeClr val="accent1">
+                  <a:shade val="50000"/>
+                </a:schemeClr>
+              </a:lnRef>
+              <a:fillRef idx="1">
+                <a:schemeClr val="accent1"/>
+              </a:fillRef>
+              <a:effectRef idx="0">
+                <a:schemeClr val="accent1"/>
+              </a:effectRef>
+              <a:fontRef idx="minor">
+                <a:schemeClr val="lt1"/>
+              </a:fontRef>
+            </p:style>
+            <p:txBody>
+              <a:bodyPr rtlCol="0" anchor="ctr"/>
+              <a:lstStyle/>
+              <a:p>
+                <a:pPr algn="ctr"/>
+                <a:endParaRPr lang="zh-TW" altLang="en-US"/>
+              </a:p>
+            </p:txBody>
+          </p:sp>
+          <p:sp>
+            <p:nvSpPr>
+              <p:cNvPr id="107" name="等腰三角形 106">
+                <a:extLst>
+                  <a:ext uri="{FF2B5EF4-FFF2-40B4-BE49-F238E27FC236}">
+                    <a16:creationId xmlns:a16="http://schemas.microsoft.com/office/drawing/2014/main" id="{FF361372-9E3A-D092-39A9-6B84EDB716A3}"/>
+                  </a:ext>
+                </a:extLst>
+              </p:cNvPr>
+              <p:cNvSpPr/>
+              <p:nvPr/>
+            </p:nvSpPr>
+            <p:spPr>
+              <a:xfrm rot="3988864" flipV="1">
+                <a:off x="9794408" y="5906291"/>
+                <a:ext cx="45719" cy="601627"/>
+              </a:xfrm>
+              <a:prstGeom prst="triangle">
+                <a:avLst/>
+              </a:prstGeom>
+              <a:solidFill>
+                <a:srgbClr val="6096BA"/>
+              </a:solidFill>
+              <a:ln>
+                <a:noFill/>
+              </a:ln>
+            </p:spPr>
+            <p:style>
+              <a:lnRef idx="2">
+                <a:schemeClr val="accent1">
+                  <a:shade val="50000"/>
+                </a:schemeClr>
+              </a:lnRef>
+              <a:fillRef idx="1">
+                <a:schemeClr val="accent1"/>
+              </a:fillRef>
+              <a:effectRef idx="0">
+                <a:schemeClr val="accent1"/>
+              </a:effectRef>
+              <a:fontRef idx="minor">
+                <a:schemeClr val="lt1"/>
+              </a:fontRef>
+            </p:style>
+            <p:txBody>
+              <a:bodyPr rtlCol="0" anchor="ctr"/>
+              <a:lstStyle/>
+              <a:p>
+                <a:pPr algn="ctr"/>
+                <a:r>
+                  <a:rPr lang="zh-TW" altLang="en-US" dirty="0"/>
+                  <a:t> </a:t>
+                </a:r>
+              </a:p>
+            </p:txBody>
+          </p:sp>
+        </p:grpSp>
+        <p:cxnSp>
+          <p:nvCxnSpPr>
+            <p:cNvPr id="109" name="直線接點 108">
+              <a:extLst>
+                <a:ext uri="{FF2B5EF4-FFF2-40B4-BE49-F238E27FC236}">
+                  <a16:creationId xmlns:a16="http://schemas.microsoft.com/office/drawing/2014/main" id="{B0310341-92B4-B629-77BB-E5497C7BC2AD}"/>
+                </a:ext>
+              </a:extLst>
+            </p:cNvPr>
+            <p:cNvCxnSpPr>
+              <a:cxnSpLocks/>
+            </p:cNvCxnSpPr>
+            <p:nvPr/>
+          </p:nvCxnSpPr>
+          <p:spPr>
+            <a:xfrm>
+              <a:off x="8716228" y="5802275"/>
+              <a:ext cx="1396606" cy="105060"/>
+            </a:xfrm>
+            <a:prstGeom prst="line">
+              <a:avLst/>
+            </a:prstGeom>
+            <a:ln w="38100">
+              <a:solidFill>
+                <a:srgbClr val="6096BA"/>
+              </a:solidFill>
+            </a:ln>
+          </p:spPr>
+          <p:style>
+            <a:lnRef idx="1">
+              <a:schemeClr val="accent1"/>
+            </a:lnRef>
+            <a:fillRef idx="0">
+              <a:schemeClr val="accent1"/>
+            </a:fillRef>
+            <a:effectRef idx="0">
+              <a:schemeClr val="accent1"/>
+            </a:effectRef>
+            <a:fontRef idx="minor">
+              <a:schemeClr val="tx1"/>
+            </a:fontRef>
+          </p:style>
+        </p:cxnSp>
+        <p:cxnSp>
+          <p:nvCxnSpPr>
+            <p:cNvPr id="113" name="直線接點 112">
+              <a:extLst>
+                <a:ext uri="{FF2B5EF4-FFF2-40B4-BE49-F238E27FC236}">
+                  <a16:creationId xmlns:a16="http://schemas.microsoft.com/office/drawing/2014/main" id="{4904F59D-570B-7662-DF9E-240B89EF8B23}"/>
+                </a:ext>
+              </a:extLst>
+            </p:cNvPr>
+            <p:cNvCxnSpPr>
+              <a:cxnSpLocks/>
+            </p:cNvCxnSpPr>
+            <p:nvPr/>
+          </p:nvCxnSpPr>
+          <p:spPr>
+            <a:xfrm flipV="1">
+              <a:off x="8825549" y="5972498"/>
+              <a:ext cx="498854" cy="212930"/>
+            </a:xfrm>
+            <a:prstGeom prst="line">
+              <a:avLst/>
+            </a:prstGeom>
+            <a:ln>
+              <a:solidFill>
+                <a:srgbClr val="8B8C89"/>
+              </a:solidFill>
+              <a:prstDash val="lgDash"/>
+            </a:ln>
+          </p:spPr>
+          <p:style>
+            <a:lnRef idx="1">
+              <a:schemeClr val="accent1"/>
+            </a:lnRef>
+            <a:fillRef idx="0">
+              <a:schemeClr val="accent1"/>
+            </a:fillRef>
+            <a:effectRef idx="0">
+              <a:schemeClr val="accent1"/>
+            </a:effectRef>
+            <a:fontRef idx="minor">
+              <a:schemeClr val="tx1"/>
+            </a:fontRef>
+          </p:style>
+        </p:cxnSp>
+        <p:cxnSp>
+          <p:nvCxnSpPr>
+            <p:cNvPr id="117" name="直線接點 116">
+              <a:extLst>
+                <a:ext uri="{FF2B5EF4-FFF2-40B4-BE49-F238E27FC236}">
+                  <a16:creationId xmlns:a16="http://schemas.microsoft.com/office/drawing/2014/main" id="{EDD49685-C657-D826-049E-06076BE6F2A0}"/>
+                </a:ext>
+              </a:extLst>
+            </p:cNvPr>
+            <p:cNvCxnSpPr>
+              <a:cxnSpLocks/>
+            </p:cNvCxnSpPr>
+            <p:nvPr/>
+          </p:nvCxnSpPr>
+          <p:spPr>
+            <a:xfrm flipH="1" flipV="1">
+              <a:off x="9313002" y="5940231"/>
+              <a:ext cx="196805" cy="188171"/>
+            </a:xfrm>
+            <a:prstGeom prst="line">
+              <a:avLst/>
+            </a:prstGeom>
+            <a:ln>
+              <a:solidFill>
+                <a:srgbClr val="8B8C89"/>
+              </a:solidFill>
+              <a:prstDash val="lgDash"/>
+            </a:ln>
+          </p:spPr>
+          <p:style>
+            <a:lnRef idx="1">
+              <a:schemeClr val="accent1"/>
+            </a:lnRef>
+            <a:fillRef idx="0">
+              <a:schemeClr val="accent1"/>
+            </a:fillRef>
+            <a:effectRef idx="0">
+              <a:schemeClr val="accent1"/>
+            </a:effectRef>
+            <a:fontRef idx="minor">
+              <a:schemeClr val="tx1"/>
+            </a:fontRef>
+          </p:style>
+        </p:cxnSp>
+        <p:cxnSp>
+          <p:nvCxnSpPr>
+            <p:cNvPr id="125" name="直線接點 124">
+              <a:extLst>
+                <a:ext uri="{FF2B5EF4-FFF2-40B4-BE49-F238E27FC236}">
+                  <a16:creationId xmlns:a16="http://schemas.microsoft.com/office/drawing/2014/main" id="{C95B3C91-3A8E-F74D-CC4B-F68C393395A7}"/>
+                </a:ext>
+              </a:extLst>
+            </p:cNvPr>
+            <p:cNvCxnSpPr>
+              <a:cxnSpLocks/>
+            </p:cNvCxnSpPr>
+            <p:nvPr/>
+          </p:nvCxnSpPr>
+          <p:spPr>
+            <a:xfrm flipH="1" flipV="1">
+              <a:off x="8785758" y="6170974"/>
+              <a:ext cx="196805" cy="188171"/>
+            </a:xfrm>
+            <a:prstGeom prst="line">
+              <a:avLst/>
+            </a:prstGeom>
+            <a:ln>
+              <a:solidFill>
+                <a:srgbClr val="8B8C89"/>
+              </a:solidFill>
+              <a:prstDash val="lgDash"/>
+            </a:ln>
+          </p:spPr>
+          <p:style>
+            <a:lnRef idx="1">
+              <a:schemeClr val="accent1"/>
+            </a:lnRef>
+            <a:fillRef idx="0">
+              <a:schemeClr val="accent1"/>
+            </a:fillRef>
+            <a:effectRef idx="0">
+              <a:schemeClr val="accent1"/>
+            </a:effectRef>
+            <a:fontRef idx="minor">
+              <a:schemeClr val="tx1"/>
+            </a:fontRef>
+          </p:style>
+        </p:cxnSp>
+        <p:grpSp>
+          <p:nvGrpSpPr>
+            <p:cNvPr id="101" name="群組 100">
+              <a:extLst>
+                <a:ext uri="{FF2B5EF4-FFF2-40B4-BE49-F238E27FC236}">
+                  <a16:creationId xmlns:a16="http://schemas.microsoft.com/office/drawing/2014/main" id="{CFE36642-C796-FCF1-D54F-DEA8B62465C6}"/>
+                </a:ext>
+              </a:extLst>
+            </p:cNvPr>
+            <p:cNvGrpSpPr/>
+            <p:nvPr/>
+          </p:nvGrpSpPr>
+          <p:grpSpPr>
+            <a:xfrm>
+              <a:off x="8847014" y="6276260"/>
+              <a:ext cx="160390" cy="271426"/>
+              <a:chOff x="9871045" y="5275484"/>
+              <a:chExt cx="308654" cy="522334"/>
+            </a:xfrm>
+            <a:solidFill>
+              <a:srgbClr val="E6ECEF"/>
+            </a:solidFill>
+          </p:grpSpPr>
+          <p:sp>
+            <p:nvSpPr>
+              <p:cNvPr id="102" name="橢圓 101">
+                <a:extLst>
+                  <a:ext uri="{FF2B5EF4-FFF2-40B4-BE49-F238E27FC236}">
+                    <a16:creationId xmlns:a16="http://schemas.microsoft.com/office/drawing/2014/main" id="{D9EF34AB-3579-A559-E75C-A61323E0194B}"/>
+                  </a:ext>
+                </a:extLst>
+              </p:cNvPr>
+              <p:cNvSpPr/>
+              <p:nvPr/>
+            </p:nvSpPr>
+            <p:spPr>
+              <a:xfrm rot="20925571">
+                <a:off x="9924516" y="5275484"/>
+                <a:ext cx="255183" cy="512808"/>
+              </a:xfrm>
+              <a:prstGeom prst="ellipse">
+                <a:avLst/>
+              </a:prstGeom>
+              <a:grpFill/>
+              <a:ln w="6350">
+                <a:solidFill>
+                  <a:srgbClr val="113256"/>
+                </a:solidFill>
+              </a:ln>
+            </p:spPr>
+            <p:style>
+              <a:lnRef idx="2">
+                <a:schemeClr val="accent1">
+                  <a:shade val="50000"/>
+                </a:schemeClr>
+              </a:lnRef>
+              <a:fillRef idx="1">
+                <a:schemeClr val="accent1"/>
+              </a:fillRef>
+              <a:effectRef idx="0">
+                <a:schemeClr val="accent1"/>
+              </a:effectRef>
+              <a:fontRef idx="minor">
+                <a:schemeClr val="lt1"/>
+              </a:fontRef>
+            </p:style>
+            <p:txBody>
+              <a:bodyPr rtlCol="0" anchor="ctr"/>
+              <a:lstStyle/>
+              <a:p>
+                <a:pPr algn="ctr"/>
+                <a:endParaRPr lang="zh-TW" altLang="en-US"/>
+              </a:p>
+            </p:txBody>
+          </p:sp>
+          <p:sp>
+            <p:nvSpPr>
+              <p:cNvPr id="103" name="橢圓 102">
+                <a:extLst>
+                  <a:ext uri="{FF2B5EF4-FFF2-40B4-BE49-F238E27FC236}">
+                    <a16:creationId xmlns:a16="http://schemas.microsoft.com/office/drawing/2014/main" id="{CEE481B3-51FC-D107-B60B-FE53BC430D41}"/>
+                  </a:ext>
+                </a:extLst>
+              </p:cNvPr>
+              <p:cNvSpPr/>
+              <p:nvPr/>
+            </p:nvSpPr>
+            <p:spPr>
+              <a:xfrm rot="20925571">
+                <a:off x="9871045" y="5285010"/>
+                <a:ext cx="255183" cy="512808"/>
+              </a:xfrm>
+              <a:prstGeom prst="ellipse">
+                <a:avLst/>
+              </a:prstGeom>
+              <a:grpFill/>
+              <a:ln w="6350">
+                <a:solidFill>
+                  <a:srgbClr val="113256"/>
+                </a:solidFill>
+              </a:ln>
+            </p:spPr>
+            <p:style>
+              <a:lnRef idx="2">
+                <a:schemeClr val="accent1">
+                  <a:shade val="50000"/>
+                </a:schemeClr>
+              </a:lnRef>
+              <a:fillRef idx="1">
+                <a:schemeClr val="accent1"/>
+              </a:fillRef>
+              <a:effectRef idx="0">
+                <a:schemeClr val="accent1"/>
+              </a:effectRef>
+              <a:fontRef idx="minor">
+                <a:schemeClr val="lt1"/>
+              </a:fontRef>
+            </p:style>
+            <p:txBody>
+              <a:bodyPr rtlCol="0" anchor="ctr"/>
+              <a:lstStyle/>
+              <a:p>
+                <a:pPr algn="ctr"/>
+                <a:endParaRPr lang="zh-TW" altLang="en-US"/>
+              </a:p>
+            </p:txBody>
+          </p:sp>
+        </p:grpSp>
+        <p:sp>
+          <p:nvSpPr>
+            <p:cNvPr id="127" name="文字方塊 126">
+              <a:extLst>
+                <a:ext uri="{FF2B5EF4-FFF2-40B4-BE49-F238E27FC236}">
+                  <a16:creationId xmlns:a16="http://schemas.microsoft.com/office/drawing/2014/main" id="{FA6C12D4-2979-A13D-0BAF-5F1C85CD2D44}"/>
+                </a:ext>
+              </a:extLst>
+            </p:cNvPr>
+            <p:cNvSpPr txBox="1"/>
+            <p:nvPr/>
+          </p:nvSpPr>
+          <p:spPr>
+            <a:xfrm>
+              <a:off x="8867342" y="5803562"/>
+              <a:ext cx="300082" cy="307777"/>
+            </a:xfrm>
+            <a:prstGeom prst="rect">
+              <a:avLst/>
+            </a:prstGeom>
             <a:noFill/>
-          </a:ln>
-        </p:spPr>
-        <p:style>
-          <a:lnRef idx="2">
-            <a:schemeClr val="accent1">
-              <a:shade val="50000"/>
-            </a:schemeClr>
-          </a:lnRef>
-          <a:fillRef idx="1">
-            <a:schemeClr val="accent1"/>
-          </a:fillRef>
-          <a:effectRef idx="0">
-            <a:schemeClr val="accent1"/>
-          </a:effectRef>
-          <a:fontRef idx="minor">
-            <a:schemeClr val="lt1"/>
-          </a:fontRef>
-        </p:style>
-        <p:txBody>
-          <a:bodyPr wrap="square" rtlCol="0" anchor="ctr">
-            <a:noAutofit/>
-          </a:bodyPr>
-          <a:lstStyle/>
-          <a:p>
-            <a:pPr algn="ctr"/>
-            <a:endParaRPr lang="zh-TW" altLang="en-US" dirty="0"/>
-          </a:p>
-        </p:txBody>
-      </p:sp>
-      <p:sp>
-        <p:nvSpPr>
-          <p:cNvPr id="40" name="手繪多邊形: 圖案 39">
-            <a:extLst>
-              <a:ext uri="{FF2B5EF4-FFF2-40B4-BE49-F238E27FC236}">
-                <a16:creationId xmlns:a16="http://schemas.microsoft.com/office/drawing/2014/main" id="{4E0B7EA9-CBEC-43C8-9023-1AE06EDF3457}"/>
-              </a:ext>
-            </a:extLst>
-          </p:cNvPr>
-          <p:cNvSpPr/>
-          <p:nvPr/>
-        </p:nvSpPr>
-        <p:spPr>
-          <a:xfrm>
-            <a:off x="11009620" y="5770177"/>
-            <a:ext cx="581819" cy="241692"/>
-          </a:xfrm>
-          <a:custGeom>
-            <a:avLst/>
-            <a:gdLst>
-              <a:gd name="connsiteX0" fmla="*/ 492695 w 784623"/>
-              <a:gd name="connsiteY0" fmla="*/ 3 h 241689"/>
-              <a:gd name="connsiteX1" fmla="*/ 594810 w 784623"/>
-              <a:gd name="connsiteY1" fmla="*/ 197571 h 241689"/>
-              <a:gd name="connsiteX2" fmla="*/ 770253 w 784623"/>
-              <a:gd name="connsiteY2" fmla="*/ 240019 h 241689"/>
-              <a:gd name="connsiteX3" fmla="*/ 784623 w 784623"/>
-              <a:gd name="connsiteY3" fmla="*/ 240161 h 241689"/>
-              <a:gd name="connsiteX4" fmla="*/ 784623 w 784623"/>
-              <a:gd name="connsiteY4" fmla="*/ 240573 h 241689"/>
-              <a:gd name="connsiteX5" fmla="*/ 0 w 784623"/>
-              <a:gd name="connsiteY5" fmla="*/ 241689 h 241689"/>
-              <a:gd name="connsiteX6" fmla="*/ 0 w 784623"/>
-              <a:gd name="connsiteY6" fmla="*/ 239367 h 241689"/>
-              <a:gd name="connsiteX7" fmla="*/ 54044 w 784623"/>
-              <a:gd name="connsiteY7" fmla="*/ 237246 h 241689"/>
-              <a:gd name="connsiteX8" fmla="*/ 209102 w 784623"/>
-              <a:gd name="connsiteY8" fmla="*/ 202691 h 241689"/>
-              <a:gd name="connsiteX9" fmla="*/ 311498 w 784623"/>
-              <a:gd name="connsiteY9" fmla="*/ 2204 h 241689"/>
-              <a:gd name="connsiteX10" fmla="*/ 492695 w 784623"/>
-              <a:gd name="connsiteY10" fmla="*/ 3 h 241689"/>
-              <a:gd name="connsiteX0" fmla="*/ 492695 w 784623"/>
-              <a:gd name="connsiteY0" fmla="*/ 13428 h 255114"/>
-              <a:gd name="connsiteX1" fmla="*/ 594810 w 784623"/>
-              <a:gd name="connsiteY1" fmla="*/ 210996 h 255114"/>
-              <a:gd name="connsiteX2" fmla="*/ 770253 w 784623"/>
-              <a:gd name="connsiteY2" fmla="*/ 253444 h 255114"/>
-              <a:gd name="connsiteX3" fmla="*/ 784623 w 784623"/>
-              <a:gd name="connsiteY3" fmla="*/ 253586 h 255114"/>
-              <a:gd name="connsiteX4" fmla="*/ 784623 w 784623"/>
-              <a:gd name="connsiteY4" fmla="*/ 253998 h 255114"/>
-              <a:gd name="connsiteX5" fmla="*/ 0 w 784623"/>
-              <a:gd name="connsiteY5" fmla="*/ 255114 h 255114"/>
-              <a:gd name="connsiteX6" fmla="*/ 0 w 784623"/>
-              <a:gd name="connsiteY6" fmla="*/ 252792 h 255114"/>
-              <a:gd name="connsiteX7" fmla="*/ 54044 w 784623"/>
-              <a:gd name="connsiteY7" fmla="*/ 250671 h 255114"/>
-              <a:gd name="connsiteX8" fmla="*/ 209102 w 784623"/>
-              <a:gd name="connsiteY8" fmla="*/ 216116 h 255114"/>
-              <a:gd name="connsiteX9" fmla="*/ 311498 w 784623"/>
-              <a:gd name="connsiteY9" fmla="*/ 15629 h 255114"/>
-              <a:gd name="connsiteX10" fmla="*/ 396714 w 784623"/>
-              <a:gd name="connsiteY10" fmla="*/ 17474 h 255114"/>
-              <a:gd name="connsiteX11" fmla="*/ 492695 w 784623"/>
-              <a:gd name="connsiteY11" fmla="*/ 13428 h 255114"/>
-              <a:gd name="connsiteX0" fmla="*/ 492695 w 784623"/>
-              <a:gd name="connsiteY0" fmla="*/ 6 h 241692"/>
-              <a:gd name="connsiteX1" fmla="*/ 594810 w 784623"/>
-              <a:gd name="connsiteY1" fmla="*/ 197574 h 241692"/>
-              <a:gd name="connsiteX2" fmla="*/ 770253 w 784623"/>
-              <a:gd name="connsiteY2" fmla="*/ 240022 h 241692"/>
-              <a:gd name="connsiteX3" fmla="*/ 784623 w 784623"/>
-              <a:gd name="connsiteY3" fmla="*/ 240164 h 241692"/>
-              <a:gd name="connsiteX4" fmla="*/ 784623 w 784623"/>
-              <a:gd name="connsiteY4" fmla="*/ 240576 h 241692"/>
-              <a:gd name="connsiteX5" fmla="*/ 0 w 784623"/>
-              <a:gd name="connsiteY5" fmla="*/ 241692 h 241692"/>
-              <a:gd name="connsiteX6" fmla="*/ 0 w 784623"/>
-              <a:gd name="connsiteY6" fmla="*/ 239370 h 241692"/>
-              <a:gd name="connsiteX7" fmla="*/ 54044 w 784623"/>
-              <a:gd name="connsiteY7" fmla="*/ 237249 h 241692"/>
-              <a:gd name="connsiteX8" fmla="*/ 209102 w 784623"/>
-              <a:gd name="connsiteY8" fmla="*/ 202694 h 241692"/>
-              <a:gd name="connsiteX9" fmla="*/ 311498 w 784623"/>
-              <a:gd name="connsiteY9" fmla="*/ 2207 h 241692"/>
-              <a:gd name="connsiteX10" fmla="*/ 399926 w 784623"/>
-              <a:gd name="connsiteY10" fmla="*/ 204077 h 241692"/>
-              <a:gd name="connsiteX11" fmla="*/ 492695 w 784623"/>
-              <a:gd name="connsiteY11" fmla="*/ 6 h 241692"/>
-            </a:gdLst>
-            <a:ahLst/>
-            <a:cxnLst>
-              <a:cxn ang="0">
-                <a:pos x="connsiteX0" y="connsiteY0"/>
-              </a:cxn>
-              <a:cxn ang="0">
-                <a:pos x="connsiteX1" y="connsiteY1"/>
-              </a:cxn>
-              <a:cxn ang="0">
-                <a:pos x="connsiteX2" y="connsiteY2"/>
-              </a:cxn>
-              <a:cxn ang="0">
-                <a:pos x="connsiteX3" y="connsiteY3"/>
-              </a:cxn>
-              <a:cxn ang="0">
-                <a:pos x="connsiteX4" y="connsiteY4"/>
-              </a:cxn>
-              <a:cxn ang="0">
-                <a:pos x="connsiteX5" y="connsiteY5"/>
-              </a:cxn>
-              <a:cxn ang="0">
-                <a:pos x="connsiteX6" y="connsiteY6"/>
-              </a:cxn>
-              <a:cxn ang="0">
-                <a:pos x="connsiteX7" y="connsiteY7"/>
-              </a:cxn>
-              <a:cxn ang="0">
-                <a:pos x="connsiteX8" y="connsiteY8"/>
-              </a:cxn>
-              <a:cxn ang="0">
-                <a:pos x="connsiteX9" y="connsiteY9"/>
-              </a:cxn>
-              <a:cxn ang="0">
-                <a:pos x="connsiteX10" y="connsiteY10"/>
-              </a:cxn>
-              <a:cxn ang="0">
-                <a:pos x="connsiteX11" y="connsiteY11"/>
-              </a:cxn>
-            </a:cxnLst>
-            <a:rect l="l" t="t" r="r" b="b"/>
-            <a:pathLst>
-              <a:path w="784623" h="241692">
-                <a:moveTo>
-                  <a:pt x="492695" y="6"/>
-                </a:moveTo>
-                <a:cubicBezTo>
-                  <a:pt x="525176" y="-1078"/>
-                  <a:pt x="505860" y="157139"/>
-                  <a:pt x="594810" y="197574"/>
-                </a:cubicBezTo>
-                <a:cubicBezTo>
-                  <a:pt x="641238" y="226299"/>
-                  <a:pt x="699273" y="236680"/>
-                  <a:pt x="770253" y="240022"/>
-                </a:cubicBezTo>
-                <a:lnTo>
-                  <a:pt x="784623" y="240164"/>
-                </a:lnTo>
-                <a:lnTo>
-                  <a:pt x="784623" y="240576"/>
-                </a:lnTo>
-                <a:lnTo>
-                  <a:pt x="0" y="241692"/>
-                </a:lnTo>
-                <a:lnTo>
-                  <a:pt x="0" y="239370"/>
-                </a:lnTo>
-                <a:lnTo>
-                  <a:pt x="54044" y="237249"/>
-                </a:lnTo>
-                <a:cubicBezTo>
-                  <a:pt x="117535" y="232449"/>
-                  <a:pt x="168427" y="222672"/>
-                  <a:pt x="209102" y="202694"/>
-                </a:cubicBezTo>
-                <a:cubicBezTo>
-                  <a:pt x="290452" y="162738"/>
-                  <a:pt x="279694" y="1977"/>
-                  <a:pt x="311498" y="2207"/>
-                </a:cubicBezTo>
-                <a:cubicBezTo>
-                  <a:pt x="343302" y="2437"/>
-                  <a:pt x="369727" y="204444"/>
-                  <a:pt x="399926" y="204077"/>
-                </a:cubicBezTo>
-                <a:cubicBezTo>
-                  <a:pt x="430125" y="203710"/>
-                  <a:pt x="460214" y="1090"/>
-                  <a:pt x="492695" y="6"/>
-                </a:cubicBezTo>
-                <a:close/>
-              </a:path>
-            </a:pathLst>
-          </a:custGeom>
-          <a:solidFill>
-            <a:srgbClr val="113256"/>
-          </a:solidFill>
-          <a:ln>
-            <a:noFill/>
-          </a:ln>
-        </p:spPr>
-        <p:style>
-          <a:lnRef idx="2">
-            <a:schemeClr val="accent1">
-              <a:shade val="50000"/>
-            </a:schemeClr>
-          </a:lnRef>
-          <a:fillRef idx="1">
-            <a:schemeClr val="accent1"/>
-          </a:fillRef>
-          <a:effectRef idx="0">
-            <a:schemeClr val="accent1"/>
-          </a:effectRef>
-          <a:fontRef idx="minor">
-            <a:schemeClr val="lt1"/>
-          </a:fontRef>
-        </p:style>
-        <p:txBody>
-          <a:bodyPr wrap="square" rtlCol="0" anchor="ctr">
-            <a:noAutofit/>
-          </a:bodyPr>
-          <a:lstStyle/>
-          <a:p>
-            <a:pPr algn="ctr"/>
-            <a:endParaRPr lang="zh-TW" altLang="en-US" dirty="0"/>
-          </a:p>
-        </p:txBody>
-      </p:sp>
-      <p:sp>
-        <p:nvSpPr>
-          <p:cNvPr id="49" name="手繪多邊形: 圖案 48">
-            <a:extLst>
-              <a:ext uri="{FF2B5EF4-FFF2-40B4-BE49-F238E27FC236}">
-                <a16:creationId xmlns:a16="http://schemas.microsoft.com/office/drawing/2014/main" id="{E270BF95-F8FD-4F77-A3E9-E65226FE4B96}"/>
-              </a:ext>
-            </a:extLst>
-          </p:cNvPr>
-          <p:cNvSpPr/>
-          <p:nvPr/>
-        </p:nvSpPr>
-        <p:spPr>
-          <a:xfrm>
-            <a:off x="4288725" y="1000574"/>
-            <a:ext cx="2716913" cy="2459678"/>
-          </a:xfrm>
-          <a:custGeom>
-            <a:avLst/>
-            <a:gdLst>
-              <a:gd name="connsiteX0" fmla="*/ 0 w 2716913"/>
-              <a:gd name="connsiteY0" fmla="*/ 0 h 2459678"/>
-              <a:gd name="connsiteX1" fmla="*/ 7086 w 2716913"/>
-              <a:gd name="connsiteY1" fmla="*/ 18084 h 2459678"/>
-              <a:gd name="connsiteX2" fmla="*/ 382788 w 2716913"/>
-              <a:gd name="connsiteY2" fmla="*/ 2457666 h 2459678"/>
-              <a:gd name="connsiteX3" fmla="*/ 630437 w 2716913"/>
-              <a:gd name="connsiteY3" fmla="*/ 2048090 h 2459678"/>
-              <a:gd name="connsiteX4" fmla="*/ 935238 w 2716913"/>
-              <a:gd name="connsiteY4" fmla="*/ 2457666 h 2459678"/>
-              <a:gd name="connsiteX5" fmla="*/ 1163838 w 2716913"/>
-              <a:gd name="connsiteY5" fmla="*/ 2214778 h 2459678"/>
-              <a:gd name="connsiteX6" fmla="*/ 1440063 w 2716913"/>
-              <a:gd name="connsiteY6" fmla="*/ 2448141 h 2459678"/>
-              <a:gd name="connsiteX7" fmla="*/ 1702000 w 2716913"/>
-              <a:gd name="connsiteY7" fmla="*/ 2367178 h 2459678"/>
-              <a:gd name="connsiteX8" fmla="*/ 2011563 w 2716913"/>
-              <a:gd name="connsiteY8" fmla="*/ 2452903 h 2459678"/>
-              <a:gd name="connsiteX9" fmla="*/ 2263975 w 2716913"/>
-              <a:gd name="connsiteY9" fmla="*/ 2414803 h 2459678"/>
-              <a:gd name="connsiteX10" fmla="*/ 2540200 w 2716913"/>
-              <a:gd name="connsiteY10" fmla="*/ 2452903 h 2459678"/>
-              <a:gd name="connsiteX11" fmla="*/ 2692116 w 2716913"/>
-              <a:gd name="connsiteY11" fmla="*/ 2457592 h 2459678"/>
-              <a:gd name="connsiteX12" fmla="*/ 2714648 w 2716913"/>
-              <a:gd name="connsiteY12" fmla="*/ 2457623 h 2459678"/>
-              <a:gd name="connsiteX13" fmla="*/ 2716913 w 2716913"/>
-              <a:gd name="connsiteY13" fmla="*/ 2459678 h 2459678"/>
-              <a:gd name="connsiteX14" fmla="*/ 0 w 2716913"/>
-              <a:gd name="connsiteY14" fmla="*/ 2459678 h 2459678"/>
-            </a:gdLst>
-            <a:ahLst/>
-            <a:cxnLst>
-              <a:cxn ang="0">
-                <a:pos x="connsiteX0" y="connsiteY0"/>
-              </a:cxn>
-              <a:cxn ang="0">
-                <a:pos x="connsiteX1" y="connsiteY1"/>
-              </a:cxn>
-              <a:cxn ang="0">
-                <a:pos x="connsiteX2" y="connsiteY2"/>
-              </a:cxn>
-              <a:cxn ang="0">
-                <a:pos x="connsiteX3" y="connsiteY3"/>
-              </a:cxn>
-              <a:cxn ang="0">
-                <a:pos x="connsiteX4" y="connsiteY4"/>
-              </a:cxn>
-              <a:cxn ang="0">
-                <a:pos x="connsiteX5" y="connsiteY5"/>
-              </a:cxn>
-              <a:cxn ang="0">
-                <a:pos x="connsiteX6" y="connsiteY6"/>
-              </a:cxn>
-              <a:cxn ang="0">
-                <a:pos x="connsiteX7" y="connsiteY7"/>
-              </a:cxn>
-              <a:cxn ang="0">
-                <a:pos x="connsiteX8" y="connsiteY8"/>
-              </a:cxn>
-              <a:cxn ang="0">
-                <a:pos x="connsiteX9" y="connsiteY9"/>
-              </a:cxn>
-              <a:cxn ang="0">
-                <a:pos x="connsiteX10" y="connsiteY10"/>
-              </a:cxn>
-              <a:cxn ang="0">
-                <a:pos x="connsiteX11" y="connsiteY11"/>
-              </a:cxn>
-              <a:cxn ang="0">
-                <a:pos x="connsiteX12" y="connsiteY12"/>
-              </a:cxn>
-              <a:cxn ang="0">
-                <a:pos x="connsiteX13" y="connsiteY13"/>
-              </a:cxn>
-              <a:cxn ang="0">
-                <a:pos x="connsiteX14" y="connsiteY14"/>
-              </a:cxn>
-            </a:cxnLst>
-            <a:rect l="l" t="t" r="r" b="b"/>
-            <a:pathLst>
-              <a:path w="2716913" h="2459678">
-                <a:moveTo>
-                  <a:pt x="0" y="0"/>
-                </a:moveTo>
-                <a:lnTo>
-                  <a:pt x="7086" y="18084"/>
-                </a:lnTo>
-                <a:cubicBezTo>
-                  <a:pt x="134887" y="401106"/>
-                  <a:pt x="291433" y="2465579"/>
-                  <a:pt x="382788" y="2457666"/>
-                </a:cubicBezTo>
-                <a:cubicBezTo>
-                  <a:pt x="483594" y="2448934"/>
-                  <a:pt x="538362" y="2048090"/>
-                  <a:pt x="630437" y="2048090"/>
-                </a:cubicBezTo>
-                <a:cubicBezTo>
-                  <a:pt x="722512" y="2048090"/>
-                  <a:pt x="846338" y="2429885"/>
-                  <a:pt x="935238" y="2457666"/>
-                </a:cubicBezTo>
-                <a:cubicBezTo>
-                  <a:pt x="1024138" y="2485447"/>
-                  <a:pt x="1079701" y="2216366"/>
-                  <a:pt x="1163838" y="2214778"/>
-                </a:cubicBezTo>
-                <a:cubicBezTo>
-                  <a:pt x="1247976" y="2213191"/>
-                  <a:pt x="1350369" y="2451316"/>
-                  <a:pt x="1440063" y="2448141"/>
-                </a:cubicBezTo>
-                <a:cubicBezTo>
-                  <a:pt x="1529757" y="2444966"/>
-                  <a:pt x="1606750" y="2366384"/>
-                  <a:pt x="1702000" y="2367178"/>
-                </a:cubicBezTo>
-                <a:cubicBezTo>
-                  <a:pt x="1797250" y="2367972"/>
-                  <a:pt x="1903613" y="2454490"/>
-                  <a:pt x="2011563" y="2452903"/>
-                </a:cubicBezTo>
-                <a:cubicBezTo>
-                  <a:pt x="2119513" y="2451316"/>
-                  <a:pt x="2175869" y="2414803"/>
-                  <a:pt x="2263975" y="2414803"/>
-                </a:cubicBezTo>
-                <a:cubicBezTo>
-                  <a:pt x="2352081" y="2414803"/>
-                  <a:pt x="2460031" y="2445759"/>
-                  <a:pt x="2540200" y="2452903"/>
-                </a:cubicBezTo>
-                <a:cubicBezTo>
-                  <a:pt x="2600327" y="2458261"/>
-                  <a:pt x="2642594" y="2457815"/>
-                  <a:pt x="2692116" y="2457592"/>
-                </a:cubicBezTo>
-                <a:lnTo>
-                  <a:pt x="2714648" y="2457623"/>
-                </a:lnTo>
-                <a:lnTo>
-                  <a:pt x="2716913" y="2459678"/>
-                </a:lnTo>
-                <a:lnTo>
-                  <a:pt x="0" y="2459678"/>
-                </a:lnTo>
-                <a:close/>
-              </a:path>
-            </a:pathLst>
-          </a:custGeom>
-        </p:spPr>
-        <p:style>
-          <a:lnRef idx="2">
-            <a:schemeClr val="accent1">
-              <a:shade val="50000"/>
-            </a:schemeClr>
-          </a:lnRef>
-          <a:fillRef idx="1">
-            <a:schemeClr val="accent1"/>
-          </a:fillRef>
-          <a:effectRef idx="0">
-            <a:schemeClr val="accent1"/>
-          </a:effectRef>
-          <a:fontRef idx="minor">
-            <a:schemeClr val="lt1"/>
-          </a:fontRef>
-        </p:style>
-        <p:txBody>
-          <a:bodyPr rtlCol="0" anchor="ctr"/>
-          <a:lstStyle/>
-          <a:p>
-            <a:pPr algn="ctr"/>
-            <a:endParaRPr lang="zh-TW" altLang="en-US"/>
-          </a:p>
-        </p:txBody>
-      </p:sp>
+            <a:scene3d>
+              <a:camera prst="orthographicFront">
+                <a:rot lat="1475681" lon="19560555" rev="277749"/>
+              </a:camera>
+              <a:lightRig rig="threePt" dir="t"/>
+            </a:scene3d>
+          </p:spPr>
+          <p:txBody>
+            <a:bodyPr wrap="none" rtlCol="0">
+              <a:spAutoFit/>
+            </a:bodyPr>
+            <a:lstStyle/>
+            <a:p>
+              <a:r>
+                <a:rPr lang="en-US" altLang="zh-TW" sz="1400" dirty="0">
+                  <a:solidFill>
+                    <a:srgbClr val="8B8C89"/>
+                  </a:solidFill>
+                  <a:cs typeface="Calibri" panose="020F0502020204030204" pitchFamily="34" charset="0"/>
+                </a:rPr>
+                <a:t>f</a:t>
+              </a:r>
+              <a:r>
+                <a:rPr lang="en-US" altLang="zh-TW" sz="1400" baseline="-25000" dirty="0">
+                  <a:solidFill>
+                    <a:srgbClr val="8B8C89"/>
+                  </a:solidFill>
+                  <a:cs typeface="Calibri" panose="020F0502020204030204" pitchFamily="34" charset="0"/>
+                </a:rPr>
+                <a:t>0</a:t>
+              </a:r>
+              <a:endParaRPr lang="zh-TW" altLang="en-US" sz="1400" baseline="-25000" dirty="0">
+                <a:solidFill>
+                  <a:srgbClr val="8B8C89"/>
+                </a:solidFill>
+                <a:cs typeface="Calibri" panose="020F0502020204030204" pitchFamily="34" charset="0"/>
+              </a:endParaRPr>
+            </a:p>
+          </p:txBody>
+        </p:sp>
+      </p:grpSp>
     </p:spTree>
     <p:extLst>
       <p:ext uri="{BB962C8B-B14F-4D97-AF65-F5344CB8AC3E}">
         <p14:creationId xmlns:p14="http://schemas.microsoft.com/office/powerpoint/2010/main" val="175173873"/>
+      </p:ext>
+    </p:extLst>
+  </p:cSld>
+  <p:clrMapOvr>
+    <a:masterClrMapping/>
+  </p:clrMapOvr>
+</p:sld>
+</file>
+
+<file path=ppt/slides/slide5.xml><?xml version="1.0" encoding="utf-8"?>
+<p:sld xmlns:a="http://schemas.openxmlformats.org/drawingml/2006/main" xmlns:r="http://schemas.openxmlformats.org/officeDocument/2006/relationships" xmlns:p="http://schemas.openxmlformats.org/presentationml/2006/main">
+  <p:cSld>
+    <p:spTree>
+      <p:nvGrpSpPr>
+        <p:cNvPr id="1" name=""/>
+        <p:cNvGrpSpPr/>
+        <p:nvPr/>
+      </p:nvGrpSpPr>
+      <p:grpSpPr>
+        <a:xfrm>
+          <a:off x="0" y="0"/>
+          <a:ext cx="0" cy="0"/>
+          <a:chOff x="0" y="0"/>
+          <a:chExt cx="0" cy="0"/>
+        </a:xfrm>
+      </p:grpSpPr>
+    </p:spTree>
+    <p:extLst>
+      <p:ext uri="{BB962C8B-B14F-4D97-AF65-F5344CB8AC3E}">
+        <p14:creationId xmlns:p14="http://schemas.microsoft.com/office/powerpoint/2010/main" val="3891629140"/>
       </p:ext>
     </p:extLst>
   </p:cSld>

--- a/assets/logo.pptx
+++ b/assets/logo.pptx
@@ -263,7 +263,7 @@
           <a:p>
             <a:fld id="{B1F6B719-378C-44E7-A845-600683B1A4ED}" type="datetimeFigureOut">
               <a:rPr lang="zh-TW" altLang="en-US" smtClean="0"/>
-              <a:t>2022/9/10</a:t>
+              <a:t>2022/9/11</a:t>
             </a:fld>
             <a:endParaRPr lang="zh-TW" altLang="en-US"/>
           </a:p>
@@ -497,7 +497,7 @@
           <a:p>
             <a:fld id="{B1F6B719-378C-44E7-A845-600683B1A4ED}" type="datetimeFigureOut">
               <a:rPr lang="zh-TW" altLang="en-US" smtClean="0"/>
-              <a:t>2022/9/10</a:t>
+              <a:t>2022/9/11</a:t>
             </a:fld>
             <a:endParaRPr lang="zh-TW" altLang="en-US"/>
           </a:p>
@@ -705,7 +705,7 @@
           <a:p>
             <a:fld id="{B1F6B719-378C-44E7-A845-600683B1A4ED}" type="datetimeFigureOut">
               <a:rPr lang="zh-TW" altLang="en-US" smtClean="0"/>
-              <a:t>2022/9/10</a:t>
+              <a:t>2022/9/11</a:t>
             </a:fld>
             <a:endParaRPr lang="zh-TW" altLang="en-US"/>
           </a:p>
@@ -903,7 +903,7 @@
           <a:p>
             <a:fld id="{B1F6B719-378C-44E7-A845-600683B1A4ED}" type="datetimeFigureOut">
               <a:rPr lang="zh-TW" altLang="en-US" smtClean="0"/>
-              <a:t>2022/9/10</a:t>
+              <a:t>2022/9/11</a:t>
             </a:fld>
             <a:endParaRPr lang="zh-TW" altLang="en-US"/>
           </a:p>
@@ -1214,7 +1214,7 @@
           <a:p>
             <a:fld id="{B1F6B719-378C-44E7-A845-600683B1A4ED}" type="datetimeFigureOut">
               <a:rPr lang="zh-TW" altLang="en-US" smtClean="0"/>
-              <a:t>2022/9/10</a:t>
+              <a:t>2022/9/11</a:t>
             </a:fld>
             <a:endParaRPr lang="zh-TW" altLang="en-US"/>
           </a:p>
@@ -1515,7 +1515,7 @@
           <a:p>
             <a:fld id="{B1F6B719-378C-44E7-A845-600683B1A4ED}" type="datetimeFigureOut">
               <a:rPr lang="zh-TW" altLang="en-US" smtClean="0"/>
-              <a:t>2022/9/10</a:t>
+              <a:t>2022/9/11</a:t>
             </a:fld>
             <a:endParaRPr lang="zh-TW" altLang="en-US"/>
           </a:p>
@@ -1927,7 +1927,7 @@
           <a:p>
             <a:fld id="{B1F6B719-378C-44E7-A845-600683B1A4ED}" type="datetimeFigureOut">
               <a:rPr lang="zh-TW" altLang="en-US" smtClean="0"/>
-              <a:t>2022/9/10</a:t>
+              <a:t>2022/9/11</a:t>
             </a:fld>
             <a:endParaRPr lang="zh-TW" altLang="en-US"/>
           </a:p>
@@ -2068,7 +2068,7 @@
           <a:p>
             <a:fld id="{B1F6B719-378C-44E7-A845-600683B1A4ED}" type="datetimeFigureOut">
               <a:rPr lang="zh-TW" altLang="en-US" smtClean="0"/>
-              <a:t>2022/9/10</a:t>
+              <a:t>2022/9/11</a:t>
             </a:fld>
             <a:endParaRPr lang="zh-TW" altLang="en-US"/>
           </a:p>
@@ -2181,7 +2181,7 @@
           <a:p>
             <a:fld id="{B1F6B719-378C-44E7-A845-600683B1A4ED}" type="datetimeFigureOut">
               <a:rPr lang="zh-TW" altLang="en-US" smtClean="0"/>
-              <a:t>2022/9/10</a:t>
+              <a:t>2022/9/11</a:t>
             </a:fld>
             <a:endParaRPr lang="zh-TW" altLang="en-US"/>
           </a:p>
@@ -2492,7 +2492,7 @@
           <a:p>
             <a:fld id="{B1F6B719-378C-44E7-A845-600683B1A4ED}" type="datetimeFigureOut">
               <a:rPr lang="zh-TW" altLang="en-US" smtClean="0"/>
-              <a:t>2022/9/10</a:t>
+              <a:t>2022/9/11</a:t>
             </a:fld>
             <a:endParaRPr lang="zh-TW" altLang="en-US"/>
           </a:p>
@@ -2780,7 +2780,7 @@
           <a:p>
             <a:fld id="{B1F6B719-378C-44E7-A845-600683B1A4ED}" type="datetimeFigureOut">
               <a:rPr lang="zh-TW" altLang="en-US" smtClean="0"/>
-              <a:t>2022/9/10</a:t>
+              <a:t>2022/9/11</a:t>
             </a:fld>
             <a:endParaRPr lang="zh-TW" altLang="en-US"/>
           </a:p>
@@ -3021,7 +3021,7 @@
           <a:p>
             <a:fld id="{B1F6B719-378C-44E7-A845-600683B1A4ED}" type="datetimeFigureOut">
               <a:rPr lang="zh-TW" altLang="en-US" smtClean="0"/>
-              <a:t>2022/9/10</a:t>
+              <a:t>2022/9/11</a:t>
             </a:fld>
             <a:endParaRPr lang="zh-TW" altLang="en-US"/>
           </a:p>
@@ -3552,6 +3552,138 @@
               <a:endParaRPr lang="zh-TW" altLang="en-US" sz="3200" b="1" dirty="0">
                 <a:solidFill>
                   <a:schemeClr val="bg1"/>
+                </a:solidFill>
+                <a:latin typeface="Arial Nova" panose="020B0604020202020204" pitchFamily="34" charset="0"/>
+              </a:endParaRPr>
+            </a:p>
+          </p:txBody>
+        </p:sp>
+      </p:grpSp>
+      <p:grpSp>
+        <p:nvGrpSpPr>
+          <p:cNvPr id="7" name="群組 6">
+            <a:extLst>
+              <a:ext uri="{FF2B5EF4-FFF2-40B4-BE49-F238E27FC236}">
+                <a16:creationId xmlns:a16="http://schemas.microsoft.com/office/drawing/2014/main" id="{B0C4828F-2F20-3DAC-4113-D44EC72B89FC}"/>
+              </a:ext>
+            </a:extLst>
+          </p:cNvPr>
+          <p:cNvGrpSpPr/>
+          <p:nvPr/>
+        </p:nvGrpSpPr>
+        <p:grpSpPr>
+          <a:xfrm>
+            <a:off x="7157783" y="1338700"/>
+            <a:ext cx="2008800" cy="2649600"/>
+            <a:chOff x="7157783" y="1338700"/>
+            <a:chExt cx="2008800" cy="2649600"/>
+          </a:xfrm>
+        </p:grpSpPr>
+        <p:sp>
+          <p:nvSpPr>
+            <p:cNvPr id="3" name="矩形 2">
+              <a:extLst>
+                <a:ext uri="{FF2B5EF4-FFF2-40B4-BE49-F238E27FC236}">
+                  <a16:creationId xmlns:a16="http://schemas.microsoft.com/office/drawing/2014/main" id="{56F43CD8-21B3-5C1E-1D2D-733DD1949F4E}"/>
+                </a:ext>
+              </a:extLst>
+            </p:cNvPr>
+            <p:cNvSpPr/>
+            <p:nvPr/>
+          </p:nvSpPr>
+          <p:spPr>
+            <a:xfrm>
+              <a:off x="7157783" y="1338700"/>
+              <a:ext cx="2008800" cy="2649600"/>
+            </a:xfrm>
+            <a:prstGeom prst="rect">
+              <a:avLst/>
+            </a:prstGeom>
+            <a:solidFill>
+              <a:srgbClr val="E6ECEF"/>
+            </a:solidFill>
+            <a:ln>
+              <a:noFill/>
+            </a:ln>
+          </p:spPr>
+          <p:style>
+            <a:lnRef idx="2">
+              <a:schemeClr val="accent1">
+                <a:shade val="50000"/>
+              </a:schemeClr>
+            </a:lnRef>
+            <a:fillRef idx="1">
+              <a:schemeClr val="accent1"/>
+            </a:fillRef>
+            <a:effectRef idx="0">
+              <a:schemeClr val="accent1"/>
+            </a:effectRef>
+            <a:fontRef idx="minor">
+              <a:schemeClr val="lt1"/>
+            </a:fontRef>
+          </p:style>
+          <p:txBody>
+            <a:bodyPr rtlCol="0" anchor="ctr"/>
+            <a:lstStyle/>
+            <a:p>
+              <a:pPr algn="ctr"/>
+              <a:endParaRPr lang="zh-TW" altLang="en-US"/>
+            </a:p>
+          </p:txBody>
+        </p:sp>
+        <p:sp>
+          <p:nvSpPr>
+            <p:cNvPr id="6" name="文字方塊 5">
+              <a:extLst>
+                <a:ext uri="{FF2B5EF4-FFF2-40B4-BE49-F238E27FC236}">
+                  <a16:creationId xmlns:a16="http://schemas.microsoft.com/office/drawing/2014/main" id="{5E53EEC8-9C62-FD16-3DE5-9F4A04088E3D}"/>
+                </a:ext>
+              </a:extLst>
+            </p:cNvPr>
+            <p:cNvSpPr txBox="1"/>
+            <p:nvPr/>
+          </p:nvSpPr>
+          <p:spPr>
+            <a:xfrm>
+              <a:off x="7489371" y="2124891"/>
+              <a:ext cx="1345625" cy="1077218"/>
+            </a:xfrm>
+            <a:prstGeom prst="rect">
+              <a:avLst/>
+            </a:prstGeom>
+            <a:noFill/>
+          </p:spPr>
+          <p:txBody>
+            <a:bodyPr wrap="none" rtlCol="0">
+              <a:spAutoFit/>
+            </a:bodyPr>
+            <a:lstStyle/>
+            <a:p>
+              <a:pPr algn="ctr"/>
+              <a:r>
+                <a:rPr lang="en-US" altLang="zh-TW" sz="3200" b="1" dirty="0">
+                  <a:solidFill>
+                    <a:srgbClr val="8B8C89"/>
+                  </a:solidFill>
+                  <a:latin typeface="Arial Nova" panose="020B0604020202020204" pitchFamily="34" charset="0"/>
+                </a:rPr>
+                <a:t>No</a:t>
+              </a:r>
+            </a:p>
+            <a:p>
+              <a:pPr algn="ctr"/>
+              <a:r>
+                <a:rPr lang="en-US" altLang="zh-TW" sz="3200" b="1" dirty="0">
+                  <a:solidFill>
+                    <a:srgbClr val="8B8C89"/>
+                  </a:solidFill>
+                  <a:latin typeface="Arial Nova" panose="020B0604020202020204" pitchFamily="34" charset="0"/>
+                </a:rPr>
+                <a:t>Cover</a:t>
+              </a:r>
+              <a:endParaRPr lang="zh-TW" altLang="en-US" sz="3200" b="1" dirty="0">
+                <a:solidFill>
+                  <a:srgbClr val="8B8C89"/>
                 </a:solidFill>
                 <a:latin typeface="Arial Nova" panose="020B0604020202020204" pitchFamily="34" charset="0"/>
               </a:endParaRPr>
